--- a/Document/DOC_source/ppt/COMP_Project_ppt(신동준,조수한).pptx
+++ b/Document/DOC_source/ppt/COMP_Project_ppt(신동준,조수한).pptx
@@ -55,12 +55,12 @@
   <p:notesSz cx="6858000" cy="9144000"/>
   <p:embeddedFontLst>
     <p:embeddedFont>
-      <p:font typeface="맑은 고딕" panose="020B0503020000020004" pitchFamily="50" charset="-127"/>
+      <p:font typeface="맑은 고딕" pitchFamily="50" charset="-127"/>
       <p:regular r:id="rId45"/>
       <p:bold r:id="rId46"/>
     </p:embeddedFont>
     <p:embeddedFont>
-      <p:font typeface="Yoon 윤고딕 520_TT" panose="020B0600000101010101" charset="-127"/>
+      <p:font typeface="Yoon 윤고딕 520_TT" charset="-127"/>
       <p:regular r:id="rId47"/>
     </p:embeddedFont>
   </p:embeddedFontLst>
@@ -161,7 +161,7 @@
   </p:defaultTextStyle>
   <p:extLst>
     <p:ext uri="{EFAFB233-063F-42B5-8137-9DF3F51BA10A}">
-      <p15:sldGuideLst xmlns:p15="http://schemas.microsoft.com/office/powerpoint/2012/main">
+      <p15:sldGuideLst xmlns:p15="http://schemas.microsoft.com/office/powerpoint/2012/main" xmlns="">
         <p15:guide id="1" orient="horz" pos="2160">
           <p15:clr>
             <a:srgbClr val="A4A3A4"/>
@@ -260,7 +260,8 @@
           <a:p>
             <a:fld id="{5B797AE8-817E-43F2-8E17-62EDFDD5A7AF}" type="datetimeFigureOut">
               <a:rPr lang="ko-KR" altLang="en-US" smtClean="0"/>
-              <a:t>2019-11-28</a:t>
+              <a:pPr/>
+              <a:t>2019-11-29</a:t>
             </a:fld>
             <a:endParaRPr lang="ko-KR" altLang="en-US"/>
           </a:p>
@@ -419,6 +420,7 @@
           <a:p>
             <a:fld id="{BA5A1E06-9523-4D0F-B6D8-5CC386386AFE}" type="slidenum">
               <a:rPr lang="ko-KR" altLang="en-US" smtClean="0"/>
+              <a:pPr/>
               <a:t>‹#›</a:t>
             </a:fld>
             <a:endParaRPr lang="ko-KR" altLang="en-US"/>
@@ -428,7 +430,7 @@
     </p:spTree>
     <p:extLst>
       <p:ext uri="{BB962C8B-B14F-4D97-AF65-F5344CB8AC3E}">
-        <p14:creationId xmlns:p14="http://schemas.microsoft.com/office/powerpoint/2010/main" val="1198891520"/>
+        <p14:creationId xmlns:p14="http://schemas.microsoft.com/office/powerpoint/2010/main" xmlns="" val="1198891520"/>
       </p:ext>
     </p:extLst>
   </p:cSld>
@@ -609,6 +611,7 @@
           <a:p>
             <a:fld id="{BA5A1E06-9523-4D0F-B6D8-5CC386386AFE}" type="slidenum">
               <a:rPr lang="ko-KR" altLang="en-US" smtClean="0"/>
+              <a:pPr/>
               <a:t>1</a:t>
             </a:fld>
             <a:endParaRPr lang="ko-KR" altLang="en-US"/>
@@ -618,7 +621,7 @@
     </p:spTree>
     <p:extLst>
       <p:ext uri="{BB962C8B-B14F-4D97-AF65-F5344CB8AC3E}">
-        <p14:creationId xmlns:p14="http://schemas.microsoft.com/office/powerpoint/2010/main" val="2884423083"/>
+        <p14:creationId xmlns:p14="http://schemas.microsoft.com/office/powerpoint/2010/main" xmlns="" val="2884423083"/>
       </p:ext>
     </p:extLst>
   </p:cSld>
@@ -774,6 +777,7 @@
           <a:p>
             <a:fld id="{BA5A1E06-9523-4D0F-B6D8-5CC386386AFE}" type="slidenum">
               <a:rPr lang="ko-KR" altLang="en-US" smtClean="0"/>
+              <a:pPr/>
               <a:t>12</a:t>
             </a:fld>
             <a:endParaRPr lang="ko-KR" altLang="en-US"/>
@@ -783,7 +787,7 @@
     </p:spTree>
     <p:extLst>
       <p:ext uri="{BB962C8B-B14F-4D97-AF65-F5344CB8AC3E}">
-        <p14:creationId xmlns:p14="http://schemas.microsoft.com/office/powerpoint/2010/main" val="2499184521"/>
+        <p14:creationId xmlns:p14="http://schemas.microsoft.com/office/powerpoint/2010/main" xmlns="" val="2499184521"/>
       </p:ext>
     </p:extLst>
   </p:cSld>
@@ -866,6 +870,7 @@
           <a:p>
             <a:fld id="{BA5A1E06-9523-4D0F-B6D8-5CC386386AFE}" type="slidenum">
               <a:rPr lang="ko-KR" altLang="en-US" smtClean="0"/>
+              <a:pPr/>
               <a:t>13</a:t>
             </a:fld>
             <a:endParaRPr lang="ko-KR" altLang="en-US"/>
@@ -875,7 +880,7 @@
     </p:spTree>
     <p:extLst>
       <p:ext uri="{BB962C8B-B14F-4D97-AF65-F5344CB8AC3E}">
-        <p14:creationId xmlns:p14="http://schemas.microsoft.com/office/powerpoint/2010/main" val="2307860674"/>
+        <p14:creationId xmlns:p14="http://schemas.microsoft.com/office/powerpoint/2010/main" xmlns="" val="2307860674"/>
       </p:ext>
     </p:extLst>
   </p:cSld>
@@ -966,6 +971,7 @@
           <a:p>
             <a:fld id="{BA5A1E06-9523-4D0F-B6D8-5CC386386AFE}" type="slidenum">
               <a:rPr lang="ko-KR" altLang="en-US" smtClean="0"/>
+              <a:pPr/>
               <a:t>16</a:t>
             </a:fld>
             <a:endParaRPr lang="ko-KR" altLang="en-US"/>
@@ -975,7 +981,7 @@
     </p:spTree>
     <p:extLst>
       <p:ext uri="{BB962C8B-B14F-4D97-AF65-F5344CB8AC3E}">
-        <p14:creationId xmlns:p14="http://schemas.microsoft.com/office/powerpoint/2010/main" val="3643445639"/>
+        <p14:creationId xmlns:p14="http://schemas.microsoft.com/office/powerpoint/2010/main" xmlns="" val="3643445639"/>
       </p:ext>
     </p:extLst>
   </p:cSld>
@@ -1066,6 +1072,7 @@
           <a:p>
             <a:fld id="{BA5A1E06-9523-4D0F-B6D8-5CC386386AFE}" type="slidenum">
               <a:rPr lang="ko-KR" altLang="en-US" smtClean="0"/>
+              <a:pPr/>
               <a:t>18</a:t>
             </a:fld>
             <a:endParaRPr lang="ko-KR" altLang="en-US"/>
@@ -1075,7 +1082,7 @@
     </p:spTree>
     <p:extLst>
       <p:ext uri="{BB962C8B-B14F-4D97-AF65-F5344CB8AC3E}">
-        <p14:creationId xmlns:p14="http://schemas.microsoft.com/office/powerpoint/2010/main" val="1255835882"/>
+        <p14:creationId xmlns:p14="http://schemas.microsoft.com/office/powerpoint/2010/main" xmlns="" val="1255835882"/>
       </p:ext>
     </p:extLst>
   </p:cSld>
@@ -1158,6 +1165,7 @@
           <a:p>
             <a:fld id="{BA5A1E06-9523-4D0F-B6D8-5CC386386AFE}" type="slidenum">
               <a:rPr lang="ko-KR" altLang="en-US" smtClean="0"/>
+              <a:pPr/>
               <a:t>19</a:t>
             </a:fld>
             <a:endParaRPr lang="ko-KR" altLang="en-US"/>
@@ -1167,7 +1175,7 @@
     </p:spTree>
     <p:extLst>
       <p:ext uri="{BB962C8B-B14F-4D97-AF65-F5344CB8AC3E}">
-        <p14:creationId xmlns:p14="http://schemas.microsoft.com/office/powerpoint/2010/main" val="3820810718"/>
+        <p14:creationId xmlns:p14="http://schemas.microsoft.com/office/powerpoint/2010/main" xmlns="" val="3820810718"/>
       </p:ext>
     </p:extLst>
   </p:cSld>
@@ -1246,6 +1254,7 @@
           <a:p>
             <a:fld id="{BA5A1E06-9523-4D0F-B6D8-5CC386386AFE}" type="slidenum">
               <a:rPr lang="ko-KR" altLang="en-US" smtClean="0"/>
+              <a:pPr/>
               <a:t>20</a:t>
             </a:fld>
             <a:endParaRPr lang="ko-KR" altLang="en-US"/>
@@ -1255,7 +1264,7 @@
     </p:spTree>
     <p:extLst>
       <p:ext uri="{BB962C8B-B14F-4D97-AF65-F5344CB8AC3E}">
-        <p14:creationId xmlns:p14="http://schemas.microsoft.com/office/powerpoint/2010/main" val="1265580277"/>
+        <p14:creationId xmlns:p14="http://schemas.microsoft.com/office/powerpoint/2010/main" xmlns="" val="1265580277"/>
       </p:ext>
     </p:extLst>
   </p:cSld>
@@ -1338,6 +1347,7 @@
           <a:p>
             <a:fld id="{BA5A1E06-9523-4D0F-B6D8-5CC386386AFE}" type="slidenum">
               <a:rPr lang="ko-KR" altLang="en-US" smtClean="0"/>
+              <a:pPr/>
               <a:t>21</a:t>
             </a:fld>
             <a:endParaRPr lang="ko-KR" altLang="en-US"/>
@@ -1347,7 +1357,7 @@
     </p:spTree>
     <p:extLst>
       <p:ext uri="{BB962C8B-B14F-4D97-AF65-F5344CB8AC3E}">
-        <p14:creationId xmlns:p14="http://schemas.microsoft.com/office/powerpoint/2010/main" val="2519375618"/>
+        <p14:creationId xmlns:p14="http://schemas.microsoft.com/office/powerpoint/2010/main" xmlns="" val="2519375618"/>
       </p:ext>
     </p:extLst>
   </p:cSld>
@@ -1446,6 +1456,7 @@
           <a:p>
             <a:fld id="{BA5A1E06-9523-4D0F-B6D8-5CC386386AFE}" type="slidenum">
               <a:rPr lang="ko-KR" altLang="en-US" smtClean="0"/>
+              <a:pPr/>
               <a:t>23</a:t>
             </a:fld>
             <a:endParaRPr lang="ko-KR" altLang="en-US"/>
@@ -1455,7 +1466,7 @@
     </p:spTree>
     <p:extLst>
       <p:ext uri="{BB962C8B-B14F-4D97-AF65-F5344CB8AC3E}">
-        <p14:creationId xmlns:p14="http://schemas.microsoft.com/office/powerpoint/2010/main" val="1383565039"/>
+        <p14:creationId xmlns:p14="http://schemas.microsoft.com/office/powerpoint/2010/main" xmlns="" val="1383565039"/>
       </p:ext>
     </p:extLst>
   </p:cSld>
@@ -1542,6 +1553,7 @@
           <a:p>
             <a:fld id="{BA5A1E06-9523-4D0F-B6D8-5CC386386AFE}" type="slidenum">
               <a:rPr lang="ko-KR" altLang="en-US" smtClean="0"/>
+              <a:pPr/>
               <a:t>24</a:t>
             </a:fld>
             <a:endParaRPr lang="ko-KR" altLang="en-US"/>
@@ -1551,7 +1563,7 @@
     </p:spTree>
     <p:extLst>
       <p:ext uri="{BB962C8B-B14F-4D97-AF65-F5344CB8AC3E}">
-        <p14:creationId xmlns:p14="http://schemas.microsoft.com/office/powerpoint/2010/main" val="2670453628"/>
+        <p14:creationId xmlns:p14="http://schemas.microsoft.com/office/powerpoint/2010/main" xmlns="" val="2670453628"/>
       </p:ext>
     </p:extLst>
   </p:cSld>
@@ -1638,6 +1650,7 @@
           <a:p>
             <a:fld id="{BA5A1E06-9523-4D0F-B6D8-5CC386386AFE}" type="slidenum">
               <a:rPr lang="ko-KR" altLang="en-US" smtClean="0"/>
+              <a:pPr/>
               <a:t>25</a:t>
             </a:fld>
             <a:endParaRPr lang="ko-KR" altLang="en-US"/>
@@ -1647,7 +1660,7 @@
     </p:spTree>
     <p:extLst>
       <p:ext uri="{BB962C8B-B14F-4D97-AF65-F5344CB8AC3E}">
-        <p14:creationId xmlns:p14="http://schemas.microsoft.com/office/powerpoint/2010/main" val="3419501011"/>
+        <p14:creationId xmlns:p14="http://schemas.microsoft.com/office/powerpoint/2010/main" xmlns="" val="3419501011"/>
       </p:ext>
     </p:extLst>
   </p:cSld>
@@ -1722,6 +1735,7 @@
           <a:p>
             <a:fld id="{BA5A1E06-9523-4D0F-B6D8-5CC386386AFE}" type="slidenum">
               <a:rPr lang="ko-KR" altLang="en-US" smtClean="0"/>
+              <a:pPr/>
               <a:t>2</a:t>
             </a:fld>
             <a:endParaRPr lang="ko-KR" altLang="en-US"/>
@@ -1731,7 +1745,7 @@
     </p:spTree>
     <p:extLst>
       <p:ext uri="{BB962C8B-B14F-4D97-AF65-F5344CB8AC3E}">
-        <p14:creationId xmlns:p14="http://schemas.microsoft.com/office/powerpoint/2010/main" val="2355231621"/>
+        <p14:creationId xmlns:p14="http://schemas.microsoft.com/office/powerpoint/2010/main" xmlns="" val="2355231621"/>
       </p:ext>
     </p:extLst>
   </p:cSld>
@@ -1806,6 +1820,7 @@
           <a:p>
             <a:fld id="{BA5A1E06-9523-4D0F-B6D8-5CC386386AFE}" type="slidenum">
               <a:rPr lang="ko-KR" altLang="en-US" smtClean="0"/>
+              <a:pPr/>
               <a:t>27</a:t>
             </a:fld>
             <a:endParaRPr lang="ko-KR" altLang="en-US"/>
@@ -1815,7 +1830,7 @@
     </p:spTree>
     <p:extLst>
       <p:ext uri="{BB962C8B-B14F-4D97-AF65-F5344CB8AC3E}">
-        <p14:creationId xmlns:p14="http://schemas.microsoft.com/office/powerpoint/2010/main" val="1066533763"/>
+        <p14:creationId xmlns:p14="http://schemas.microsoft.com/office/powerpoint/2010/main" xmlns="" val="1066533763"/>
       </p:ext>
     </p:extLst>
   </p:cSld>
@@ -1890,6 +1905,7 @@
           <a:p>
             <a:fld id="{BA5A1E06-9523-4D0F-B6D8-5CC386386AFE}" type="slidenum">
               <a:rPr lang="ko-KR" altLang="en-US" smtClean="0"/>
+              <a:pPr/>
               <a:t>31</a:t>
             </a:fld>
             <a:endParaRPr lang="ko-KR" altLang="en-US"/>
@@ -1899,7 +1915,7 @@
     </p:spTree>
     <p:extLst>
       <p:ext uri="{BB962C8B-B14F-4D97-AF65-F5344CB8AC3E}">
-        <p14:creationId xmlns:p14="http://schemas.microsoft.com/office/powerpoint/2010/main" val="648887087"/>
+        <p14:creationId xmlns:p14="http://schemas.microsoft.com/office/powerpoint/2010/main" xmlns="" val="648887087"/>
       </p:ext>
     </p:extLst>
   </p:cSld>
@@ -1982,6 +1998,7 @@
           <a:p>
             <a:fld id="{BA5A1E06-9523-4D0F-B6D8-5CC386386AFE}" type="slidenum">
               <a:rPr lang="ko-KR" altLang="en-US" smtClean="0"/>
+              <a:pPr/>
               <a:t>35</a:t>
             </a:fld>
             <a:endParaRPr lang="ko-KR" altLang="en-US"/>
@@ -1991,7 +2008,7 @@
     </p:spTree>
     <p:extLst>
       <p:ext uri="{BB962C8B-B14F-4D97-AF65-F5344CB8AC3E}">
-        <p14:creationId xmlns:p14="http://schemas.microsoft.com/office/powerpoint/2010/main" val="1282975666"/>
+        <p14:creationId xmlns:p14="http://schemas.microsoft.com/office/powerpoint/2010/main" xmlns="" val="1282975666"/>
       </p:ext>
     </p:extLst>
   </p:cSld>
@@ -2074,6 +2091,7 @@
           <a:p>
             <a:fld id="{BA5A1E06-9523-4D0F-B6D8-5CC386386AFE}" type="slidenum">
               <a:rPr lang="ko-KR" altLang="en-US" smtClean="0"/>
+              <a:pPr/>
               <a:t>37</a:t>
             </a:fld>
             <a:endParaRPr lang="ko-KR" altLang="en-US"/>
@@ -2083,7 +2101,7 @@
     </p:spTree>
     <p:extLst>
       <p:ext uri="{BB962C8B-B14F-4D97-AF65-F5344CB8AC3E}">
-        <p14:creationId xmlns:p14="http://schemas.microsoft.com/office/powerpoint/2010/main" val="3962742594"/>
+        <p14:creationId xmlns:p14="http://schemas.microsoft.com/office/powerpoint/2010/main" xmlns="" val="3962742594"/>
       </p:ext>
     </p:extLst>
   </p:cSld>
@@ -2158,6 +2176,7 @@
           <a:p>
             <a:fld id="{BA5A1E06-9523-4D0F-B6D8-5CC386386AFE}" type="slidenum">
               <a:rPr lang="ko-KR" altLang="en-US" smtClean="0"/>
+              <a:pPr/>
               <a:t>38</a:t>
             </a:fld>
             <a:endParaRPr lang="ko-KR" altLang="en-US"/>
@@ -2167,7 +2186,7 @@
     </p:spTree>
     <p:extLst>
       <p:ext uri="{BB962C8B-B14F-4D97-AF65-F5344CB8AC3E}">
-        <p14:creationId xmlns:p14="http://schemas.microsoft.com/office/powerpoint/2010/main" val="3300083608"/>
+        <p14:creationId xmlns:p14="http://schemas.microsoft.com/office/powerpoint/2010/main" xmlns="" val="3300083608"/>
       </p:ext>
     </p:extLst>
   </p:cSld>
@@ -2250,6 +2269,7 @@
           <a:p>
             <a:fld id="{BA5A1E06-9523-4D0F-B6D8-5CC386386AFE}" type="slidenum">
               <a:rPr lang="ko-KR" altLang="en-US" smtClean="0"/>
+              <a:pPr/>
               <a:t>39</a:t>
             </a:fld>
             <a:endParaRPr lang="ko-KR" altLang="en-US"/>
@@ -2259,7 +2279,7 @@
     </p:spTree>
     <p:extLst>
       <p:ext uri="{BB962C8B-B14F-4D97-AF65-F5344CB8AC3E}">
-        <p14:creationId xmlns:p14="http://schemas.microsoft.com/office/powerpoint/2010/main" val="1321691119"/>
+        <p14:creationId xmlns:p14="http://schemas.microsoft.com/office/powerpoint/2010/main" xmlns="" val="1321691119"/>
       </p:ext>
     </p:extLst>
   </p:cSld>
@@ -2342,6 +2362,7 @@
           <a:p>
             <a:fld id="{BA5A1E06-9523-4D0F-B6D8-5CC386386AFE}" type="slidenum">
               <a:rPr lang="ko-KR" altLang="en-US" smtClean="0"/>
+              <a:pPr/>
               <a:t>41</a:t>
             </a:fld>
             <a:endParaRPr lang="ko-KR" altLang="en-US"/>
@@ -2351,7 +2372,7 @@
     </p:spTree>
     <p:extLst>
       <p:ext uri="{BB962C8B-B14F-4D97-AF65-F5344CB8AC3E}">
-        <p14:creationId xmlns:p14="http://schemas.microsoft.com/office/powerpoint/2010/main" val="3936738934"/>
+        <p14:creationId xmlns:p14="http://schemas.microsoft.com/office/powerpoint/2010/main" xmlns="" val="3936738934"/>
       </p:ext>
     </p:extLst>
   </p:cSld>
@@ -2434,6 +2455,7 @@
           <a:p>
             <a:fld id="{BA5A1E06-9523-4D0F-B6D8-5CC386386AFE}" type="slidenum">
               <a:rPr lang="ko-KR" altLang="en-US" smtClean="0"/>
+              <a:pPr/>
               <a:t>42</a:t>
             </a:fld>
             <a:endParaRPr lang="ko-KR" altLang="en-US"/>
@@ -2443,7 +2465,7 @@
     </p:spTree>
     <p:extLst>
       <p:ext uri="{BB962C8B-B14F-4D97-AF65-F5344CB8AC3E}">
-        <p14:creationId xmlns:p14="http://schemas.microsoft.com/office/powerpoint/2010/main" val="2089550426"/>
+        <p14:creationId xmlns:p14="http://schemas.microsoft.com/office/powerpoint/2010/main" xmlns="" val="2089550426"/>
       </p:ext>
     </p:extLst>
   </p:cSld>
@@ -2554,6 +2576,7 @@
           <a:p>
             <a:fld id="{BA5A1E06-9523-4D0F-B6D8-5CC386386AFE}" type="slidenum">
               <a:rPr lang="ko-KR" altLang="en-US" smtClean="0"/>
+              <a:pPr/>
               <a:t>3</a:t>
             </a:fld>
             <a:endParaRPr lang="ko-KR" altLang="en-US"/>
@@ -2563,7 +2586,7 @@
     </p:spTree>
     <p:extLst>
       <p:ext uri="{BB962C8B-B14F-4D97-AF65-F5344CB8AC3E}">
-        <p14:creationId xmlns:p14="http://schemas.microsoft.com/office/powerpoint/2010/main" val="3359545553"/>
+        <p14:creationId xmlns:p14="http://schemas.microsoft.com/office/powerpoint/2010/main" xmlns="" val="3359545553"/>
       </p:ext>
     </p:extLst>
   </p:cSld>
@@ -2686,6 +2709,7 @@
           <a:p>
             <a:fld id="{BA5A1E06-9523-4D0F-B6D8-5CC386386AFE}" type="slidenum">
               <a:rPr lang="ko-KR" altLang="en-US" smtClean="0"/>
+              <a:pPr/>
               <a:t>4</a:t>
             </a:fld>
             <a:endParaRPr lang="ko-KR" altLang="en-US"/>
@@ -2695,7 +2719,7 @@
     </p:spTree>
     <p:extLst>
       <p:ext uri="{BB962C8B-B14F-4D97-AF65-F5344CB8AC3E}">
-        <p14:creationId xmlns:p14="http://schemas.microsoft.com/office/powerpoint/2010/main" val="270287898"/>
+        <p14:creationId xmlns:p14="http://schemas.microsoft.com/office/powerpoint/2010/main" xmlns="" val="270287898"/>
       </p:ext>
     </p:extLst>
   </p:cSld>
@@ -2790,6 +2814,7 @@
           <a:p>
             <a:fld id="{BA5A1E06-9523-4D0F-B6D8-5CC386386AFE}" type="slidenum">
               <a:rPr lang="ko-KR" altLang="en-US" smtClean="0"/>
+              <a:pPr/>
               <a:t>5</a:t>
             </a:fld>
             <a:endParaRPr lang="ko-KR" altLang="en-US"/>
@@ -2799,7 +2824,7 @@
     </p:spTree>
     <p:extLst>
       <p:ext uri="{BB962C8B-B14F-4D97-AF65-F5344CB8AC3E}">
-        <p14:creationId xmlns:p14="http://schemas.microsoft.com/office/powerpoint/2010/main" val="3257533949"/>
+        <p14:creationId xmlns:p14="http://schemas.microsoft.com/office/powerpoint/2010/main" xmlns="" val="3257533949"/>
       </p:ext>
     </p:extLst>
   </p:cSld>
@@ -2914,6 +2939,7 @@
           <a:p>
             <a:fld id="{BA5A1E06-9523-4D0F-B6D8-5CC386386AFE}" type="slidenum">
               <a:rPr lang="ko-KR" altLang="en-US" smtClean="0"/>
+              <a:pPr/>
               <a:t>7</a:t>
             </a:fld>
             <a:endParaRPr lang="ko-KR" altLang="en-US"/>
@@ -2923,7 +2949,7 @@
     </p:spTree>
     <p:extLst>
       <p:ext uri="{BB962C8B-B14F-4D97-AF65-F5344CB8AC3E}">
-        <p14:creationId xmlns:p14="http://schemas.microsoft.com/office/powerpoint/2010/main" val="1194752827"/>
+        <p14:creationId xmlns:p14="http://schemas.microsoft.com/office/powerpoint/2010/main" xmlns="" val="1194752827"/>
       </p:ext>
     </p:extLst>
   </p:cSld>
@@ -3002,6 +3028,7 @@
           <a:p>
             <a:fld id="{BA5A1E06-9523-4D0F-B6D8-5CC386386AFE}" type="slidenum">
               <a:rPr lang="ko-KR" altLang="en-US" smtClean="0"/>
+              <a:pPr/>
               <a:t>8</a:t>
             </a:fld>
             <a:endParaRPr lang="ko-KR" altLang="en-US"/>
@@ -3011,7 +3038,7 @@
     </p:spTree>
     <p:extLst>
       <p:ext uri="{BB962C8B-B14F-4D97-AF65-F5344CB8AC3E}">
-        <p14:creationId xmlns:p14="http://schemas.microsoft.com/office/powerpoint/2010/main" val="2563553619"/>
+        <p14:creationId xmlns:p14="http://schemas.microsoft.com/office/powerpoint/2010/main" xmlns="" val="2563553619"/>
       </p:ext>
     </p:extLst>
   </p:cSld>
@@ -3109,6 +3136,7 @@
           <a:p>
             <a:fld id="{BA5A1E06-9523-4D0F-B6D8-5CC386386AFE}" type="slidenum">
               <a:rPr lang="ko-KR" altLang="en-US" smtClean="0"/>
+              <a:pPr/>
               <a:t>9</a:t>
             </a:fld>
             <a:endParaRPr lang="ko-KR" altLang="en-US"/>
@@ -3118,7 +3146,7 @@
     </p:spTree>
     <p:extLst>
       <p:ext uri="{BB962C8B-B14F-4D97-AF65-F5344CB8AC3E}">
-        <p14:creationId xmlns:p14="http://schemas.microsoft.com/office/powerpoint/2010/main" val="874650284"/>
+        <p14:creationId xmlns:p14="http://schemas.microsoft.com/office/powerpoint/2010/main" xmlns="" val="874650284"/>
       </p:ext>
     </p:extLst>
   </p:cSld>
@@ -3216,6 +3244,7 @@
           <a:p>
             <a:fld id="{BA5A1E06-9523-4D0F-B6D8-5CC386386AFE}" type="slidenum">
               <a:rPr lang="ko-KR" altLang="en-US" smtClean="0"/>
+              <a:pPr/>
               <a:t>10</a:t>
             </a:fld>
             <a:endParaRPr lang="ko-KR" altLang="en-US"/>
@@ -3225,7 +3254,7 @@
     </p:spTree>
     <p:extLst>
       <p:ext uri="{BB962C8B-B14F-4D97-AF65-F5344CB8AC3E}">
-        <p14:creationId xmlns:p14="http://schemas.microsoft.com/office/powerpoint/2010/main" val="3400867267"/>
+        <p14:creationId xmlns:p14="http://schemas.microsoft.com/office/powerpoint/2010/main" xmlns="" val="3400867267"/>
       </p:ext>
     </p:extLst>
   </p:cSld>
@@ -3416,7 +3445,8 @@
           <a:p>
             <a:fld id="{3A302466-FE76-40E8-BE5D-598A609EDD2B}" type="datetimeFigureOut">
               <a:rPr lang="ko-KR" altLang="en-US" smtClean="0"/>
-              <a:t>2019-11-28</a:t>
+              <a:pPr/>
+              <a:t>2019-11-29</a:t>
             </a:fld>
             <a:endParaRPr lang="ko-KR" altLang="en-US"/>
           </a:p>
@@ -3458,6 +3488,7 @@
           <a:p>
             <a:fld id="{72CEB9E3-907B-4C9E-8669-48B8CFAF986F}" type="slidenum">
               <a:rPr lang="ko-KR" altLang="en-US" smtClean="0"/>
+              <a:pPr/>
               <a:t>‹#›</a:t>
             </a:fld>
             <a:endParaRPr lang="ko-KR" altLang="en-US"/>
@@ -3467,7 +3498,7 @@
     </p:spTree>
     <p:extLst>
       <p:ext uri="{BB962C8B-B14F-4D97-AF65-F5344CB8AC3E}">
-        <p14:creationId xmlns:p14="http://schemas.microsoft.com/office/powerpoint/2010/main" val="1332922983"/>
+        <p14:creationId xmlns:p14="http://schemas.microsoft.com/office/powerpoint/2010/main" xmlns="" val="1332922983"/>
       </p:ext>
     </p:extLst>
   </p:cSld>
@@ -3586,7 +3617,8 @@
           <a:p>
             <a:fld id="{3A302466-FE76-40E8-BE5D-598A609EDD2B}" type="datetimeFigureOut">
               <a:rPr lang="ko-KR" altLang="en-US" smtClean="0"/>
-              <a:t>2019-11-28</a:t>
+              <a:pPr/>
+              <a:t>2019-11-29</a:t>
             </a:fld>
             <a:endParaRPr lang="ko-KR" altLang="en-US"/>
           </a:p>
@@ -3628,6 +3660,7 @@
           <a:p>
             <a:fld id="{72CEB9E3-907B-4C9E-8669-48B8CFAF986F}" type="slidenum">
               <a:rPr lang="ko-KR" altLang="en-US" smtClean="0"/>
+              <a:pPr/>
               <a:t>‹#›</a:t>
             </a:fld>
             <a:endParaRPr lang="ko-KR" altLang="en-US"/>
@@ -3637,7 +3670,7 @@
     </p:spTree>
     <p:extLst>
       <p:ext uri="{BB962C8B-B14F-4D97-AF65-F5344CB8AC3E}">
-        <p14:creationId xmlns:p14="http://schemas.microsoft.com/office/powerpoint/2010/main" val="1337871443"/>
+        <p14:creationId xmlns:p14="http://schemas.microsoft.com/office/powerpoint/2010/main" xmlns="" val="1337871443"/>
       </p:ext>
     </p:extLst>
   </p:cSld>
@@ -3766,7 +3799,8 @@
           <a:p>
             <a:fld id="{3A302466-FE76-40E8-BE5D-598A609EDD2B}" type="datetimeFigureOut">
               <a:rPr lang="ko-KR" altLang="en-US" smtClean="0"/>
-              <a:t>2019-11-28</a:t>
+              <a:pPr/>
+              <a:t>2019-11-29</a:t>
             </a:fld>
             <a:endParaRPr lang="ko-KR" altLang="en-US"/>
           </a:p>
@@ -3808,6 +3842,7 @@
           <a:p>
             <a:fld id="{72CEB9E3-907B-4C9E-8669-48B8CFAF986F}" type="slidenum">
               <a:rPr lang="ko-KR" altLang="en-US" smtClean="0"/>
+              <a:pPr/>
               <a:t>‹#›</a:t>
             </a:fld>
             <a:endParaRPr lang="ko-KR" altLang="en-US"/>
@@ -3817,7 +3852,7 @@
     </p:spTree>
     <p:extLst>
       <p:ext uri="{BB962C8B-B14F-4D97-AF65-F5344CB8AC3E}">
-        <p14:creationId xmlns:p14="http://schemas.microsoft.com/office/powerpoint/2010/main" val="1023622450"/>
+        <p14:creationId xmlns:p14="http://schemas.microsoft.com/office/powerpoint/2010/main" xmlns="" val="1023622450"/>
       </p:ext>
     </p:extLst>
   </p:cSld>
@@ -3936,7 +3971,8 @@
           <a:p>
             <a:fld id="{3A302466-FE76-40E8-BE5D-598A609EDD2B}" type="datetimeFigureOut">
               <a:rPr lang="ko-KR" altLang="en-US" smtClean="0"/>
-              <a:t>2019-11-28</a:t>
+              <a:pPr/>
+              <a:t>2019-11-29</a:t>
             </a:fld>
             <a:endParaRPr lang="ko-KR" altLang="en-US"/>
           </a:p>
@@ -3978,6 +4014,7 @@
           <a:p>
             <a:fld id="{72CEB9E3-907B-4C9E-8669-48B8CFAF986F}" type="slidenum">
               <a:rPr lang="ko-KR" altLang="en-US" smtClean="0"/>
+              <a:pPr/>
               <a:t>‹#›</a:t>
             </a:fld>
             <a:endParaRPr lang="ko-KR" altLang="en-US"/>
@@ -3987,7 +4024,7 @@
     </p:spTree>
     <p:extLst>
       <p:ext uri="{BB962C8B-B14F-4D97-AF65-F5344CB8AC3E}">
-        <p14:creationId xmlns:p14="http://schemas.microsoft.com/office/powerpoint/2010/main" val="269583639"/>
+        <p14:creationId xmlns:p14="http://schemas.microsoft.com/office/powerpoint/2010/main" xmlns="" val="269583639"/>
       </p:ext>
     </p:extLst>
   </p:cSld>
@@ -4182,7 +4219,8 @@
           <a:p>
             <a:fld id="{3A302466-FE76-40E8-BE5D-598A609EDD2B}" type="datetimeFigureOut">
               <a:rPr lang="ko-KR" altLang="en-US" smtClean="0"/>
-              <a:t>2019-11-28</a:t>
+              <a:pPr/>
+              <a:t>2019-11-29</a:t>
             </a:fld>
             <a:endParaRPr lang="ko-KR" altLang="en-US"/>
           </a:p>
@@ -4224,6 +4262,7 @@
           <a:p>
             <a:fld id="{72CEB9E3-907B-4C9E-8669-48B8CFAF986F}" type="slidenum">
               <a:rPr lang="ko-KR" altLang="en-US" smtClean="0"/>
+              <a:pPr/>
               <a:t>‹#›</a:t>
             </a:fld>
             <a:endParaRPr lang="ko-KR" altLang="en-US"/>
@@ -4233,7 +4272,7 @@
     </p:spTree>
     <p:extLst>
       <p:ext uri="{BB962C8B-B14F-4D97-AF65-F5344CB8AC3E}">
-        <p14:creationId xmlns:p14="http://schemas.microsoft.com/office/powerpoint/2010/main" val="2870371007"/>
+        <p14:creationId xmlns:p14="http://schemas.microsoft.com/office/powerpoint/2010/main" xmlns="" val="2870371007"/>
       </p:ext>
     </p:extLst>
   </p:cSld>
@@ -4470,7 +4509,8 @@
           <a:p>
             <a:fld id="{3A302466-FE76-40E8-BE5D-598A609EDD2B}" type="datetimeFigureOut">
               <a:rPr lang="ko-KR" altLang="en-US" smtClean="0"/>
-              <a:t>2019-11-28</a:t>
+              <a:pPr/>
+              <a:t>2019-11-29</a:t>
             </a:fld>
             <a:endParaRPr lang="ko-KR" altLang="en-US"/>
           </a:p>
@@ -4512,6 +4552,7 @@
           <a:p>
             <a:fld id="{72CEB9E3-907B-4C9E-8669-48B8CFAF986F}" type="slidenum">
               <a:rPr lang="ko-KR" altLang="en-US" smtClean="0"/>
+              <a:pPr/>
               <a:t>‹#›</a:t>
             </a:fld>
             <a:endParaRPr lang="ko-KR" altLang="en-US"/>
@@ -4521,7 +4562,7 @@
     </p:spTree>
     <p:extLst>
       <p:ext uri="{BB962C8B-B14F-4D97-AF65-F5344CB8AC3E}">
-        <p14:creationId xmlns:p14="http://schemas.microsoft.com/office/powerpoint/2010/main" val="440812356"/>
+        <p14:creationId xmlns:p14="http://schemas.microsoft.com/office/powerpoint/2010/main" xmlns="" val="440812356"/>
       </p:ext>
     </p:extLst>
   </p:cSld>
@@ -4892,7 +4933,8 @@
           <a:p>
             <a:fld id="{3A302466-FE76-40E8-BE5D-598A609EDD2B}" type="datetimeFigureOut">
               <a:rPr lang="ko-KR" altLang="en-US" smtClean="0"/>
-              <a:t>2019-11-28</a:t>
+              <a:pPr/>
+              <a:t>2019-11-29</a:t>
             </a:fld>
             <a:endParaRPr lang="ko-KR" altLang="en-US"/>
           </a:p>
@@ -4934,6 +4976,7 @@
           <a:p>
             <a:fld id="{72CEB9E3-907B-4C9E-8669-48B8CFAF986F}" type="slidenum">
               <a:rPr lang="ko-KR" altLang="en-US" smtClean="0"/>
+              <a:pPr/>
               <a:t>‹#›</a:t>
             </a:fld>
             <a:endParaRPr lang="ko-KR" altLang="en-US"/>
@@ -4943,7 +4986,7 @@
     </p:spTree>
     <p:extLst>
       <p:ext uri="{BB962C8B-B14F-4D97-AF65-F5344CB8AC3E}">
-        <p14:creationId xmlns:p14="http://schemas.microsoft.com/office/powerpoint/2010/main" val="4207424120"/>
+        <p14:creationId xmlns:p14="http://schemas.microsoft.com/office/powerpoint/2010/main" xmlns="" val="4207424120"/>
       </p:ext>
     </p:extLst>
   </p:cSld>
@@ -5010,7 +5053,8 @@
           <a:p>
             <a:fld id="{3A302466-FE76-40E8-BE5D-598A609EDD2B}" type="datetimeFigureOut">
               <a:rPr lang="ko-KR" altLang="en-US" smtClean="0"/>
-              <a:t>2019-11-28</a:t>
+              <a:pPr/>
+              <a:t>2019-11-29</a:t>
             </a:fld>
             <a:endParaRPr lang="ko-KR" altLang="en-US"/>
           </a:p>
@@ -5052,6 +5096,7 @@
           <a:p>
             <a:fld id="{72CEB9E3-907B-4C9E-8669-48B8CFAF986F}" type="slidenum">
               <a:rPr lang="ko-KR" altLang="en-US" smtClean="0"/>
+              <a:pPr/>
               <a:t>‹#›</a:t>
             </a:fld>
             <a:endParaRPr lang="ko-KR" altLang="en-US"/>
@@ -5061,7 +5106,7 @@
     </p:spTree>
     <p:extLst>
       <p:ext uri="{BB962C8B-B14F-4D97-AF65-F5344CB8AC3E}">
-        <p14:creationId xmlns:p14="http://schemas.microsoft.com/office/powerpoint/2010/main" val="3537374911"/>
+        <p14:creationId xmlns:p14="http://schemas.microsoft.com/office/powerpoint/2010/main" xmlns="" val="3537374911"/>
       </p:ext>
     </p:extLst>
   </p:cSld>
@@ -5105,7 +5150,8 @@
           <a:p>
             <a:fld id="{3A302466-FE76-40E8-BE5D-598A609EDD2B}" type="datetimeFigureOut">
               <a:rPr lang="ko-KR" altLang="en-US" smtClean="0"/>
-              <a:t>2019-11-28</a:t>
+              <a:pPr/>
+              <a:t>2019-11-29</a:t>
             </a:fld>
             <a:endParaRPr lang="ko-KR" altLang="en-US"/>
           </a:p>
@@ -5147,6 +5193,7 @@
           <a:p>
             <a:fld id="{72CEB9E3-907B-4C9E-8669-48B8CFAF986F}" type="slidenum">
               <a:rPr lang="ko-KR" altLang="en-US" smtClean="0"/>
+              <a:pPr/>
               <a:t>‹#›</a:t>
             </a:fld>
             <a:endParaRPr lang="ko-KR" altLang="en-US"/>
@@ -5156,7 +5203,7 @@
     </p:spTree>
     <p:extLst>
       <p:ext uri="{BB962C8B-B14F-4D97-AF65-F5344CB8AC3E}">
-        <p14:creationId xmlns:p14="http://schemas.microsoft.com/office/powerpoint/2010/main" val="2873456233"/>
+        <p14:creationId xmlns:p14="http://schemas.microsoft.com/office/powerpoint/2010/main" xmlns="" val="2873456233"/>
       </p:ext>
     </p:extLst>
   </p:cSld>
@@ -5382,7 +5429,8 @@
           <a:p>
             <a:fld id="{3A302466-FE76-40E8-BE5D-598A609EDD2B}" type="datetimeFigureOut">
               <a:rPr lang="ko-KR" altLang="en-US" smtClean="0"/>
-              <a:t>2019-11-28</a:t>
+              <a:pPr/>
+              <a:t>2019-11-29</a:t>
             </a:fld>
             <a:endParaRPr lang="ko-KR" altLang="en-US"/>
           </a:p>
@@ -5424,6 +5472,7 @@
           <a:p>
             <a:fld id="{72CEB9E3-907B-4C9E-8669-48B8CFAF986F}" type="slidenum">
               <a:rPr lang="ko-KR" altLang="en-US" smtClean="0"/>
+              <a:pPr/>
               <a:t>‹#›</a:t>
             </a:fld>
             <a:endParaRPr lang="ko-KR" altLang="en-US"/>
@@ -5433,7 +5482,7 @@
     </p:spTree>
     <p:extLst>
       <p:ext uri="{BB962C8B-B14F-4D97-AF65-F5344CB8AC3E}">
-        <p14:creationId xmlns:p14="http://schemas.microsoft.com/office/powerpoint/2010/main" val="450026426"/>
+        <p14:creationId xmlns:p14="http://schemas.microsoft.com/office/powerpoint/2010/main" xmlns="" val="450026426"/>
       </p:ext>
     </p:extLst>
   </p:cSld>
@@ -5635,7 +5684,8 @@
           <a:p>
             <a:fld id="{3A302466-FE76-40E8-BE5D-598A609EDD2B}" type="datetimeFigureOut">
               <a:rPr lang="ko-KR" altLang="en-US" smtClean="0"/>
-              <a:t>2019-11-28</a:t>
+              <a:pPr/>
+              <a:t>2019-11-29</a:t>
             </a:fld>
             <a:endParaRPr lang="ko-KR" altLang="en-US"/>
           </a:p>
@@ -5677,6 +5727,7 @@
           <a:p>
             <a:fld id="{72CEB9E3-907B-4C9E-8669-48B8CFAF986F}" type="slidenum">
               <a:rPr lang="ko-KR" altLang="en-US" smtClean="0"/>
+              <a:pPr/>
               <a:t>‹#›</a:t>
             </a:fld>
             <a:endParaRPr lang="ko-KR" altLang="en-US"/>
@@ -5686,7 +5737,7 @@
     </p:spTree>
     <p:extLst>
       <p:ext uri="{BB962C8B-B14F-4D97-AF65-F5344CB8AC3E}">
-        <p14:creationId xmlns:p14="http://schemas.microsoft.com/office/powerpoint/2010/main" val="2152713510"/>
+        <p14:creationId xmlns:p14="http://schemas.microsoft.com/office/powerpoint/2010/main" xmlns="" val="2152713510"/>
       </p:ext>
     </p:extLst>
   </p:cSld>
@@ -5848,7 +5899,8 @@
           <a:p>
             <a:fld id="{3A302466-FE76-40E8-BE5D-598A609EDD2B}" type="datetimeFigureOut">
               <a:rPr lang="ko-KR" altLang="en-US" smtClean="0"/>
-              <a:t>2019-11-28</a:t>
+              <a:pPr/>
+              <a:t>2019-11-29</a:t>
             </a:fld>
             <a:endParaRPr lang="ko-KR" altLang="en-US"/>
           </a:p>
@@ -5926,6 +5978,7 @@
           <a:p>
             <a:fld id="{72CEB9E3-907B-4C9E-8669-48B8CFAF986F}" type="slidenum">
               <a:rPr lang="ko-KR" altLang="en-US" smtClean="0"/>
+              <a:pPr/>
               <a:t>‹#›</a:t>
             </a:fld>
             <a:endParaRPr lang="ko-KR" altLang="en-US"/>
@@ -5935,7 +5988,7 @@
     </p:spTree>
     <p:extLst>
       <p:ext uri="{BB962C8B-B14F-4D97-AF65-F5344CB8AC3E}">
-        <p14:creationId xmlns:p14="http://schemas.microsoft.com/office/powerpoint/2010/main" val="3059972613"/>
+        <p14:creationId xmlns:p14="http://schemas.microsoft.com/office/powerpoint/2010/main" xmlns="" val="3059972613"/>
       </p:ext>
     </p:extLst>
   </p:cSld>
@@ -6966,20 +7019,20 @@
     </p:spTree>
     <p:extLst>
       <p:ext uri="{BB962C8B-B14F-4D97-AF65-F5344CB8AC3E}">
-        <p14:creationId xmlns:p14="http://schemas.microsoft.com/office/powerpoint/2010/main" val="855986350"/>
+        <p14:creationId xmlns:p14="http://schemas.microsoft.com/office/powerpoint/2010/main" xmlns="" val="855986350"/>
       </p:ext>
     </p:extLst>
   </p:cSld>
   <p:clrMapOvr>
     <a:masterClrMapping/>
   </p:clrMapOvr>
-  <mc:AlternateContent xmlns:mc="http://schemas.openxmlformats.org/markup-compatibility/2006" xmlns:p14="http://schemas.microsoft.com/office/powerpoint/2010/main">
-    <mc:Choice Requires="p14">
+  <mc:AlternateContent xmlns:mc="http://schemas.openxmlformats.org/markup-compatibility/2006">
+    <mc:Choice xmlns:p14="http://schemas.microsoft.com/office/powerpoint/2010/main" xmlns="" Requires="p14">
       <p:transition spd="med" p14:dur="700">
         <p:fade/>
       </p:transition>
     </mc:Choice>
-    <mc:Fallback xmlns="">
+    <mc:Fallback>
       <p:transition spd="med">
         <p:fade/>
       </p:transition>
@@ -8230,20 +8283,20 @@
     </p:spTree>
     <p:extLst>
       <p:ext uri="{BB962C8B-B14F-4D97-AF65-F5344CB8AC3E}">
-        <p14:creationId xmlns:p14="http://schemas.microsoft.com/office/powerpoint/2010/main" val="2681623969"/>
+        <p14:creationId xmlns:p14="http://schemas.microsoft.com/office/powerpoint/2010/main" xmlns="" val="2681623969"/>
       </p:ext>
     </p:extLst>
   </p:cSld>
   <p:clrMapOvr>
     <a:masterClrMapping/>
   </p:clrMapOvr>
-  <mc:AlternateContent xmlns:mc="http://schemas.openxmlformats.org/markup-compatibility/2006" xmlns:p14="http://schemas.microsoft.com/office/powerpoint/2010/main">
-    <mc:Choice Requires="p14">
+  <mc:AlternateContent xmlns:mc="http://schemas.openxmlformats.org/markup-compatibility/2006">
+    <mc:Choice xmlns:p14="http://schemas.microsoft.com/office/powerpoint/2010/main" xmlns="" Requires="p14">
       <p:transition spd="med" p14:dur="700">
         <p:fade/>
       </p:transition>
     </mc:Choice>
-    <mc:Fallback xmlns="">
+    <mc:Fallback>
       <p:transition spd="med">
         <p:fade/>
       </p:transition>
@@ -8464,20 +8517,20 @@
     </p:spTree>
     <p:extLst>
       <p:ext uri="{BB962C8B-B14F-4D97-AF65-F5344CB8AC3E}">
-        <p14:creationId xmlns:p14="http://schemas.microsoft.com/office/powerpoint/2010/main" val="2358963330"/>
+        <p14:creationId xmlns:p14="http://schemas.microsoft.com/office/powerpoint/2010/main" xmlns="" val="2358963330"/>
       </p:ext>
     </p:extLst>
   </p:cSld>
   <p:clrMapOvr>
     <a:masterClrMapping/>
   </p:clrMapOvr>
-  <mc:AlternateContent xmlns:mc="http://schemas.openxmlformats.org/markup-compatibility/2006" xmlns:p14="http://schemas.microsoft.com/office/powerpoint/2010/main">
-    <mc:Choice Requires="p14">
+  <mc:AlternateContent xmlns:mc="http://schemas.openxmlformats.org/markup-compatibility/2006">
+    <mc:Choice xmlns:p14="http://schemas.microsoft.com/office/powerpoint/2010/main" xmlns="" Requires="p14">
       <p:transition spd="med" p14:dur="700">
         <p:fade/>
       </p:transition>
     </mc:Choice>
-    <mc:Fallback xmlns="">
+    <mc:Fallback>
       <p:transition spd="med">
         <p:fade/>
       </p:transition>
@@ -8926,7 +8979,7 @@
           <a:blip r:embed="rId3">
             <a:extLst>
               <a:ext uri="{28A0092B-C50C-407E-A947-70E740481C1C}">
-                <a14:useLocalDpi xmlns:a14="http://schemas.microsoft.com/office/drawing/2010/main" val="0"/>
+                <a14:useLocalDpi xmlns:a14="http://schemas.microsoft.com/office/drawing/2010/main" xmlns="" val="0"/>
               </a:ext>
             </a:extLst>
           </a:blip>
@@ -8936,12 +8989,18 @@
         </p:blipFill>
         <p:spPr>
           <a:xfrm>
-            <a:off x="1080000" y="1620000"/>
-            <a:ext cx="6675925" cy="4320000"/>
+            <a:off x="1182223" y="1489997"/>
+            <a:ext cx="6675925" cy="4294062"/>
           </a:xfrm>
           <a:prstGeom prst="rect">
             <a:avLst/>
           </a:prstGeom>
+          <a:blipFill>
+            <a:blip r:embed="rId3"/>
+            <a:stretch>
+              <a:fillRect/>
+            </a:stretch>
+          </a:blipFill>
         </p:spPr>
       </p:pic>
       <p:pic>
@@ -8956,7 +9015,7 @@
           <a:blip r:embed="rId4">
             <a:extLst>
               <a:ext uri="{28A0092B-C50C-407E-A947-70E740481C1C}">
-                <a14:useLocalDpi xmlns:a14="http://schemas.microsoft.com/office/drawing/2010/main" val="0"/>
+                <a14:useLocalDpi xmlns:a14="http://schemas.microsoft.com/office/drawing/2010/main" xmlns="" val="0"/>
               </a:ext>
             </a:extLst>
           </a:blip>
@@ -8966,7 +9025,7 @@
         </p:blipFill>
         <p:spPr>
           <a:xfrm>
-            <a:off x="1097831" y="1620000"/>
+            <a:off x="1203510" y="1517908"/>
             <a:ext cx="6726076" cy="4320000"/>
           </a:xfrm>
           <a:prstGeom prst="rect">
@@ -9092,20 +9151,20 @@
     </p:spTree>
     <p:extLst>
       <p:ext uri="{BB962C8B-B14F-4D97-AF65-F5344CB8AC3E}">
-        <p14:creationId xmlns:p14="http://schemas.microsoft.com/office/powerpoint/2010/main" val="2996602330"/>
+        <p14:creationId xmlns:p14="http://schemas.microsoft.com/office/powerpoint/2010/main" xmlns="" val="2996602330"/>
       </p:ext>
     </p:extLst>
   </p:cSld>
   <p:clrMapOvr>
     <a:masterClrMapping/>
   </p:clrMapOvr>
-  <mc:AlternateContent xmlns:mc="http://schemas.openxmlformats.org/markup-compatibility/2006" xmlns:p14="http://schemas.microsoft.com/office/powerpoint/2010/main">
-    <mc:Choice Requires="p14">
+  <mc:AlternateContent xmlns:mc="http://schemas.openxmlformats.org/markup-compatibility/2006">
+    <mc:Choice xmlns:p14="http://schemas.microsoft.com/office/powerpoint/2010/main" xmlns="" Requires="p14">
       <p:transition spd="med" p14:dur="700">
         <p:fade/>
       </p:transition>
     </mc:Choice>
-    <mc:Fallback xmlns="">
+    <mc:Fallback>
       <p:transition spd="med">
         <p:fade/>
       </p:transition>
@@ -9601,7 +9660,7 @@
           <p:nvPr>
             <p:extLst>
               <p:ext uri="{D42A27DB-BD31-4B8C-83A1-F6EECF244321}">
-                <p14:modId xmlns:p14="http://schemas.microsoft.com/office/powerpoint/2010/main" val="3426541184"/>
+                <p14:modId xmlns:p14="http://schemas.microsoft.com/office/powerpoint/2010/main" xmlns="" val="3426541184"/>
               </p:ext>
             </p:extLst>
           </p:nvPr>
@@ -9627,49 +9686,49 @@
                 <a:gridCol w="954040">
                   <a:extLst>
                     <a:ext uri="{9D8B030D-6E8A-4147-A177-3AD203B41FA5}">
-                      <a16:colId xmlns:a16="http://schemas.microsoft.com/office/drawing/2014/main" val="1216206440"/>
+                      <a16:colId xmlns:a16="http://schemas.microsoft.com/office/drawing/2014/main" xmlns="" val="1216206440"/>
                     </a:ext>
                   </a:extLst>
                 </a:gridCol>
                 <a:gridCol w="953429">
                   <a:extLst>
                     <a:ext uri="{9D8B030D-6E8A-4147-A177-3AD203B41FA5}">
-                      <a16:colId xmlns:a16="http://schemas.microsoft.com/office/drawing/2014/main" val="1010552086"/>
+                      <a16:colId xmlns:a16="http://schemas.microsoft.com/office/drawing/2014/main" xmlns="" val="1010552086"/>
                     </a:ext>
                   </a:extLst>
                 </a:gridCol>
                 <a:gridCol w="953429">
                   <a:extLst>
                     <a:ext uri="{9D8B030D-6E8A-4147-A177-3AD203B41FA5}">
-                      <a16:colId xmlns:a16="http://schemas.microsoft.com/office/drawing/2014/main" val="1177101393"/>
+                      <a16:colId xmlns:a16="http://schemas.microsoft.com/office/drawing/2014/main" xmlns="" val="1177101393"/>
                     </a:ext>
                   </a:extLst>
                 </a:gridCol>
                 <a:gridCol w="867199">
                   <a:extLst>
                     <a:ext uri="{9D8B030D-6E8A-4147-A177-3AD203B41FA5}">
-                      <a16:colId xmlns:a16="http://schemas.microsoft.com/office/drawing/2014/main" val="3181440363"/>
+                      <a16:colId xmlns:a16="http://schemas.microsoft.com/office/drawing/2014/main" xmlns="" val="3181440363"/>
                     </a:ext>
                   </a:extLst>
                 </a:gridCol>
                 <a:gridCol w="953429">
                   <a:extLst>
                     <a:ext uri="{9D8B030D-6E8A-4147-A177-3AD203B41FA5}">
-                      <a16:colId xmlns:a16="http://schemas.microsoft.com/office/drawing/2014/main" val="280150196"/>
+                      <a16:colId xmlns:a16="http://schemas.microsoft.com/office/drawing/2014/main" xmlns="" val="280150196"/>
                     </a:ext>
                   </a:extLst>
                 </a:gridCol>
                 <a:gridCol w="953429">
                   <a:extLst>
                     <a:ext uri="{9D8B030D-6E8A-4147-A177-3AD203B41FA5}">
-                      <a16:colId xmlns:a16="http://schemas.microsoft.com/office/drawing/2014/main" val="3133269368"/>
+                      <a16:colId xmlns:a16="http://schemas.microsoft.com/office/drawing/2014/main" xmlns="" val="3133269368"/>
                     </a:ext>
                   </a:extLst>
                 </a:gridCol>
                 <a:gridCol w="953429">
                   <a:extLst>
                     <a:ext uri="{9D8B030D-6E8A-4147-A177-3AD203B41FA5}">
-                      <a16:colId xmlns:a16="http://schemas.microsoft.com/office/drawing/2014/main" val="1475204476"/>
+                      <a16:colId xmlns:a16="http://schemas.microsoft.com/office/drawing/2014/main" xmlns="" val="1475204476"/>
                     </a:ext>
                   </a:extLst>
                 </a:gridCol>
@@ -9908,7 +9967,7 @@
                 </a:tc>
                 <a:extLst>
                   <a:ext uri="{0D108BD9-81ED-4DB2-BD59-A6C34878D82A}">
-                    <a16:rowId xmlns:a16="http://schemas.microsoft.com/office/drawing/2014/main" val="302130873"/>
+                    <a16:rowId xmlns:a16="http://schemas.microsoft.com/office/drawing/2014/main" xmlns="" val="302130873"/>
                   </a:ext>
                 </a:extLst>
               </a:tr>
@@ -11428,7 +11487,7 @@
                 </a:tc>
                 <a:extLst>
                   <a:ext uri="{0D108BD9-81ED-4DB2-BD59-A6C34878D82A}">
-                    <a16:rowId xmlns:a16="http://schemas.microsoft.com/office/drawing/2014/main" val="1204424997"/>
+                    <a16:rowId xmlns:a16="http://schemas.microsoft.com/office/drawing/2014/main" xmlns="" val="1204424997"/>
                   </a:ext>
                 </a:extLst>
               </a:tr>
@@ -11624,7 +11683,7 @@
                 </a:tc>
                 <a:extLst>
                   <a:ext uri="{0D108BD9-81ED-4DB2-BD59-A6C34878D82A}">
-                    <a16:rowId xmlns:a16="http://schemas.microsoft.com/office/drawing/2014/main" val="806001306"/>
+                    <a16:rowId xmlns:a16="http://schemas.microsoft.com/office/drawing/2014/main" xmlns="" val="806001306"/>
                   </a:ext>
                 </a:extLst>
               </a:tr>
@@ -13151,7 +13210,7 @@
                 </a:tc>
                 <a:extLst>
                   <a:ext uri="{0D108BD9-81ED-4DB2-BD59-A6C34878D82A}">
-                    <a16:rowId xmlns:a16="http://schemas.microsoft.com/office/drawing/2014/main" val="156114176"/>
+                    <a16:rowId xmlns:a16="http://schemas.microsoft.com/office/drawing/2014/main" xmlns="" val="156114176"/>
                   </a:ext>
                 </a:extLst>
               </a:tr>
@@ -13205,20 +13264,20 @@
     </p:spTree>
     <p:extLst>
       <p:ext uri="{BB962C8B-B14F-4D97-AF65-F5344CB8AC3E}">
-        <p14:creationId xmlns:p14="http://schemas.microsoft.com/office/powerpoint/2010/main" val="2655739297"/>
+        <p14:creationId xmlns:p14="http://schemas.microsoft.com/office/powerpoint/2010/main" xmlns="" val="2655739297"/>
       </p:ext>
     </p:extLst>
   </p:cSld>
   <p:clrMapOvr>
     <a:masterClrMapping/>
   </p:clrMapOvr>
-  <mc:AlternateContent xmlns:mc="http://schemas.openxmlformats.org/markup-compatibility/2006" xmlns:p14="http://schemas.microsoft.com/office/powerpoint/2010/main">
-    <mc:Choice Requires="p14">
+  <mc:AlternateContent xmlns:mc="http://schemas.openxmlformats.org/markup-compatibility/2006">
+    <mc:Choice xmlns:p14="http://schemas.microsoft.com/office/powerpoint/2010/main" xmlns="" Requires="p14">
       <p:transition spd="med" p14:dur="700">
         <p:fade/>
       </p:transition>
     </mc:Choice>
-    <mc:Fallback xmlns="">
+    <mc:Fallback>
       <p:transition spd="med">
         <p:fade/>
       </p:transition>
@@ -13260,7 +13319,7 @@
           <p:nvPr>
             <p:extLst>
               <p:ext uri="{D42A27DB-BD31-4B8C-83A1-F6EECF244321}">
-                <p14:modId xmlns:p14="http://schemas.microsoft.com/office/powerpoint/2010/main" val="842814161"/>
+                <p14:modId xmlns:p14="http://schemas.microsoft.com/office/powerpoint/2010/main" xmlns="" val="842814161"/>
               </p:ext>
             </p:extLst>
           </p:nvPr>
@@ -13286,49 +13345,49 @@
                 <a:gridCol w="954040">
                   <a:extLst>
                     <a:ext uri="{9D8B030D-6E8A-4147-A177-3AD203B41FA5}">
-                      <a16:colId xmlns:a16="http://schemas.microsoft.com/office/drawing/2014/main" val="329924428"/>
+                      <a16:colId xmlns:a16="http://schemas.microsoft.com/office/drawing/2014/main" xmlns="" val="329924428"/>
                     </a:ext>
                   </a:extLst>
                 </a:gridCol>
                 <a:gridCol w="953429">
                   <a:extLst>
                     <a:ext uri="{9D8B030D-6E8A-4147-A177-3AD203B41FA5}">
-                      <a16:colId xmlns:a16="http://schemas.microsoft.com/office/drawing/2014/main" val="384900160"/>
+                      <a16:colId xmlns:a16="http://schemas.microsoft.com/office/drawing/2014/main" xmlns="" val="384900160"/>
                     </a:ext>
                   </a:extLst>
                 </a:gridCol>
                 <a:gridCol w="953429">
                   <a:extLst>
                     <a:ext uri="{9D8B030D-6E8A-4147-A177-3AD203B41FA5}">
-                      <a16:colId xmlns:a16="http://schemas.microsoft.com/office/drawing/2014/main" val="1296753231"/>
+                      <a16:colId xmlns:a16="http://schemas.microsoft.com/office/drawing/2014/main" xmlns="" val="1296753231"/>
                     </a:ext>
                   </a:extLst>
                 </a:gridCol>
                 <a:gridCol w="867199">
                   <a:extLst>
                     <a:ext uri="{9D8B030D-6E8A-4147-A177-3AD203B41FA5}">
-                      <a16:colId xmlns:a16="http://schemas.microsoft.com/office/drawing/2014/main" val="4136059562"/>
+                      <a16:colId xmlns:a16="http://schemas.microsoft.com/office/drawing/2014/main" xmlns="" val="4136059562"/>
                     </a:ext>
                   </a:extLst>
                 </a:gridCol>
                 <a:gridCol w="953429">
                   <a:extLst>
                     <a:ext uri="{9D8B030D-6E8A-4147-A177-3AD203B41FA5}">
-                      <a16:colId xmlns:a16="http://schemas.microsoft.com/office/drawing/2014/main" val="2567971475"/>
+                      <a16:colId xmlns:a16="http://schemas.microsoft.com/office/drawing/2014/main" xmlns="" val="2567971475"/>
                     </a:ext>
                   </a:extLst>
                 </a:gridCol>
                 <a:gridCol w="953429">
                   <a:extLst>
                     <a:ext uri="{9D8B030D-6E8A-4147-A177-3AD203B41FA5}">
-                      <a16:colId xmlns:a16="http://schemas.microsoft.com/office/drawing/2014/main" val="4221942705"/>
+                      <a16:colId xmlns:a16="http://schemas.microsoft.com/office/drawing/2014/main" xmlns="" val="4221942705"/>
                     </a:ext>
                   </a:extLst>
                 </a:gridCol>
                 <a:gridCol w="953429">
                   <a:extLst>
                     <a:ext uri="{9D8B030D-6E8A-4147-A177-3AD203B41FA5}">
-                      <a16:colId xmlns:a16="http://schemas.microsoft.com/office/drawing/2014/main" val="3245797509"/>
+                      <a16:colId xmlns:a16="http://schemas.microsoft.com/office/drawing/2014/main" xmlns="" val="3245797509"/>
                     </a:ext>
                   </a:extLst>
                 </a:gridCol>
@@ -14094,7 +14153,7 @@
                 </a:tc>
                 <a:extLst>
                   <a:ext uri="{0D108BD9-81ED-4DB2-BD59-A6C34878D82A}">
-                    <a16:rowId xmlns:a16="http://schemas.microsoft.com/office/drawing/2014/main" val="3903378234"/>
+                    <a16:rowId xmlns:a16="http://schemas.microsoft.com/office/drawing/2014/main" xmlns="" val="3903378234"/>
                   </a:ext>
                 </a:extLst>
               </a:tr>
@@ -14149,7 +14208,7 @@
           <p:nvPr>
             <p:extLst>
               <p:ext uri="{D42A27DB-BD31-4B8C-83A1-F6EECF244321}">
-                <p14:modId xmlns:p14="http://schemas.microsoft.com/office/powerpoint/2010/main" val="3454861698"/>
+                <p14:modId xmlns:p14="http://schemas.microsoft.com/office/powerpoint/2010/main" xmlns="" val="3454861698"/>
               </p:ext>
             </p:extLst>
           </p:nvPr>
@@ -14175,49 +14234,49 @@
                 <a:gridCol w="954040">
                   <a:extLst>
                     <a:ext uri="{9D8B030D-6E8A-4147-A177-3AD203B41FA5}">
-                      <a16:colId xmlns:a16="http://schemas.microsoft.com/office/drawing/2014/main" val="1216206440"/>
+                      <a16:colId xmlns:a16="http://schemas.microsoft.com/office/drawing/2014/main" xmlns="" val="1216206440"/>
                     </a:ext>
                   </a:extLst>
                 </a:gridCol>
                 <a:gridCol w="953429">
                   <a:extLst>
                     <a:ext uri="{9D8B030D-6E8A-4147-A177-3AD203B41FA5}">
-                      <a16:colId xmlns:a16="http://schemas.microsoft.com/office/drawing/2014/main" val="1010552086"/>
+                      <a16:colId xmlns:a16="http://schemas.microsoft.com/office/drawing/2014/main" xmlns="" val="1010552086"/>
                     </a:ext>
                   </a:extLst>
                 </a:gridCol>
                 <a:gridCol w="953429">
                   <a:extLst>
                     <a:ext uri="{9D8B030D-6E8A-4147-A177-3AD203B41FA5}">
-                      <a16:colId xmlns:a16="http://schemas.microsoft.com/office/drawing/2014/main" val="1177101393"/>
+                      <a16:colId xmlns:a16="http://schemas.microsoft.com/office/drawing/2014/main" xmlns="" val="1177101393"/>
                     </a:ext>
                   </a:extLst>
                 </a:gridCol>
                 <a:gridCol w="867199">
                   <a:extLst>
                     <a:ext uri="{9D8B030D-6E8A-4147-A177-3AD203B41FA5}">
-                      <a16:colId xmlns:a16="http://schemas.microsoft.com/office/drawing/2014/main" val="3181440363"/>
+                      <a16:colId xmlns:a16="http://schemas.microsoft.com/office/drawing/2014/main" xmlns="" val="3181440363"/>
                     </a:ext>
                   </a:extLst>
                 </a:gridCol>
                 <a:gridCol w="953429">
                   <a:extLst>
                     <a:ext uri="{9D8B030D-6E8A-4147-A177-3AD203B41FA5}">
-                      <a16:colId xmlns:a16="http://schemas.microsoft.com/office/drawing/2014/main" val="280150196"/>
+                      <a16:colId xmlns:a16="http://schemas.microsoft.com/office/drawing/2014/main" xmlns="" val="280150196"/>
                     </a:ext>
                   </a:extLst>
                 </a:gridCol>
                 <a:gridCol w="953429">
                   <a:extLst>
                     <a:ext uri="{9D8B030D-6E8A-4147-A177-3AD203B41FA5}">
-                      <a16:colId xmlns:a16="http://schemas.microsoft.com/office/drawing/2014/main" val="3133269368"/>
+                      <a16:colId xmlns:a16="http://schemas.microsoft.com/office/drawing/2014/main" xmlns="" val="3133269368"/>
                     </a:ext>
                   </a:extLst>
                 </a:gridCol>
                 <a:gridCol w="953429">
                   <a:extLst>
                     <a:ext uri="{9D8B030D-6E8A-4147-A177-3AD203B41FA5}">
-                      <a16:colId xmlns:a16="http://schemas.microsoft.com/office/drawing/2014/main" val="1475204476"/>
+                      <a16:colId xmlns:a16="http://schemas.microsoft.com/office/drawing/2014/main" xmlns="" val="1475204476"/>
                     </a:ext>
                   </a:extLst>
                 </a:gridCol>
@@ -14486,7 +14545,7 @@
                 </a:tc>
                 <a:extLst>
                   <a:ext uri="{0D108BD9-81ED-4DB2-BD59-A6C34878D82A}">
-                    <a16:rowId xmlns:a16="http://schemas.microsoft.com/office/drawing/2014/main" val="2745901854"/>
+                    <a16:rowId xmlns:a16="http://schemas.microsoft.com/office/drawing/2014/main" xmlns="" val="2745901854"/>
                   </a:ext>
                 </a:extLst>
               </a:tr>
@@ -15998,7 +16057,7 @@
                 </a:tc>
                 <a:extLst>
                   <a:ext uri="{0D108BD9-81ED-4DB2-BD59-A6C34878D82A}">
-                    <a16:rowId xmlns:a16="http://schemas.microsoft.com/office/drawing/2014/main" val="903295804"/>
+                    <a16:rowId xmlns:a16="http://schemas.microsoft.com/office/drawing/2014/main" xmlns="" val="903295804"/>
                   </a:ext>
                 </a:extLst>
               </a:tr>
@@ -16194,7 +16253,7 @@
                 </a:tc>
                 <a:extLst>
                   <a:ext uri="{0D108BD9-81ED-4DB2-BD59-A6C34878D82A}">
-                    <a16:rowId xmlns:a16="http://schemas.microsoft.com/office/drawing/2014/main" val="440239752"/>
+                    <a16:rowId xmlns:a16="http://schemas.microsoft.com/office/drawing/2014/main" xmlns="" val="440239752"/>
                   </a:ext>
                 </a:extLst>
               </a:tr>
@@ -16966,7 +17025,7 @@
                 </a:tc>
                 <a:extLst>
                   <a:ext uri="{0D108BD9-81ED-4DB2-BD59-A6C34878D82A}">
-                    <a16:rowId xmlns:a16="http://schemas.microsoft.com/office/drawing/2014/main" val="1978111144"/>
+                    <a16:rowId xmlns:a16="http://schemas.microsoft.com/office/drawing/2014/main" xmlns="" val="1978111144"/>
                   </a:ext>
                 </a:extLst>
               </a:tr>
@@ -16977,7 +17036,7 @@
     </p:spTree>
     <p:extLst>
       <p:ext uri="{BB962C8B-B14F-4D97-AF65-F5344CB8AC3E}">
-        <p14:creationId xmlns:p14="http://schemas.microsoft.com/office/powerpoint/2010/main" val="3949247166"/>
+        <p14:creationId xmlns:p14="http://schemas.microsoft.com/office/powerpoint/2010/main" xmlns="" val="3949247166"/>
       </p:ext>
     </p:extLst>
   </p:cSld>
@@ -17202,20 +17261,20 @@
     </p:spTree>
     <p:extLst>
       <p:ext uri="{BB962C8B-B14F-4D97-AF65-F5344CB8AC3E}">
-        <p14:creationId xmlns:p14="http://schemas.microsoft.com/office/powerpoint/2010/main" val="3419321070"/>
+        <p14:creationId xmlns:p14="http://schemas.microsoft.com/office/powerpoint/2010/main" xmlns="" val="3419321070"/>
       </p:ext>
     </p:extLst>
   </p:cSld>
   <p:clrMapOvr>
     <a:masterClrMapping/>
   </p:clrMapOvr>
-  <mc:AlternateContent xmlns:mc="http://schemas.openxmlformats.org/markup-compatibility/2006" xmlns:p14="http://schemas.microsoft.com/office/powerpoint/2010/main">
-    <mc:Choice Requires="p14">
+  <mc:AlternateContent xmlns:mc="http://schemas.openxmlformats.org/markup-compatibility/2006">
+    <mc:Choice xmlns:p14="http://schemas.microsoft.com/office/powerpoint/2010/main" xmlns="" Requires="p14">
       <p:transition spd="med" p14:dur="700">
         <p:fade/>
       </p:transition>
     </mc:Choice>
-    <mc:Fallback xmlns="">
+    <mc:Fallback>
       <p:transition spd="med">
         <p:fade/>
       </p:transition>
@@ -17931,20 +17990,20 @@
     </p:spTree>
     <p:extLst>
       <p:ext uri="{BB962C8B-B14F-4D97-AF65-F5344CB8AC3E}">
-        <p14:creationId xmlns:p14="http://schemas.microsoft.com/office/powerpoint/2010/main" val="750440370"/>
+        <p14:creationId xmlns:p14="http://schemas.microsoft.com/office/powerpoint/2010/main" xmlns="" val="750440370"/>
       </p:ext>
     </p:extLst>
   </p:cSld>
   <p:clrMapOvr>
     <a:masterClrMapping/>
   </p:clrMapOvr>
-  <mc:AlternateContent xmlns:mc="http://schemas.openxmlformats.org/markup-compatibility/2006" xmlns:p14="http://schemas.microsoft.com/office/powerpoint/2010/main">
-    <mc:Choice Requires="p14">
+  <mc:AlternateContent xmlns:mc="http://schemas.openxmlformats.org/markup-compatibility/2006">
+    <mc:Choice xmlns:p14="http://schemas.microsoft.com/office/powerpoint/2010/main" xmlns="" Requires="p14">
       <p:transition spd="med" p14:dur="700">
         <p:fade/>
       </p:transition>
     </mc:Choice>
-    <mc:Fallback xmlns="">
+    <mc:Fallback>
       <p:transition spd="med">
         <p:fade/>
       </p:transition>
@@ -18187,20 +18246,20 @@
     </p:spTree>
     <p:extLst>
       <p:ext uri="{BB962C8B-B14F-4D97-AF65-F5344CB8AC3E}">
-        <p14:creationId xmlns:p14="http://schemas.microsoft.com/office/powerpoint/2010/main" val="899693224"/>
+        <p14:creationId xmlns:p14="http://schemas.microsoft.com/office/powerpoint/2010/main" xmlns="" val="899693224"/>
       </p:ext>
     </p:extLst>
   </p:cSld>
   <p:clrMapOvr>
     <a:masterClrMapping/>
   </p:clrMapOvr>
-  <mc:AlternateContent xmlns:mc="http://schemas.openxmlformats.org/markup-compatibility/2006" xmlns:p14="http://schemas.microsoft.com/office/powerpoint/2010/main">
-    <mc:Choice Requires="p14">
+  <mc:AlternateContent xmlns:mc="http://schemas.openxmlformats.org/markup-compatibility/2006">
+    <mc:Choice xmlns:p14="http://schemas.microsoft.com/office/powerpoint/2010/main" xmlns="" Requires="p14">
       <p:transition spd="med" p14:dur="700">
         <p:fade/>
       </p:transition>
     </mc:Choice>
-    <mc:Fallback xmlns="">
+    <mc:Fallback>
       <p:transition spd="med">
         <p:fade/>
       </p:transition>
@@ -18683,7 +18742,7 @@
           <a:blip r:embed="rId3" cstate="print">
             <a:extLst>
               <a:ext uri="{28A0092B-C50C-407E-A947-70E740481C1C}">
-                <a14:useLocalDpi xmlns:a14="http://schemas.microsoft.com/office/drawing/2010/main" val="0"/>
+                <a14:useLocalDpi xmlns:a14="http://schemas.microsoft.com/office/drawing/2010/main" xmlns="" val="0"/>
               </a:ext>
             </a:extLst>
           </a:blip>
@@ -18693,8 +18752,8 @@
         </p:blipFill>
         <p:spPr>
           <a:xfrm>
-            <a:off x="1619672" y="1620000"/>
-            <a:ext cx="6261317" cy="3960000"/>
+            <a:off x="1080000" y="1620000"/>
+            <a:ext cx="7399738" cy="4680000"/>
           </a:xfrm>
           <a:prstGeom prst="rect">
             <a:avLst/>
@@ -18747,20 +18806,20 @@
     </p:spTree>
     <p:extLst>
       <p:ext uri="{BB962C8B-B14F-4D97-AF65-F5344CB8AC3E}">
-        <p14:creationId xmlns:p14="http://schemas.microsoft.com/office/powerpoint/2010/main" val="1609730093"/>
+        <p14:creationId xmlns:p14="http://schemas.microsoft.com/office/powerpoint/2010/main" xmlns="" val="1609730093"/>
       </p:ext>
     </p:extLst>
   </p:cSld>
   <p:clrMapOvr>
     <a:masterClrMapping/>
   </p:clrMapOvr>
-  <mc:AlternateContent xmlns:mc="http://schemas.openxmlformats.org/markup-compatibility/2006" xmlns:p14="http://schemas.microsoft.com/office/powerpoint/2010/main">
-    <mc:Choice Requires="p14">
+  <mc:AlternateContent xmlns:mc="http://schemas.openxmlformats.org/markup-compatibility/2006">
+    <mc:Choice xmlns:p14="http://schemas.microsoft.com/office/powerpoint/2010/main" xmlns="" Requires="p14">
       <p:transition spd="med" p14:dur="700">
         <p:fade/>
       </p:transition>
     </mc:Choice>
-    <mc:Fallback xmlns="">
+    <mc:Fallback>
       <p:transition spd="med">
         <p:fade/>
       </p:transition>
@@ -19320,36 +19379,6 @@
           </a:p>
         </p:txBody>
       </p:sp>
-      <p:pic>
-        <p:nvPicPr>
-          <p:cNvPr id="25" name="그림 24"/>
-          <p:cNvPicPr>
-            <a:picLocks noChangeAspect="1"/>
-          </p:cNvPicPr>
-          <p:nvPr/>
-        </p:nvPicPr>
-        <p:blipFill>
-          <a:blip r:embed="rId3">
-            <a:extLst>
-              <a:ext uri="{28A0092B-C50C-407E-A947-70E740481C1C}">
-                <a14:useLocalDpi xmlns:a14="http://schemas.microsoft.com/office/drawing/2010/main" val="0"/>
-              </a:ext>
-            </a:extLst>
-          </a:blip>
-          <a:stretch>
-            <a:fillRect/>
-          </a:stretch>
-        </p:blipFill>
-        <p:spPr>
-          <a:xfrm>
-            <a:off x="1620000" y="1620000"/>
-            <a:ext cx="5653771" cy="3960000"/>
-          </a:xfrm>
-          <a:prstGeom prst="rect">
-            <a:avLst/>
-          </a:prstGeom>
-        </p:spPr>
-      </p:pic>
       <p:sp>
         <p:nvSpPr>
           <p:cNvPr id="12" name="TextBox 11"/>
@@ -19393,23 +19422,53 @@
           </a:p>
         </p:txBody>
       </p:sp>
+      <p:pic>
+        <p:nvPicPr>
+          <p:cNvPr id="2" name="그림 1"/>
+          <p:cNvPicPr>
+            <a:picLocks noChangeAspect="1"/>
+          </p:cNvPicPr>
+          <p:nvPr/>
+        </p:nvPicPr>
+        <p:blipFill>
+          <a:blip r:embed="rId3">
+            <a:extLst>
+              <a:ext uri="{28A0092B-C50C-407E-A947-70E740481C1C}">
+                <a14:useLocalDpi xmlns:a14="http://schemas.microsoft.com/office/drawing/2010/main" xmlns="" val="0"/>
+              </a:ext>
+            </a:extLst>
+          </a:blip>
+          <a:stretch>
+            <a:fillRect/>
+          </a:stretch>
+        </p:blipFill>
+        <p:spPr>
+          <a:xfrm>
+            <a:off x="1260000" y="1620000"/>
+            <a:ext cx="6357836" cy="4680000"/>
+          </a:xfrm>
+          <a:prstGeom prst="rect">
+            <a:avLst/>
+          </a:prstGeom>
+        </p:spPr>
+      </p:pic>
     </p:spTree>
     <p:extLst>
       <p:ext uri="{BB962C8B-B14F-4D97-AF65-F5344CB8AC3E}">
-        <p14:creationId xmlns:p14="http://schemas.microsoft.com/office/powerpoint/2010/main" val="3811035854"/>
+        <p14:creationId xmlns:p14="http://schemas.microsoft.com/office/powerpoint/2010/main" xmlns="" val="3811035854"/>
       </p:ext>
     </p:extLst>
   </p:cSld>
   <p:clrMapOvr>
     <a:masterClrMapping/>
   </p:clrMapOvr>
-  <mc:AlternateContent xmlns:mc="http://schemas.openxmlformats.org/markup-compatibility/2006" xmlns:p14="http://schemas.microsoft.com/office/powerpoint/2010/main">
-    <mc:Choice Requires="p14">
+  <mc:AlternateContent xmlns:mc="http://schemas.openxmlformats.org/markup-compatibility/2006">
+    <mc:Choice xmlns:p14="http://schemas.microsoft.com/office/powerpoint/2010/main" xmlns="" Requires="p14">
       <p:transition spd="med" p14:dur="700">
         <p:fade/>
       </p:transition>
     </mc:Choice>
-    <mc:Fallback xmlns="">
+    <mc:Fallback>
       <p:transition spd="med">
         <p:fade/>
       </p:transition>
@@ -19418,83 +19477,7 @@
   <p:timing>
     <p:tnLst>
       <p:par>
-        <p:cTn id="1" dur="indefinite" restart="never" nodeType="tmRoot">
-          <p:childTnLst>
-            <p:seq concurrent="1" nextAc="seek">
-              <p:cTn id="2" dur="indefinite" nodeType="mainSeq">
-                <p:childTnLst>
-                  <p:par>
-                    <p:cTn id="3" fill="hold">
-                      <p:stCondLst>
-                        <p:cond delay="indefinite"/>
-                      </p:stCondLst>
-                      <p:childTnLst>
-                        <p:par>
-                          <p:cTn id="4" fill="hold">
-                            <p:stCondLst>
-                              <p:cond delay="0"/>
-                            </p:stCondLst>
-                            <p:childTnLst>
-                              <p:par>
-                                <p:cTn id="5" presetID="10" presetClass="entr" presetSubtype="0" fill="hold" nodeType="clickEffect">
-                                  <p:stCondLst>
-                                    <p:cond delay="0"/>
-                                  </p:stCondLst>
-                                  <p:childTnLst>
-                                    <p:set>
-                                      <p:cBhvr>
-                                        <p:cTn id="6" dur="1" fill="hold">
-                                          <p:stCondLst>
-                                            <p:cond delay="0"/>
-                                          </p:stCondLst>
-                                        </p:cTn>
-                                        <p:tgtEl>
-                                          <p:spTgt spid="25"/>
-                                        </p:tgtEl>
-                                        <p:attrNameLst>
-                                          <p:attrName>style.visibility</p:attrName>
-                                        </p:attrNameLst>
-                                      </p:cBhvr>
-                                      <p:to>
-                                        <p:strVal val="visible"/>
-                                      </p:to>
-                                    </p:set>
-                                    <p:animEffect transition="in" filter="fade">
-                                      <p:cBhvr>
-                                        <p:cTn id="7" dur="500"/>
-                                        <p:tgtEl>
-                                          <p:spTgt spid="25"/>
-                                        </p:tgtEl>
-                                      </p:cBhvr>
-                                    </p:animEffect>
-                                  </p:childTnLst>
-                                </p:cTn>
-                              </p:par>
-                            </p:childTnLst>
-                          </p:cTn>
-                        </p:par>
-                      </p:childTnLst>
-                    </p:cTn>
-                  </p:par>
-                </p:childTnLst>
-              </p:cTn>
-              <p:prevCondLst>
-                <p:cond evt="onPrev" delay="0">
-                  <p:tgtEl>
-                    <p:sldTgt/>
-                  </p:tgtEl>
-                </p:cond>
-              </p:prevCondLst>
-              <p:nextCondLst>
-                <p:cond evt="onNext" delay="0">
-                  <p:tgtEl>
-                    <p:sldTgt/>
-                  </p:tgtEl>
-                </p:cond>
-              </p:nextCondLst>
-            </p:seq>
-          </p:childTnLst>
-        </p:cTn>
+        <p:cTn id="1" dur="indefinite" restart="never" nodeType="tmRoot"/>
       </p:par>
     </p:tnLst>
   </p:timing>
@@ -19690,20 +19673,20 @@
     </p:spTree>
     <p:extLst>
       <p:ext uri="{BB962C8B-B14F-4D97-AF65-F5344CB8AC3E}">
-        <p14:creationId xmlns:p14="http://schemas.microsoft.com/office/powerpoint/2010/main" val="3836861919"/>
+        <p14:creationId xmlns:p14="http://schemas.microsoft.com/office/powerpoint/2010/main" xmlns="" val="3836861919"/>
       </p:ext>
     </p:extLst>
   </p:cSld>
   <p:clrMapOvr>
     <a:masterClrMapping/>
   </p:clrMapOvr>
-  <mc:AlternateContent xmlns:mc="http://schemas.openxmlformats.org/markup-compatibility/2006" xmlns:p14="http://schemas.microsoft.com/office/powerpoint/2010/main">
-    <mc:Choice Requires="p14">
+  <mc:AlternateContent xmlns:mc="http://schemas.openxmlformats.org/markup-compatibility/2006">
+    <mc:Choice xmlns:p14="http://schemas.microsoft.com/office/powerpoint/2010/main" xmlns="" Requires="p14">
       <p:transition spd="med" p14:dur="700">
         <p:fade/>
       </p:transition>
     </mc:Choice>
-    <mc:Fallback xmlns="">
+    <mc:Fallback>
       <p:transition spd="med">
         <p:fade/>
       </p:transition>
@@ -20183,36 +20166,6 @@
           </a:p>
         </p:txBody>
       </p:sp>
-      <p:pic>
-        <p:nvPicPr>
-          <p:cNvPr id="14" name="그림 13"/>
-          <p:cNvPicPr>
-            <a:picLocks noChangeAspect="1"/>
-          </p:cNvPicPr>
-          <p:nvPr/>
-        </p:nvPicPr>
-        <p:blipFill>
-          <a:blip r:embed="rId3">
-            <a:extLst>
-              <a:ext uri="{28A0092B-C50C-407E-A947-70E740481C1C}">
-                <a14:useLocalDpi xmlns:a14="http://schemas.microsoft.com/office/drawing/2010/main" val="0"/>
-              </a:ext>
-            </a:extLst>
-          </a:blip>
-          <a:stretch>
-            <a:fillRect/>
-          </a:stretch>
-        </p:blipFill>
-        <p:spPr>
-          <a:xfrm>
-            <a:off x="1620000" y="1620000"/>
-            <a:ext cx="6457593" cy="3960000"/>
-          </a:xfrm>
-          <a:prstGeom prst="rect">
-            <a:avLst/>
-          </a:prstGeom>
-        </p:spPr>
-      </p:pic>
       <p:sp>
         <p:nvSpPr>
           <p:cNvPr id="12" name="TextBox 11"/>
@@ -20256,23 +20209,53 @@
           </a:p>
         </p:txBody>
       </p:sp>
+      <p:pic>
+        <p:nvPicPr>
+          <p:cNvPr id="2" name="그림 1"/>
+          <p:cNvPicPr>
+            <a:picLocks noChangeAspect="1"/>
+          </p:cNvPicPr>
+          <p:nvPr/>
+        </p:nvPicPr>
+        <p:blipFill>
+          <a:blip r:embed="rId3">
+            <a:extLst>
+              <a:ext uri="{28A0092B-C50C-407E-A947-70E740481C1C}">
+                <a14:useLocalDpi xmlns:a14="http://schemas.microsoft.com/office/drawing/2010/main" xmlns="" val="0"/>
+              </a:ext>
+            </a:extLst>
+          </a:blip>
+          <a:stretch>
+            <a:fillRect/>
+          </a:stretch>
+        </p:blipFill>
+        <p:spPr>
+          <a:xfrm>
+            <a:off x="1079200" y="1620000"/>
+            <a:ext cx="7669264" cy="4680000"/>
+          </a:xfrm>
+          <a:prstGeom prst="rect">
+            <a:avLst/>
+          </a:prstGeom>
+        </p:spPr>
+      </p:pic>
     </p:spTree>
     <p:extLst>
       <p:ext uri="{BB962C8B-B14F-4D97-AF65-F5344CB8AC3E}">
-        <p14:creationId xmlns:p14="http://schemas.microsoft.com/office/powerpoint/2010/main" val="3220462730"/>
+        <p14:creationId xmlns:p14="http://schemas.microsoft.com/office/powerpoint/2010/main" xmlns="" val="3220462730"/>
       </p:ext>
     </p:extLst>
   </p:cSld>
   <p:clrMapOvr>
     <a:masterClrMapping/>
   </p:clrMapOvr>
-  <mc:AlternateContent xmlns:mc="http://schemas.openxmlformats.org/markup-compatibility/2006" xmlns:p14="http://schemas.microsoft.com/office/powerpoint/2010/main">
-    <mc:Choice Requires="p14">
+  <mc:AlternateContent xmlns:mc="http://schemas.openxmlformats.org/markup-compatibility/2006">
+    <mc:Choice xmlns:p14="http://schemas.microsoft.com/office/powerpoint/2010/main" xmlns="" Requires="p14">
       <p:transition spd="med" p14:dur="700">
         <p:fade/>
       </p:transition>
     </mc:Choice>
-    <mc:Fallback xmlns="">
+    <mc:Fallback>
       <p:transition spd="med">
         <p:fade/>
       </p:transition>
@@ -20281,83 +20264,7 @@
   <p:timing>
     <p:tnLst>
       <p:par>
-        <p:cTn id="1" dur="indefinite" restart="never" nodeType="tmRoot">
-          <p:childTnLst>
-            <p:seq concurrent="1" nextAc="seek">
-              <p:cTn id="2" dur="indefinite" nodeType="mainSeq">
-                <p:childTnLst>
-                  <p:par>
-                    <p:cTn id="3" fill="hold">
-                      <p:stCondLst>
-                        <p:cond delay="indefinite"/>
-                      </p:stCondLst>
-                      <p:childTnLst>
-                        <p:par>
-                          <p:cTn id="4" fill="hold">
-                            <p:stCondLst>
-                              <p:cond delay="0"/>
-                            </p:stCondLst>
-                            <p:childTnLst>
-                              <p:par>
-                                <p:cTn id="5" presetID="10" presetClass="entr" presetSubtype="0" fill="hold" nodeType="clickEffect">
-                                  <p:stCondLst>
-                                    <p:cond delay="0"/>
-                                  </p:stCondLst>
-                                  <p:childTnLst>
-                                    <p:set>
-                                      <p:cBhvr>
-                                        <p:cTn id="6" dur="1" fill="hold">
-                                          <p:stCondLst>
-                                            <p:cond delay="0"/>
-                                          </p:stCondLst>
-                                        </p:cTn>
-                                        <p:tgtEl>
-                                          <p:spTgt spid="14"/>
-                                        </p:tgtEl>
-                                        <p:attrNameLst>
-                                          <p:attrName>style.visibility</p:attrName>
-                                        </p:attrNameLst>
-                                      </p:cBhvr>
-                                      <p:to>
-                                        <p:strVal val="visible"/>
-                                      </p:to>
-                                    </p:set>
-                                    <p:animEffect transition="in" filter="fade">
-                                      <p:cBhvr>
-                                        <p:cTn id="7" dur="500"/>
-                                        <p:tgtEl>
-                                          <p:spTgt spid="14"/>
-                                        </p:tgtEl>
-                                      </p:cBhvr>
-                                    </p:animEffect>
-                                  </p:childTnLst>
-                                </p:cTn>
-                              </p:par>
-                            </p:childTnLst>
-                          </p:cTn>
-                        </p:par>
-                      </p:childTnLst>
-                    </p:cTn>
-                  </p:par>
-                </p:childTnLst>
-              </p:cTn>
-              <p:prevCondLst>
-                <p:cond evt="onPrev" delay="0">
-                  <p:tgtEl>
-                    <p:sldTgt/>
-                  </p:tgtEl>
-                </p:cond>
-              </p:prevCondLst>
-              <p:nextCondLst>
-                <p:cond evt="onNext" delay="0">
-                  <p:tgtEl>
-                    <p:sldTgt/>
-                  </p:tgtEl>
-                </p:cond>
-              </p:nextCondLst>
-            </p:seq>
-          </p:childTnLst>
-        </p:cTn>
+        <p:cTn id="1" dur="indefinite" restart="never" nodeType="tmRoot"/>
       </p:par>
     </p:tnLst>
   </p:timing>
@@ -20883,7 +20790,7 @@
           <a:blip r:embed="rId3">
             <a:extLst>
               <a:ext uri="{28A0092B-C50C-407E-A947-70E740481C1C}">
-                <a14:useLocalDpi xmlns:a14="http://schemas.microsoft.com/office/drawing/2010/main" val="0"/>
+                <a14:useLocalDpi xmlns:a14="http://schemas.microsoft.com/office/drawing/2010/main" xmlns="" val="0"/>
               </a:ext>
             </a:extLst>
           </a:blip>
@@ -20904,20 +20811,20 @@
     </p:spTree>
     <p:extLst>
       <p:ext uri="{BB962C8B-B14F-4D97-AF65-F5344CB8AC3E}">
-        <p14:creationId xmlns:p14="http://schemas.microsoft.com/office/powerpoint/2010/main" val="1910678048"/>
+        <p14:creationId xmlns:p14="http://schemas.microsoft.com/office/powerpoint/2010/main" xmlns="" val="1910678048"/>
       </p:ext>
     </p:extLst>
   </p:cSld>
   <p:clrMapOvr>
     <a:masterClrMapping/>
   </p:clrMapOvr>
-  <mc:AlternateContent xmlns:mc="http://schemas.openxmlformats.org/markup-compatibility/2006" xmlns:p14="http://schemas.microsoft.com/office/powerpoint/2010/main">
-    <mc:Choice Requires="p14">
+  <mc:AlternateContent xmlns:mc="http://schemas.openxmlformats.org/markup-compatibility/2006">
+    <mc:Choice xmlns:p14="http://schemas.microsoft.com/office/powerpoint/2010/main" xmlns="" Requires="p14">
       <p:transition spd="med" p14:dur="700">
         <p:fade/>
       </p:transition>
     </mc:Choice>
-    <mc:Fallback xmlns="">
+    <mc:Fallback>
       <p:transition spd="med">
         <p:fade/>
       </p:transition>
@@ -21214,20 +21121,20 @@
     </p:spTree>
     <p:extLst>
       <p:ext uri="{BB962C8B-B14F-4D97-AF65-F5344CB8AC3E}">
-        <p14:creationId xmlns:p14="http://schemas.microsoft.com/office/powerpoint/2010/main" val="2323953954"/>
+        <p14:creationId xmlns:p14="http://schemas.microsoft.com/office/powerpoint/2010/main" xmlns="" val="2323953954"/>
       </p:ext>
     </p:extLst>
   </p:cSld>
   <p:clrMapOvr>
     <a:masterClrMapping/>
   </p:clrMapOvr>
-  <mc:AlternateContent xmlns:mc="http://schemas.openxmlformats.org/markup-compatibility/2006" xmlns:p14="http://schemas.microsoft.com/office/powerpoint/2010/main">
-    <mc:Choice Requires="p14">
+  <mc:AlternateContent xmlns:mc="http://schemas.openxmlformats.org/markup-compatibility/2006">
+    <mc:Choice xmlns:p14="http://schemas.microsoft.com/office/powerpoint/2010/main" xmlns="" Requires="p14">
       <p:transition spd="med" p14:dur="700">
         <p:fade/>
       </p:transition>
     </mc:Choice>
-    <mc:Fallback xmlns="">
+    <mc:Fallback>
       <p:transition spd="med">
         <p:fade/>
       </p:transition>
@@ -21841,7 +21748,7 @@
             <a:blip r:embed="rId3">
               <a:extLst>
                 <a:ext uri="{28A0092B-C50C-407E-A947-70E740481C1C}">
-                  <a14:useLocalDpi xmlns:a14="http://schemas.microsoft.com/office/drawing/2010/main" val="0"/>
+                  <a14:useLocalDpi xmlns:a14="http://schemas.microsoft.com/office/drawing/2010/main" xmlns="" val="0"/>
                 </a:ext>
               </a:extLst>
             </a:blip>
@@ -22022,7 +21929,7 @@
             <a:blip r:embed="rId4">
               <a:extLst>
                 <a:ext uri="{28A0092B-C50C-407E-A947-70E740481C1C}">
-                  <a14:useLocalDpi xmlns:a14="http://schemas.microsoft.com/office/drawing/2010/main" val="0"/>
+                  <a14:useLocalDpi xmlns:a14="http://schemas.microsoft.com/office/drawing/2010/main" xmlns="" val="0"/>
                 </a:ext>
               </a:extLst>
             </a:blip>
@@ -22203,7 +22110,7 @@
             <a:blip r:embed="rId5">
               <a:extLst>
                 <a:ext uri="{28A0092B-C50C-407E-A947-70E740481C1C}">
-                  <a14:useLocalDpi xmlns:a14="http://schemas.microsoft.com/office/drawing/2010/main" val="0"/>
+                  <a14:useLocalDpi xmlns:a14="http://schemas.microsoft.com/office/drawing/2010/main" xmlns="" val="0"/>
                 </a:ext>
               </a:extLst>
             </a:blip>
@@ -22225,20 +22132,20 @@
     </p:spTree>
     <p:extLst>
       <p:ext uri="{BB962C8B-B14F-4D97-AF65-F5344CB8AC3E}">
-        <p14:creationId xmlns:p14="http://schemas.microsoft.com/office/powerpoint/2010/main" val="422006085"/>
+        <p14:creationId xmlns:p14="http://schemas.microsoft.com/office/powerpoint/2010/main" xmlns="" val="422006085"/>
       </p:ext>
     </p:extLst>
   </p:cSld>
   <p:clrMapOvr>
     <a:masterClrMapping/>
   </p:clrMapOvr>
-  <mc:AlternateContent xmlns:mc="http://schemas.openxmlformats.org/markup-compatibility/2006" xmlns:p14="http://schemas.microsoft.com/office/powerpoint/2010/main">
-    <mc:Choice Requires="p14">
+  <mc:AlternateContent xmlns:mc="http://schemas.openxmlformats.org/markup-compatibility/2006">
+    <mc:Choice xmlns:p14="http://schemas.microsoft.com/office/powerpoint/2010/main" xmlns="" Requires="p14">
       <p:transition spd="med" p14:dur="700">
         <p:fade/>
       </p:transition>
     </mc:Choice>
-    <mc:Fallback xmlns="">
+    <mc:Fallback>
       <p:transition spd="med">
         <p:fade/>
       </p:transition>
@@ -22775,7 +22682,7 @@
           <a:blip r:embed="rId3" cstate="print">
             <a:extLst>
               <a:ext uri="{28A0092B-C50C-407E-A947-70E740481C1C}">
-                <a14:useLocalDpi xmlns:a14="http://schemas.microsoft.com/office/drawing/2010/main" val="0"/>
+                <a14:useLocalDpi xmlns:a14="http://schemas.microsoft.com/office/drawing/2010/main" xmlns="" val="0"/>
               </a:ext>
             </a:extLst>
           </a:blip>
@@ -22805,7 +22712,7 @@
           <a:blip r:embed="rId4" cstate="print">
             <a:extLst>
               <a:ext uri="{28A0092B-C50C-407E-A947-70E740481C1C}">
-                <a14:useLocalDpi xmlns:a14="http://schemas.microsoft.com/office/drawing/2010/main" val="0"/>
+                <a14:useLocalDpi xmlns:a14="http://schemas.microsoft.com/office/drawing/2010/main" xmlns="" val="0"/>
               </a:ext>
             </a:extLst>
           </a:blip>
@@ -23060,20 +22967,20 @@
     </p:spTree>
     <p:extLst>
       <p:ext uri="{BB962C8B-B14F-4D97-AF65-F5344CB8AC3E}">
-        <p14:creationId xmlns:p14="http://schemas.microsoft.com/office/powerpoint/2010/main" val="998796230"/>
+        <p14:creationId xmlns:p14="http://schemas.microsoft.com/office/powerpoint/2010/main" xmlns="" val="998796230"/>
       </p:ext>
     </p:extLst>
   </p:cSld>
   <p:clrMapOvr>
     <a:masterClrMapping/>
   </p:clrMapOvr>
-  <mc:AlternateContent xmlns:mc="http://schemas.openxmlformats.org/markup-compatibility/2006" xmlns:p14="http://schemas.microsoft.com/office/powerpoint/2010/main">
-    <mc:Choice Requires="p14">
+  <mc:AlternateContent xmlns:mc="http://schemas.openxmlformats.org/markup-compatibility/2006">
+    <mc:Choice xmlns:p14="http://schemas.microsoft.com/office/powerpoint/2010/main" xmlns="" Requires="p14">
       <p:transition spd="med" p14:dur="700">
         <p:fade/>
       </p:transition>
     </mc:Choice>
-    <mc:Fallback xmlns="">
+    <mc:Fallback>
       <p:transition spd="med">
         <p:fade/>
       </p:transition>
@@ -23156,7 +23063,7 @@
           <a:blip r:embed="rId3" cstate="print">
             <a:extLst>
               <a:ext uri="{28A0092B-C50C-407E-A947-70E740481C1C}">
-                <a14:useLocalDpi xmlns:a14="http://schemas.microsoft.com/office/drawing/2010/main" val="0"/>
+                <a14:useLocalDpi xmlns:a14="http://schemas.microsoft.com/office/drawing/2010/main" xmlns="" val="0"/>
               </a:ext>
             </a:extLst>
           </a:blip>
@@ -23243,7 +23150,7 @@
     </p:spTree>
     <p:extLst>
       <p:ext uri="{BB962C8B-B14F-4D97-AF65-F5344CB8AC3E}">
-        <p14:creationId xmlns:p14="http://schemas.microsoft.com/office/powerpoint/2010/main" val="2760330543"/>
+        <p14:creationId xmlns:p14="http://schemas.microsoft.com/office/powerpoint/2010/main" xmlns="" val="2760330543"/>
       </p:ext>
     </p:extLst>
   </p:cSld>
@@ -23483,20 +23390,20 @@
     </p:spTree>
     <p:extLst>
       <p:ext uri="{BB962C8B-B14F-4D97-AF65-F5344CB8AC3E}">
-        <p14:creationId xmlns:p14="http://schemas.microsoft.com/office/powerpoint/2010/main" val="4043844602"/>
+        <p14:creationId xmlns:p14="http://schemas.microsoft.com/office/powerpoint/2010/main" xmlns="" val="4043844602"/>
       </p:ext>
     </p:extLst>
   </p:cSld>
   <p:clrMapOvr>
     <a:masterClrMapping/>
   </p:clrMapOvr>
-  <mc:AlternateContent xmlns:mc="http://schemas.openxmlformats.org/markup-compatibility/2006" xmlns:p14="http://schemas.microsoft.com/office/powerpoint/2010/main">
-    <mc:Choice Requires="p14">
+  <mc:AlternateContent xmlns:mc="http://schemas.openxmlformats.org/markup-compatibility/2006">
+    <mc:Choice xmlns:p14="http://schemas.microsoft.com/office/powerpoint/2010/main" xmlns="" Requires="p14">
       <p:transition spd="med" p14:dur="700">
         <p:fade/>
       </p:transition>
     </mc:Choice>
-    <mc:Fallback xmlns="">
+    <mc:Fallback>
       <p:transition spd="med">
         <p:fade/>
       </p:transition>
@@ -23882,7 +23789,7 @@
           <a:blip r:embed="rId3">
             <a:extLst>
               <a:ext uri="{28A0092B-C50C-407E-A947-70E740481C1C}">
-                <a14:useLocalDpi xmlns:a14="http://schemas.microsoft.com/office/drawing/2010/main" val="0"/>
+                <a14:useLocalDpi xmlns:a14="http://schemas.microsoft.com/office/drawing/2010/main" xmlns="" val="0"/>
               </a:ext>
             </a:extLst>
           </a:blip>
@@ -24132,7 +24039,7 @@
           <a:blip r:embed="rId4">
             <a:extLst>
               <a:ext uri="{28A0092B-C50C-407E-A947-70E740481C1C}">
-                <a14:useLocalDpi xmlns:a14="http://schemas.microsoft.com/office/drawing/2010/main" val="0"/>
+                <a14:useLocalDpi xmlns:a14="http://schemas.microsoft.com/office/drawing/2010/main" xmlns="" val="0"/>
               </a:ext>
             </a:extLst>
           </a:blip>
@@ -24655,7 +24562,7 @@
           <a:blip r:embed="rId5">
             <a:extLst>
               <a:ext uri="{28A0092B-C50C-407E-A947-70E740481C1C}">
-                <a14:useLocalDpi xmlns:a14="http://schemas.microsoft.com/office/drawing/2010/main" val="0"/>
+                <a14:useLocalDpi xmlns:a14="http://schemas.microsoft.com/office/drawing/2010/main" xmlns="" val="0"/>
               </a:ext>
             </a:extLst>
           </a:blip>
@@ -24685,7 +24592,7 @@
           <a:blip r:embed="rId6">
             <a:extLst>
               <a:ext uri="{28A0092B-C50C-407E-A947-70E740481C1C}">
-                <a14:useLocalDpi xmlns:a14="http://schemas.microsoft.com/office/drawing/2010/main" val="0"/>
+                <a14:useLocalDpi xmlns:a14="http://schemas.microsoft.com/office/drawing/2010/main" xmlns="" val="0"/>
               </a:ext>
             </a:extLst>
           </a:blip>
@@ -25287,20 +25194,20 @@
     </p:spTree>
     <p:extLst>
       <p:ext uri="{BB962C8B-B14F-4D97-AF65-F5344CB8AC3E}">
-        <p14:creationId xmlns:p14="http://schemas.microsoft.com/office/powerpoint/2010/main" val="2299111397"/>
+        <p14:creationId xmlns:p14="http://schemas.microsoft.com/office/powerpoint/2010/main" xmlns="" val="2299111397"/>
       </p:ext>
     </p:extLst>
   </p:cSld>
   <p:clrMapOvr>
     <a:masterClrMapping/>
   </p:clrMapOvr>
-  <mc:AlternateContent xmlns:mc="http://schemas.openxmlformats.org/markup-compatibility/2006" xmlns:p14="http://schemas.microsoft.com/office/powerpoint/2010/main">
-    <mc:Choice Requires="p14">
+  <mc:AlternateContent xmlns:mc="http://schemas.openxmlformats.org/markup-compatibility/2006">
+    <mc:Choice xmlns:p14="http://schemas.microsoft.com/office/powerpoint/2010/main" xmlns="" Requires="p14">
       <p:transition spd="med" p14:dur="700">
         <p:fade/>
       </p:transition>
     </mc:Choice>
-    <mc:Fallback xmlns="">
+    <mc:Fallback>
       <p:transition spd="med">
         <p:fade/>
       </p:transition>
@@ -26818,7 +26725,7 @@
           <a:blip r:embed="rId2">
             <a:extLst>
               <a:ext uri="{28A0092B-C50C-407E-A947-70E740481C1C}">
-                <a14:useLocalDpi xmlns:a14="http://schemas.microsoft.com/office/drawing/2010/main" val="0"/>
+                <a14:useLocalDpi xmlns:a14="http://schemas.microsoft.com/office/drawing/2010/main" xmlns="" val="0"/>
               </a:ext>
             </a:extLst>
           </a:blip>
@@ -27408,20 +27315,20 @@
     </p:spTree>
     <p:extLst>
       <p:ext uri="{BB962C8B-B14F-4D97-AF65-F5344CB8AC3E}">
-        <p14:creationId xmlns:p14="http://schemas.microsoft.com/office/powerpoint/2010/main" val="575643461"/>
+        <p14:creationId xmlns:p14="http://schemas.microsoft.com/office/powerpoint/2010/main" xmlns="" val="575643461"/>
       </p:ext>
     </p:extLst>
   </p:cSld>
   <p:clrMapOvr>
     <a:masterClrMapping/>
   </p:clrMapOvr>
-  <mc:AlternateContent xmlns:mc="http://schemas.openxmlformats.org/markup-compatibility/2006" xmlns:p14="http://schemas.microsoft.com/office/powerpoint/2010/main">
-    <mc:Choice Requires="p14">
+  <mc:AlternateContent xmlns:mc="http://schemas.openxmlformats.org/markup-compatibility/2006">
+    <mc:Choice xmlns:p14="http://schemas.microsoft.com/office/powerpoint/2010/main" xmlns="" Requires="p14">
       <p:transition spd="med" p14:dur="700">
         <p:fade/>
       </p:transition>
     </mc:Choice>
-    <mc:Fallback xmlns="">
+    <mc:Fallback>
       <p:transition spd="med">
         <p:fade/>
       </p:transition>
@@ -27741,7 +27648,7 @@
           <a:blip r:embed="rId2">
             <a:extLst>
               <a:ext uri="{28A0092B-C50C-407E-A947-70E740481C1C}">
-                <a14:useLocalDpi xmlns:a14="http://schemas.microsoft.com/office/drawing/2010/main" val="0"/>
+                <a14:useLocalDpi xmlns:a14="http://schemas.microsoft.com/office/drawing/2010/main" xmlns="" val="0"/>
               </a:ext>
             </a:extLst>
           </a:blip>
@@ -28160,7 +28067,7 @@
           <a:blip r:embed="rId3">
             <a:extLst>
               <a:ext uri="{28A0092B-C50C-407E-A947-70E740481C1C}">
-                <a14:useLocalDpi xmlns:a14="http://schemas.microsoft.com/office/drawing/2010/main" val="0"/>
+                <a14:useLocalDpi xmlns:a14="http://schemas.microsoft.com/office/drawing/2010/main" xmlns="" val="0"/>
               </a:ext>
             </a:extLst>
           </a:blip>
@@ -28190,7 +28097,7 @@
           <a:blip r:embed="rId4">
             <a:extLst>
               <a:ext uri="{28A0092B-C50C-407E-A947-70E740481C1C}">
-                <a14:useLocalDpi xmlns:a14="http://schemas.microsoft.com/office/drawing/2010/main" val="0"/>
+                <a14:useLocalDpi xmlns:a14="http://schemas.microsoft.com/office/drawing/2010/main" xmlns="" val="0"/>
               </a:ext>
             </a:extLst>
           </a:blip>
@@ -28433,20 +28340,20 @@
     </p:spTree>
     <p:extLst>
       <p:ext uri="{BB962C8B-B14F-4D97-AF65-F5344CB8AC3E}">
-        <p14:creationId xmlns:p14="http://schemas.microsoft.com/office/powerpoint/2010/main" val="3832193556"/>
+        <p14:creationId xmlns:p14="http://schemas.microsoft.com/office/powerpoint/2010/main" xmlns="" val="3832193556"/>
       </p:ext>
     </p:extLst>
   </p:cSld>
   <p:clrMapOvr>
     <a:masterClrMapping/>
   </p:clrMapOvr>
-  <mc:AlternateContent xmlns:mc="http://schemas.openxmlformats.org/markup-compatibility/2006" xmlns:p14="http://schemas.microsoft.com/office/powerpoint/2010/main">
-    <mc:Choice Requires="p14">
+  <mc:AlternateContent xmlns:mc="http://schemas.openxmlformats.org/markup-compatibility/2006">
+    <mc:Choice xmlns:p14="http://schemas.microsoft.com/office/powerpoint/2010/main" xmlns="" Requires="p14">
       <p:transition spd="med" p14:dur="700">
         <p:fade/>
       </p:transition>
     </mc:Choice>
-    <mc:Fallback xmlns="">
+    <mc:Fallback>
       <p:transition spd="med">
         <p:fade/>
       </p:transition>
@@ -29335,7 +29242,7 @@
         <p:spPr>
           <a:xfrm>
             <a:off x="1187624" y="5363924"/>
-            <a:ext cx="7459093" cy="954107"/>
+            <a:ext cx="7561685" cy="954107"/>
           </a:xfrm>
           <a:prstGeom prst="rect">
             <a:avLst/>
@@ -29381,15 +29288,7 @@
             </a:r>
             <a:r>
               <a:rPr lang="ko-KR" altLang="en-US" sz="1400" b="1" dirty="0" smtClean="0"/>
-              <a:t>으로 로그인해서 </a:t>
-            </a:r>
-            <a:r>
-              <a:rPr lang="ko-KR" altLang="en-US" sz="1400" b="1" dirty="0" err="1" smtClean="0"/>
-              <a:t>제품선택</a:t>
-            </a:r>
-            <a:r>
-              <a:rPr lang="ko-KR" altLang="en-US" sz="1400" b="1" dirty="0" smtClean="0"/>
-              <a:t> 창으로 주문을 돕고</a:t>
+              <a:t>으로 로그인해서 제품 선택 창으로 주문을 돕고</a:t>
             </a:r>
             <a:r>
               <a:rPr lang="en-US" altLang="ko-KR" sz="1400" b="1" dirty="0" smtClean="0"/>
@@ -29399,15 +29298,7 @@
           <a:p>
             <a:r>
               <a:rPr lang="ko-KR" altLang="en-US" sz="1400" b="1" dirty="0" smtClean="0"/>
-              <a:t>고객의 아이디로 정보를 조회해서 </a:t>
-            </a:r>
-            <a:r>
-              <a:rPr lang="ko-KR" altLang="en-US" sz="1400" b="1" dirty="0" err="1" smtClean="0"/>
-              <a:t>주문신청을</a:t>
-            </a:r>
-            <a:r>
-              <a:rPr lang="ko-KR" altLang="en-US" sz="1400" b="1" dirty="0" smtClean="0"/>
-              <a:t> 돕는다</a:t>
+              <a:t>고객의 아이디로 정보를 조회해서 주문 신청을 돕는다</a:t>
             </a:r>
             <a:r>
               <a:rPr lang="en-US" altLang="ko-KR" sz="1400" b="1" dirty="0" smtClean="0"/>
@@ -29456,20 +29347,20 @@
     </p:spTree>
     <p:extLst>
       <p:ext uri="{BB962C8B-B14F-4D97-AF65-F5344CB8AC3E}">
-        <p14:creationId xmlns:p14="http://schemas.microsoft.com/office/powerpoint/2010/main" val="852585107"/>
+        <p14:creationId xmlns:p14="http://schemas.microsoft.com/office/powerpoint/2010/main" xmlns="" val="852585107"/>
       </p:ext>
     </p:extLst>
   </p:cSld>
   <p:clrMapOvr>
     <a:masterClrMapping/>
   </p:clrMapOvr>
-  <mc:AlternateContent xmlns:mc="http://schemas.openxmlformats.org/markup-compatibility/2006" xmlns:p14="http://schemas.microsoft.com/office/powerpoint/2010/main">
-    <mc:Choice Requires="p14">
+  <mc:AlternateContent xmlns:mc="http://schemas.openxmlformats.org/markup-compatibility/2006">
+    <mc:Choice xmlns:p14="http://schemas.microsoft.com/office/powerpoint/2010/main" xmlns="" Requires="p14">
       <p:transition spd="med" p14:dur="700">
         <p:fade/>
       </p:transition>
     </mc:Choice>
-    <mc:Fallback xmlns="">
+    <mc:Fallback>
       <p:transition spd="med">
         <p:fade/>
       </p:transition>
@@ -29812,7 +29703,7 @@
           <a:blip r:embed="rId2">
             <a:extLst>
               <a:ext uri="{28A0092B-C50C-407E-A947-70E740481C1C}">
-                <a14:useLocalDpi xmlns:a14="http://schemas.microsoft.com/office/drawing/2010/main" val="0"/>
+                <a14:useLocalDpi xmlns:a14="http://schemas.microsoft.com/office/drawing/2010/main" xmlns="" val="0"/>
               </a:ext>
             </a:extLst>
           </a:blip>
@@ -30428,7 +30319,7 @@
           <a:blip r:embed="rId3">
             <a:extLst>
               <a:ext uri="{28A0092B-C50C-407E-A947-70E740481C1C}">
-                <a14:useLocalDpi xmlns:a14="http://schemas.microsoft.com/office/drawing/2010/main" val="0"/>
+                <a14:useLocalDpi xmlns:a14="http://schemas.microsoft.com/office/drawing/2010/main" xmlns="" val="0"/>
               </a:ext>
             </a:extLst>
           </a:blip>
@@ -30764,20 +30655,20 @@
     </p:spTree>
     <p:extLst>
       <p:ext uri="{BB962C8B-B14F-4D97-AF65-F5344CB8AC3E}">
-        <p14:creationId xmlns:p14="http://schemas.microsoft.com/office/powerpoint/2010/main" val="3911801989"/>
+        <p14:creationId xmlns:p14="http://schemas.microsoft.com/office/powerpoint/2010/main" xmlns="" val="3911801989"/>
       </p:ext>
     </p:extLst>
   </p:cSld>
   <p:clrMapOvr>
     <a:masterClrMapping/>
   </p:clrMapOvr>
-  <mc:AlternateContent xmlns:mc="http://schemas.openxmlformats.org/markup-compatibility/2006" xmlns:p14="http://schemas.microsoft.com/office/powerpoint/2010/main">
-    <mc:Choice Requires="p14">
+  <mc:AlternateContent xmlns:mc="http://schemas.openxmlformats.org/markup-compatibility/2006">
+    <mc:Choice xmlns:p14="http://schemas.microsoft.com/office/powerpoint/2010/main" xmlns="" Requires="p14">
       <p:transition spd="med" p14:dur="700">
         <p:fade/>
       </p:transition>
     </mc:Choice>
-    <mc:Fallback xmlns="">
+    <mc:Fallback>
       <p:transition spd="med">
         <p:fade/>
       </p:transition>
@@ -31592,7 +31483,7 @@
           <a:blip r:embed="rId3">
             <a:extLst>
               <a:ext uri="{28A0092B-C50C-407E-A947-70E740481C1C}">
-                <a14:useLocalDpi xmlns:a14="http://schemas.microsoft.com/office/drawing/2010/main" val="0"/>
+                <a14:useLocalDpi xmlns:a14="http://schemas.microsoft.com/office/drawing/2010/main" xmlns="" val="0"/>
               </a:ext>
             </a:extLst>
           </a:blip>
@@ -32717,20 +32608,20 @@
     </p:spTree>
     <p:extLst>
       <p:ext uri="{BB962C8B-B14F-4D97-AF65-F5344CB8AC3E}">
-        <p14:creationId xmlns:p14="http://schemas.microsoft.com/office/powerpoint/2010/main" val="3780635622"/>
+        <p14:creationId xmlns:p14="http://schemas.microsoft.com/office/powerpoint/2010/main" xmlns="" val="3780635622"/>
       </p:ext>
     </p:extLst>
   </p:cSld>
   <p:clrMapOvr>
     <a:masterClrMapping/>
   </p:clrMapOvr>
-  <mc:AlternateContent xmlns:mc="http://schemas.openxmlformats.org/markup-compatibility/2006" xmlns:p14="http://schemas.microsoft.com/office/powerpoint/2010/main">
-    <mc:Choice Requires="p14">
+  <mc:AlternateContent xmlns:mc="http://schemas.openxmlformats.org/markup-compatibility/2006">
+    <mc:Choice xmlns:p14="http://schemas.microsoft.com/office/powerpoint/2010/main" xmlns="" Requires="p14">
       <p:transition spd="med" p14:dur="700">
         <p:fade/>
       </p:transition>
     </mc:Choice>
-    <mc:Fallback xmlns="">
+    <mc:Fallback>
       <p:transition spd="med">
         <p:fade/>
       </p:transition>
@@ -33869,7 +33760,7 @@
           <a:blip r:embed="rId2">
             <a:extLst>
               <a:ext uri="{28A0092B-C50C-407E-A947-70E740481C1C}">
-                <a14:useLocalDpi xmlns:a14="http://schemas.microsoft.com/office/drawing/2010/main" val="0"/>
+                <a14:useLocalDpi xmlns:a14="http://schemas.microsoft.com/office/drawing/2010/main" xmlns="" val="0"/>
               </a:ext>
             </a:extLst>
           </a:blip>
@@ -34862,20 +34753,20 @@
     </p:spTree>
     <p:extLst>
       <p:ext uri="{BB962C8B-B14F-4D97-AF65-F5344CB8AC3E}">
-        <p14:creationId xmlns:p14="http://schemas.microsoft.com/office/powerpoint/2010/main" val="4172308727"/>
+        <p14:creationId xmlns:p14="http://schemas.microsoft.com/office/powerpoint/2010/main" xmlns="" val="4172308727"/>
       </p:ext>
     </p:extLst>
   </p:cSld>
   <p:clrMapOvr>
     <a:masterClrMapping/>
   </p:clrMapOvr>
-  <mc:AlternateContent xmlns:mc="http://schemas.openxmlformats.org/markup-compatibility/2006" xmlns:p14="http://schemas.microsoft.com/office/powerpoint/2010/main">
-    <mc:Choice Requires="p14">
+  <mc:AlternateContent xmlns:mc="http://schemas.openxmlformats.org/markup-compatibility/2006">
+    <mc:Choice xmlns:p14="http://schemas.microsoft.com/office/powerpoint/2010/main" xmlns="" Requires="p14">
       <p:transition spd="med" p14:dur="700">
         <p:fade/>
       </p:transition>
     </mc:Choice>
-    <mc:Fallback xmlns="">
+    <mc:Fallback>
       <p:transition spd="med">
         <p:fade/>
       </p:transition>
@@ -35992,7 +35883,7 @@
             <a:blip r:embed="rId2">
               <a:extLst>
                 <a:ext uri="{28A0092B-C50C-407E-A947-70E740481C1C}">
-                  <a14:useLocalDpi xmlns:a14="http://schemas.microsoft.com/office/drawing/2010/main" val="0"/>
+                  <a14:useLocalDpi xmlns:a14="http://schemas.microsoft.com/office/drawing/2010/main" xmlns="" val="0"/>
                 </a:ext>
               </a:extLst>
             </a:blip>
@@ -36022,7 +35913,7 @@
             <a:blip r:embed="rId3">
               <a:extLst>
                 <a:ext uri="{28A0092B-C50C-407E-A947-70E740481C1C}">
-                  <a14:useLocalDpi xmlns:a14="http://schemas.microsoft.com/office/drawing/2010/main" val="0"/>
+                  <a14:useLocalDpi xmlns:a14="http://schemas.microsoft.com/office/drawing/2010/main" xmlns="" val="0"/>
                 </a:ext>
               </a:extLst>
             </a:blip>
@@ -36830,20 +36721,20 @@
     </p:spTree>
     <p:extLst>
       <p:ext uri="{BB962C8B-B14F-4D97-AF65-F5344CB8AC3E}">
-        <p14:creationId xmlns:p14="http://schemas.microsoft.com/office/powerpoint/2010/main" val="1618007881"/>
+        <p14:creationId xmlns:p14="http://schemas.microsoft.com/office/powerpoint/2010/main" xmlns="" val="1618007881"/>
       </p:ext>
     </p:extLst>
   </p:cSld>
   <p:clrMapOvr>
     <a:masterClrMapping/>
   </p:clrMapOvr>
-  <mc:AlternateContent xmlns:mc="http://schemas.openxmlformats.org/markup-compatibility/2006" xmlns:p14="http://schemas.microsoft.com/office/powerpoint/2010/main">
-    <mc:Choice Requires="p14">
+  <mc:AlternateContent xmlns:mc="http://schemas.openxmlformats.org/markup-compatibility/2006">
+    <mc:Choice xmlns:p14="http://schemas.microsoft.com/office/powerpoint/2010/main" xmlns="" Requires="p14">
       <p:transition spd="med" p14:dur="700">
         <p:fade/>
       </p:transition>
     </mc:Choice>
-    <mc:Fallback xmlns="">
+    <mc:Fallback>
       <p:transition spd="med">
         <p:fade/>
       </p:transition>
@@ -37848,7 +37739,7 @@
           <a:blip r:embed="rId2">
             <a:extLst>
               <a:ext uri="{28A0092B-C50C-407E-A947-70E740481C1C}">
-                <a14:useLocalDpi xmlns:a14="http://schemas.microsoft.com/office/drawing/2010/main" val="0"/>
+                <a14:useLocalDpi xmlns:a14="http://schemas.microsoft.com/office/drawing/2010/main" xmlns="" val="0"/>
               </a:ext>
             </a:extLst>
           </a:blip>
@@ -38502,20 +38393,20 @@
     </p:spTree>
     <p:extLst>
       <p:ext uri="{BB962C8B-B14F-4D97-AF65-F5344CB8AC3E}">
-        <p14:creationId xmlns:p14="http://schemas.microsoft.com/office/powerpoint/2010/main" val="551685070"/>
+        <p14:creationId xmlns:p14="http://schemas.microsoft.com/office/powerpoint/2010/main" xmlns="" val="551685070"/>
       </p:ext>
     </p:extLst>
   </p:cSld>
   <p:clrMapOvr>
     <a:masterClrMapping/>
   </p:clrMapOvr>
-  <mc:AlternateContent xmlns:mc="http://schemas.openxmlformats.org/markup-compatibility/2006" xmlns:p14="http://schemas.microsoft.com/office/powerpoint/2010/main">
-    <mc:Choice Requires="p14">
+  <mc:AlternateContent xmlns:mc="http://schemas.openxmlformats.org/markup-compatibility/2006">
+    <mc:Choice xmlns:p14="http://schemas.microsoft.com/office/powerpoint/2010/main" xmlns="" Requires="p14">
       <p:transition spd="med" p14:dur="700">
         <p:fade/>
       </p:transition>
     </mc:Choice>
-    <mc:Fallback xmlns="">
+    <mc:Fallback>
       <p:transition spd="med">
         <p:fade/>
       </p:transition>
@@ -39462,7 +39353,7 @@
           <a:blip r:embed="rId3">
             <a:extLst>
               <a:ext uri="{28A0092B-C50C-407E-A947-70E740481C1C}">
-                <a14:useLocalDpi xmlns:a14="http://schemas.microsoft.com/office/drawing/2010/main" val="0"/>
+                <a14:useLocalDpi xmlns:a14="http://schemas.microsoft.com/office/drawing/2010/main" xmlns="" val="0"/>
               </a:ext>
             </a:extLst>
           </a:blip>
@@ -40227,20 +40118,20 @@
     </p:spTree>
     <p:extLst>
       <p:ext uri="{BB962C8B-B14F-4D97-AF65-F5344CB8AC3E}">
-        <p14:creationId xmlns:p14="http://schemas.microsoft.com/office/powerpoint/2010/main" val="2174133053"/>
+        <p14:creationId xmlns:p14="http://schemas.microsoft.com/office/powerpoint/2010/main" xmlns="" val="2174133053"/>
       </p:ext>
     </p:extLst>
   </p:cSld>
   <p:clrMapOvr>
     <a:masterClrMapping/>
   </p:clrMapOvr>
-  <mc:AlternateContent xmlns:mc="http://schemas.openxmlformats.org/markup-compatibility/2006" xmlns:p14="http://schemas.microsoft.com/office/powerpoint/2010/main">
-    <mc:Choice Requires="p14">
+  <mc:AlternateContent xmlns:mc="http://schemas.openxmlformats.org/markup-compatibility/2006">
+    <mc:Choice xmlns:p14="http://schemas.microsoft.com/office/powerpoint/2010/main" xmlns="" Requires="p14">
       <p:transition spd="med" p14:dur="700">
         <p:fade/>
       </p:transition>
     </mc:Choice>
-    <mc:Fallback xmlns="">
+    <mc:Fallback>
       <p:transition spd="med">
         <p:fade/>
       </p:transition>
@@ -41165,7 +41056,7 @@
           <a:blip r:embed="rId2">
             <a:extLst>
               <a:ext uri="{28A0092B-C50C-407E-A947-70E740481C1C}">
-                <a14:useLocalDpi xmlns:a14="http://schemas.microsoft.com/office/drawing/2010/main" val="0"/>
+                <a14:useLocalDpi xmlns:a14="http://schemas.microsoft.com/office/drawing/2010/main" xmlns="" val="0"/>
               </a:ext>
             </a:extLst>
           </a:blip>
@@ -41787,20 +41678,20 @@
     </p:spTree>
     <p:extLst>
       <p:ext uri="{BB962C8B-B14F-4D97-AF65-F5344CB8AC3E}">
-        <p14:creationId xmlns:p14="http://schemas.microsoft.com/office/powerpoint/2010/main" val="592004450"/>
+        <p14:creationId xmlns:p14="http://schemas.microsoft.com/office/powerpoint/2010/main" xmlns="" val="592004450"/>
       </p:ext>
     </p:extLst>
   </p:cSld>
   <p:clrMapOvr>
     <a:masterClrMapping/>
   </p:clrMapOvr>
-  <mc:AlternateContent xmlns:mc="http://schemas.openxmlformats.org/markup-compatibility/2006" xmlns:p14="http://schemas.microsoft.com/office/powerpoint/2010/main">
-    <mc:Choice Requires="p14">
+  <mc:AlternateContent xmlns:mc="http://schemas.openxmlformats.org/markup-compatibility/2006">
+    <mc:Choice xmlns:p14="http://schemas.microsoft.com/office/powerpoint/2010/main" xmlns="" Requires="p14">
       <p:transition spd="med" p14:dur="700">
         <p:fade/>
       </p:transition>
     </mc:Choice>
-    <mc:Fallback xmlns="">
+    <mc:Fallback>
       <p:transition spd="med">
         <p:fade/>
       </p:transition>
@@ -42936,20 +42827,20 @@
     </p:spTree>
     <p:extLst>
       <p:ext uri="{BB962C8B-B14F-4D97-AF65-F5344CB8AC3E}">
-        <p14:creationId xmlns:p14="http://schemas.microsoft.com/office/powerpoint/2010/main" val="2446417367"/>
+        <p14:creationId xmlns:p14="http://schemas.microsoft.com/office/powerpoint/2010/main" xmlns="" val="2446417367"/>
       </p:ext>
     </p:extLst>
   </p:cSld>
   <p:clrMapOvr>
     <a:masterClrMapping/>
   </p:clrMapOvr>
-  <mc:AlternateContent xmlns:mc="http://schemas.openxmlformats.org/markup-compatibility/2006" xmlns:p14="http://schemas.microsoft.com/office/powerpoint/2010/main">
-    <mc:Choice Requires="p14">
+  <mc:AlternateContent xmlns:mc="http://schemas.openxmlformats.org/markup-compatibility/2006">
+    <mc:Choice xmlns:p14="http://schemas.microsoft.com/office/powerpoint/2010/main" xmlns="" Requires="p14">
       <p:transition spd="med" p14:dur="700">
         <p:fade/>
       </p:transition>
     </mc:Choice>
-    <mc:Fallback xmlns="">
+    <mc:Fallback>
       <p:transition spd="med">
         <p:fade/>
       </p:transition>
@@ -43626,7 +43517,7 @@
           <a:blip r:embed="rId3">
             <a:extLst>
               <a:ext uri="{28A0092B-C50C-407E-A947-70E740481C1C}">
-                <a14:useLocalDpi xmlns:a14="http://schemas.microsoft.com/office/drawing/2010/main" val="0"/>
+                <a14:useLocalDpi xmlns:a14="http://schemas.microsoft.com/office/drawing/2010/main" xmlns="" val="0"/>
               </a:ext>
             </a:extLst>
           </a:blip>
@@ -44001,20 +43892,20 @@
     </p:spTree>
     <p:extLst>
       <p:ext uri="{BB962C8B-B14F-4D97-AF65-F5344CB8AC3E}">
-        <p14:creationId xmlns:p14="http://schemas.microsoft.com/office/powerpoint/2010/main" val="401807034"/>
+        <p14:creationId xmlns:p14="http://schemas.microsoft.com/office/powerpoint/2010/main" xmlns="" val="401807034"/>
       </p:ext>
     </p:extLst>
   </p:cSld>
   <p:clrMapOvr>
     <a:masterClrMapping/>
   </p:clrMapOvr>
-  <mc:AlternateContent xmlns:mc="http://schemas.openxmlformats.org/markup-compatibility/2006" xmlns:p14="http://schemas.microsoft.com/office/powerpoint/2010/main">
-    <mc:Choice Requires="p14">
+  <mc:AlternateContent xmlns:mc="http://schemas.openxmlformats.org/markup-compatibility/2006">
+    <mc:Choice xmlns:p14="http://schemas.microsoft.com/office/powerpoint/2010/main" xmlns="" Requires="p14">
       <p:transition spd="med" p14:dur="700">
         <p:fade/>
       </p:transition>
     </mc:Choice>
-    <mc:Fallback xmlns="">
+    <mc:Fallback>
       <p:transition spd="med">
         <p:fade/>
       </p:transition>
@@ -44761,7 +44652,7 @@
           <a:blip r:embed="rId3">
             <a:extLst>
               <a:ext uri="{28A0092B-C50C-407E-A947-70E740481C1C}">
-                <a14:useLocalDpi xmlns:a14="http://schemas.microsoft.com/office/drawing/2010/main" val="0"/>
+                <a14:useLocalDpi xmlns:a14="http://schemas.microsoft.com/office/drawing/2010/main" xmlns="" val="0"/>
               </a:ext>
             </a:extLst>
           </a:blip>
@@ -45558,20 +45449,20 @@
     </p:spTree>
     <p:extLst>
       <p:ext uri="{BB962C8B-B14F-4D97-AF65-F5344CB8AC3E}">
-        <p14:creationId xmlns:p14="http://schemas.microsoft.com/office/powerpoint/2010/main" val="814468158"/>
+        <p14:creationId xmlns:p14="http://schemas.microsoft.com/office/powerpoint/2010/main" xmlns="" val="814468158"/>
       </p:ext>
     </p:extLst>
   </p:cSld>
   <p:clrMapOvr>
     <a:masterClrMapping/>
   </p:clrMapOvr>
-  <mc:AlternateContent xmlns:mc="http://schemas.openxmlformats.org/markup-compatibility/2006" xmlns:p14="http://schemas.microsoft.com/office/powerpoint/2010/main">
-    <mc:Choice Requires="p14">
+  <mc:AlternateContent xmlns:mc="http://schemas.openxmlformats.org/markup-compatibility/2006">
+    <mc:Choice xmlns:p14="http://schemas.microsoft.com/office/powerpoint/2010/main" xmlns="" Requires="p14">
       <p:transition spd="med" p14:dur="700">
         <p:fade/>
       </p:transition>
     </mc:Choice>
-    <mc:Fallback xmlns="">
+    <mc:Fallback>
       <p:transition spd="med">
         <p:fade/>
       </p:transition>
@@ -47367,20 +47258,20 @@
     </p:spTree>
     <p:extLst>
       <p:ext uri="{BB962C8B-B14F-4D97-AF65-F5344CB8AC3E}">
-        <p14:creationId xmlns:p14="http://schemas.microsoft.com/office/powerpoint/2010/main" val="2845001630"/>
+        <p14:creationId xmlns:p14="http://schemas.microsoft.com/office/powerpoint/2010/main" xmlns="" val="2845001630"/>
       </p:ext>
     </p:extLst>
   </p:cSld>
   <p:clrMapOvr>
     <a:masterClrMapping/>
   </p:clrMapOvr>
-  <mc:AlternateContent xmlns:mc="http://schemas.openxmlformats.org/markup-compatibility/2006" xmlns:p14="http://schemas.microsoft.com/office/powerpoint/2010/main">
-    <mc:Choice Requires="p14">
+  <mc:AlternateContent xmlns:mc="http://schemas.openxmlformats.org/markup-compatibility/2006">
+    <mc:Choice xmlns:p14="http://schemas.microsoft.com/office/powerpoint/2010/main" xmlns="" Requires="p14">
       <p:transition spd="med" p14:dur="700">
         <p:fade/>
       </p:transition>
     </mc:Choice>
-    <mc:Fallback xmlns="">
+    <mc:Fallback>
       <p:transition spd="med">
         <p:fade/>
       </p:transition>
@@ -48128,7 +48019,7 @@
     </p:spTree>
     <p:extLst>
       <p:ext uri="{BB962C8B-B14F-4D97-AF65-F5344CB8AC3E}">
-        <p14:creationId xmlns:p14="http://schemas.microsoft.com/office/powerpoint/2010/main" val="2021494756"/>
+        <p14:creationId xmlns:p14="http://schemas.microsoft.com/office/powerpoint/2010/main" xmlns="" val="2021494756"/>
       </p:ext>
     </p:extLst>
   </p:cSld>
@@ -48351,20 +48242,20 @@
     </p:spTree>
     <p:extLst>
       <p:ext uri="{BB962C8B-B14F-4D97-AF65-F5344CB8AC3E}">
-        <p14:creationId xmlns:p14="http://schemas.microsoft.com/office/powerpoint/2010/main" val="1097363580"/>
+        <p14:creationId xmlns:p14="http://schemas.microsoft.com/office/powerpoint/2010/main" xmlns="" val="1097363580"/>
       </p:ext>
     </p:extLst>
   </p:cSld>
   <p:clrMapOvr>
     <a:masterClrMapping/>
   </p:clrMapOvr>
-  <mc:AlternateContent xmlns:mc="http://schemas.openxmlformats.org/markup-compatibility/2006" xmlns:p14="http://schemas.microsoft.com/office/powerpoint/2010/main">
-    <mc:Choice Requires="p14">
+  <mc:AlternateContent xmlns:mc="http://schemas.openxmlformats.org/markup-compatibility/2006">
+    <mc:Choice xmlns:p14="http://schemas.microsoft.com/office/powerpoint/2010/main" xmlns="" Requires="p14">
       <p:transition spd="med" p14:dur="700">
         <p:fade/>
       </p:transition>
     </mc:Choice>
-    <mc:Fallback xmlns="">
+    <mc:Fallback>
       <p:transition spd="med">
         <p:fade/>
       </p:transition>
@@ -48594,20 +48485,20 @@
     </p:spTree>
     <p:extLst>
       <p:ext uri="{BB962C8B-B14F-4D97-AF65-F5344CB8AC3E}">
-        <p14:creationId xmlns:p14="http://schemas.microsoft.com/office/powerpoint/2010/main" val="863398130"/>
+        <p14:creationId xmlns:p14="http://schemas.microsoft.com/office/powerpoint/2010/main" xmlns="" val="863398130"/>
       </p:ext>
     </p:extLst>
   </p:cSld>
   <p:clrMapOvr>
     <a:masterClrMapping/>
   </p:clrMapOvr>
-  <mc:AlternateContent xmlns:mc="http://schemas.openxmlformats.org/markup-compatibility/2006" xmlns:p14="http://schemas.microsoft.com/office/powerpoint/2010/main">
-    <mc:Choice Requires="p14">
+  <mc:AlternateContent xmlns:mc="http://schemas.openxmlformats.org/markup-compatibility/2006">
+    <mc:Choice xmlns:p14="http://schemas.microsoft.com/office/powerpoint/2010/main" xmlns="" Requires="p14">
       <p:transition spd="med" p14:dur="700">
         <p:fade/>
       </p:transition>
     </mc:Choice>
-    <mc:Fallback xmlns="">
+    <mc:Fallback>
       <p:transition spd="med">
         <p:fade/>
       </p:transition>
@@ -49208,7 +49099,7 @@
           <a:blip r:embed="rId3" cstate="print">
             <a:extLst>
               <a:ext uri="{28A0092B-C50C-407E-A947-70E740481C1C}">
-                <a14:useLocalDpi xmlns:a14="http://schemas.microsoft.com/office/drawing/2010/main" val="0"/>
+                <a14:useLocalDpi xmlns:a14="http://schemas.microsoft.com/office/drawing/2010/main" xmlns="" val="0"/>
               </a:ext>
             </a:extLst>
           </a:blip>
@@ -49299,7 +49190,7 @@
           <a:blip r:embed="rId3" cstate="print">
             <a:extLst>
               <a:ext uri="{28A0092B-C50C-407E-A947-70E740481C1C}">
-                <a14:useLocalDpi xmlns:a14="http://schemas.microsoft.com/office/drawing/2010/main" val="0"/>
+                <a14:useLocalDpi xmlns:a14="http://schemas.microsoft.com/office/drawing/2010/main" xmlns="" val="0"/>
               </a:ext>
             </a:extLst>
           </a:blip>
@@ -49406,7 +49297,7 @@
           <a:blip r:embed="rId4" cstate="print">
             <a:extLst>
               <a:ext uri="{28A0092B-C50C-407E-A947-70E740481C1C}">
-                <a14:useLocalDpi xmlns:a14="http://schemas.microsoft.com/office/drawing/2010/main" val="0"/>
+                <a14:useLocalDpi xmlns:a14="http://schemas.microsoft.com/office/drawing/2010/main" xmlns="" val="0"/>
               </a:ext>
             </a:extLst>
           </a:blip>
@@ -49436,7 +49327,7 @@
           <a:blip r:embed="rId5" cstate="print">
             <a:extLst>
               <a:ext uri="{28A0092B-C50C-407E-A947-70E740481C1C}">
-                <a14:useLocalDpi xmlns:a14="http://schemas.microsoft.com/office/drawing/2010/main" val="0"/>
+                <a14:useLocalDpi xmlns:a14="http://schemas.microsoft.com/office/drawing/2010/main" xmlns="" val="0"/>
               </a:ext>
             </a:extLst>
           </a:blip>
@@ -49466,7 +49357,7 @@
           <a:blip r:embed="rId6" cstate="print">
             <a:extLst>
               <a:ext uri="{28A0092B-C50C-407E-A947-70E740481C1C}">
-                <a14:useLocalDpi xmlns:a14="http://schemas.microsoft.com/office/drawing/2010/main" val="0"/>
+                <a14:useLocalDpi xmlns:a14="http://schemas.microsoft.com/office/drawing/2010/main" xmlns="" val="0"/>
               </a:ext>
             </a:extLst>
           </a:blip>
@@ -49622,20 +49513,20 @@
     </p:spTree>
     <p:extLst>
       <p:ext uri="{BB962C8B-B14F-4D97-AF65-F5344CB8AC3E}">
-        <p14:creationId xmlns:p14="http://schemas.microsoft.com/office/powerpoint/2010/main" val="2254164443"/>
+        <p14:creationId xmlns:p14="http://schemas.microsoft.com/office/powerpoint/2010/main" xmlns="" val="2254164443"/>
       </p:ext>
     </p:extLst>
   </p:cSld>
   <p:clrMapOvr>
     <a:masterClrMapping/>
   </p:clrMapOvr>
-  <mc:AlternateContent xmlns:mc="http://schemas.openxmlformats.org/markup-compatibility/2006" xmlns:p14="http://schemas.microsoft.com/office/powerpoint/2010/main">
-    <mc:Choice Requires="p14">
+  <mc:AlternateContent xmlns:mc="http://schemas.openxmlformats.org/markup-compatibility/2006">
+    <mc:Choice xmlns:p14="http://schemas.microsoft.com/office/powerpoint/2010/main" xmlns="" Requires="p14">
       <p:transition spd="med" p14:dur="700">
         <p:fade/>
       </p:transition>
     </mc:Choice>
-    <mc:Fallback xmlns="">
+    <mc:Fallback>
       <p:transition spd="med">
         <p:fade/>
       </p:transition>
@@ -50246,20 +50137,20 @@
     </p:spTree>
     <p:extLst>
       <p:ext uri="{BB962C8B-B14F-4D97-AF65-F5344CB8AC3E}">
-        <p14:creationId xmlns:p14="http://schemas.microsoft.com/office/powerpoint/2010/main" val="158653988"/>
+        <p14:creationId xmlns:p14="http://schemas.microsoft.com/office/powerpoint/2010/main" xmlns="" val="158653988"/>
       </p:ext>
     </p:extLst>
   </p:cSld>
   <p:clrMapOvr>
     <a:masterClrMapping/>
   </p:clrMapOvr>
-  <mc:AlternateContent xmlns:mc="http://schemas.openxmlformats.org/markup-compatibility/2006" xmlns:p14="http://schemas.microsoft.com/office/powerpoint/2010/main">
-    <mc:Choice Requires="p14">
+  <mc:AlternateContent xmlns:mc="http://schemas.openxmlformats.org/markup-compatibility/2006">
+    <mc:Choice xmlns:p14="http://schemas.microsoft.com/office/powerpoint/2010/main" xmlns="" Requires="p14">
       <p:transition spd="med" p14:dur="700">
         <p:fade/>
       </p:transition>
     </mc:Choice>
-    <mc:Fallback xmlns="">
+    <mc:Fallback>
       <p:transition spd="med">
         <p:fade/>
       </p:transition>
@@ -51270,20 +51161,20 @@
     </p:spTree>
     <p:extLst>
       <p:ext uri="{BB962C8B-B14F-4D97-AF65-F5344CB8AC3E}">
-        <p14:creationId xmlns:p14="http://schemas.microsoft.com/office/powerpoint/2010/main" val="1405681256"/>
+        <p14:creationId xmlns:p14="http://schemas.microsoft.com/office/powerpoint/2010/main" xmlns="" val="1405681256"/>
       </p:ext>
     </p:extLst>
   </p:cSld>
   <p:clrMapOvr>
     <a:masterClrMapping/>
   </p:clrMapOvr>
-  <mc:AlternateContent xmlns:mc="http://schemas.openxmlformats.org/markup-compatibility/2006" xmlns:p14="http://schemas.microsoft.com/office/powerpoint/2010/main">
-    <mc:Choice Requires="p14">
+  <mc:AlternateContent xmlns:mc="http://schemas.openxmlformats.org/markup-compatibility/2006">
+    <mc:Choice xmlns:p14="http://schemas.microsoft.com/office/powerpoint/2010/main" xmlns="" Requires="p14">
       <p:transition spd="med" p14:dur="700">
         <p:fade/>
       </p:transition>
     </mc:Choice>
-    <mc:Fallback xmlns="">
+    <mc:Fallback>
       <p:transition spd="med">
         <p:fade/>
       </p:transition>
@@ -52836,20 +52727,20 @@
     </p:spTree>
     <p:extLst>
       <p:ext uri="{BB962C8B-B14F-4D97-AF65-F5344CB8AC3E}">
-        <p14:creationId xmlns:p14="http://schemas.microsoft.com/office/powerpoint/2010/main" val="3493880985"/>
+        <p14:creationId xmlns:p14="http://schemas.microsoft.com/office/powerpoint/2010/main" xmlns="" val="3493880985"/>
       </p:ext>
     </p:extLst>
   </p:cSld>
   <p:clrMapOvr>
     <a:masterClrMapping/>
   </p:clrMapOvr>
-  <mc:AlternateContent xmlns:mc="http://schemas.openxmlformats.org/markup-compatibility/2006" xmlns:p14="http://schemas.microsoft.com/office/powerpoint/2010/main">
-    <mc:Choice Requires="p14">
+  <mc:AlternateContent xmlns:mc="http://schemas.openxmlformats.org/markup-compatibility/2006">
+    <mc:Choice xmlns:p14="http://schemas.microsoft.com/office/powerpoint/2010/main" xmlns="" Requires="p14">
       <p:transition spd="med" p14:dur="700">
         <p:fade/>
       </p:transition>
     </mc:Choice>
-    <mc:Fallback xmlns="">
+    <mc:Fallback>
       <p:transition spd="med">
         <p:fade/>
       </p:transition>
@@ -53838,20 +53729,20 @@
     </p:spTree>
     <p:extLst>
       <p:ext uri="{BB962C8B-B14F-4D97-AF65-F5344CB8AC3E}">
-        <p14:creationId xmlns:p14="http://schemas.microsoft.com/office/powerpoint/2010/main" val="1866215808"/>
+        <p14:creationId xmlns:p14="http://schemas.microsoft.com/office/powerpoint/2010/main" xmlns="" val="1866215808"/>
       </p:ext>
     </p:extLst>
   </p:cSld>
   <p:clrMapOvr>
     <a:masterClrMapping/>
   </p:clrMapOvr>
-  <mc:AlternateContent xmlns:mc="http://schemas.openxmlformats.org/markup-compatibility/2006" xmlns:p14="http://schemas.microsoft.com/office/powerpoint/2010/main">
-    <mc:Choice Requires="p14">
+  <mc:AlternateContent xmlns:mc="http://schemas.openxmlformats.org/markup-compatibility/2006">
+    <mc:Choice xmlns:p14="http://schemas.microsoft.com/office/powerpoint/2010/main" xmlns="" Requires="p14">
       <p:transition spd="med" p14:dur="700">
         <p:fade/>
       </p:transition>
     </mc:Choice>
-    <mc:Fallback xmlns="">
+    <mc:Fallback>
       <p:transition spd="med">
         <p:fade/>
       </p:transition>
@@ -54195,7 +54086,7 @@
     </a:clrScheme>
     <a:fontScheme name="Office">
       <a:majorFont>
-        <a:latin typeface="맑은 고딕" panose="020F0302020204030204"/>
+        <a:latin typeface="맑은 고딕"/>
         <a:ea typeface=""/>
         <a:cs typeface=""/>
         <a:font script="Jpan" typeface="游ゴシック Light"/>
@@ -54230,7 +54121,7 @@
         <a:font script="Geor" typeface="Sylfaen"/>
       </a:majorFont>
       <a:minorFont>
-        <a:latin typeface="맑은 고딕" panose="020F0502020204030204"/>
+        <a:latin typeface="맑은 고딕"/>
         <a:ea typeface=""/>
         <a:cs typeface=""/>
         <a:font script="Jpan" typeface="游ゴシック"/>
@@ -54407,7 +54298,7 @@
   <a:extraClrSchemeLst/>
   <a:extLst>
     <a:ext uri="{05A4C25C-085E-4340-85A3-A5531E510DB2}">
-      <thm15:themeFamily xmlns:thm15="http://schemas.microsoft.com/office/thememl/2012/main" name="Office Theme" id="{62F939B6-93AF-4DB8-9C6B-D6C7DFDC589F}" vid="{4A3C46E8-61CC-4603-A589-7422A47A8E4A}"/>
+      <thm15:themeFamily xmlns:thm15="http://schemas.microsoft.com/office/thememl/2012/main" xmlns="" name="Office Theme" id="{62F939B6-93AF-4DB8-9C6B-D6C7DFDC589F}" vid="{4A3C46E8-61CC-4603-A589-7422A47A8E4A}"/>
     </a:ext>
   </a:extLst>
 </a:theme>

--- a/Document/DOC_source/ppt/COMP_Project_ppt(신동준,조수한).pptx
+++ b/Document/DOC_source/ppt/COMP_Project_ppt(신동준,조수한).pptx
@@ -55,13 +55,13 @@
   <p:notesSz cx="6858000" cy="9144000"/>
   <p:embeddedFontLst>
     <p:embeddedFont>
-      <p:font typeface="맑은 고딕" pitchFamily="50" charset="-127"/>
+      <p:font typeface="Yoon 윤고딕 520_TT" panose="020B0600000101010101" charset="-127"/>
       <p:regular r:id="rId45"/>
-      <p:bold r:id="rId46"/>
     </p:embeddedFont>
     <p:embeddedFont>
-      <p:font typeface="Yoon 윤고딕 520_TT" charset="-127"/>
-      <p:regular r:id="rId47"/>
+      <p:font typeface="맑은 고딕" panose="020B0503020000020004" pitchFamily="50" charset="-127"/>
+      <p:regular r:id="rId46"/>
+      <p:bold r:id="rId47"/>
     </p:embeddedFont>
   </p:embeddedFontLst>
   <p:defaultTextStyle>
@@ -161,7 +161,7 @@
   </p:defaultTextStyle>
   <p:extLst>
     <p:ext uri="{EFAFB233-063F-42B5-8137-9DF3F51BA10A}">
-      <p15:sldGuideLst xmlns:p15="http://schemas.microsoft.com/office/powerpoint/2012/main" xmlns="">
+      <p15:sldGuideLst xmlns:p15="http://schemas.microsoft.com/office/powerpoint/2012/main">
         <p15:guide id="1" orient="horz" pos="2160">
           <p15:clr>
             <a:srgbClr val="A4A3A4"/>
@@ -260,8 +260,7 @@
           <a:p>
             <a:fld id="{5B797AE8-817E-43F2-8E17-62EDFDD5A7AF}" type="datetimeFigureOut">
               <a:rPr lang="ko-KR" altLang="en-US" smtClean="0"/>
-              <a:pPr/>
-              <a:t>2019-11-29</a:t>
+              <a:t>2019-12-03</a:t>
             </a:fld>
             <a:endParaRPr lang="ko-KR" altLang="en-US"/>
           </a:p>
@@ -420,7 +419,6 @@
           <a:p>
             <a:fld id="{BA5A1E06-9523-4D0F-B6D8-5CC386386AFE}" type="slidenum">
               <a:rPr lang="ko-KR" altLang="en-US" smtClean="0"/>
-              <a:pPr/>
               <a:t>‹#›</a:t>
             </a:fld>
             <a:endParaRPr lang="ko-KR" altLang="en-US"/>
@@ -430,7 +428,7 @@
     </p:spTree>
     <p:extLst>
       <p:ext uri="{BB962C8B-B14F-4D97-AF65-F5344CB8AC3E}">
-        <p14:creationId xmlns:p14="http://schemas.microsoft.com/office/powerpoint/2010/main" xmlns="" val="1198891520"/>
+        <p14:creationId xmlns:p14="http://schemas.microsoft.com/office/powerpoint/2010/main" val="1198891520"/>
       </p:ext>
     </p:extLst>
   </p:cSld>
@@ -611,7 +609,6 @@
           <a:p>
             <a:fld id="{BA5A1E06-9523-4D0F-B6D8-5CC386386AFE}" type="slidenum">
               <a:rPr lang="ko-KR" altLang="en-US" smtClean="0"/>
-              <a:pPr/>
               <a:t>1</a:t>
             </a:fld>
             <a:endParaRPr lang="ko-KR" altLang="en-US"/>
@@ -621,7 +618,7 @@
     </p:spTree>
     <p:extLst>
       <p:ext uri="{BB962C8B-B14F-4D97-AF65-F5344CB8AC3E}">
-        <p14:creationId xmlns:p14="http://schemas.microsoft.com/office/powerpoint/2010/main" xmlns="" val="2884423083"/>
+        <p14:creationId xmlns:p14="http://schemas.microsoft.com/office/powerpoint/2010/main" val="2884423083"/>
       </p:ext>
     </p:extLst>
   </p:cSld>
@@ -696,7 +693,7 @@
             </a:r>
             <a:r>
               <a:rPr lang="ko-KR" altLang="en-US" baseline="0" dirty="0" smtClean="0"/>
-              <a:t> 및 데이터 설계 </a:t>
+              <a:t> 및 프로그램 설계 </a:t>
             </a:r>
             <a:r>
               <a:rPr lang="ko-KR" altLang="en-US" dirty="0" smtClean="0"/>
@@ -777,7 +774,6 @@
           <a:p>
             <a:fld id="{BA5A1E06-9523-4D0F-B6D8-5CC386386AFE}" type="slidenum">
               <a:rPr lang="ko-KR" altLang="en-US" smtClean="0"/>
-              <a:pPr/>
               <a:t>12</a:t>
             </a:fld>
             <a:endParaRPr lang="ko-KR" altLang="en-US"/>
@@ -787,7 +783,7 @@
     </p:spTree>
     <p:extLst>
       <p:ext uri="{BB962C8B-B14F-4D97-AF65-F5344CB8AC3E}">
-        <p14:creationId xmlns:p14="http://schemas.microsoft.com/office/powerpoint/2010/main" xmlns="" val="2499184521"/>
+        <p14:creationId xmlns:p14="http://schemas.microsoft.com/office/powerpoint/2010/main" val="2499184521"/>
       </p:ext>
     </p:extLst>
   </p:cSld>
@@ -870,7 +866,6 @@
           <a:p>
             <a:fld id="{BA5A1E06-9523-4D0F-B6D8-5CC386386AFE}" type="slidenum">
               <a:rPr lang="ko-KR" altLang="en-US" smtClean="0"/>
-              <a:pPr/>
               <a:t>13</a:t>
             </a:fld>
             <a:endParaRPr lang="ko-KR" altLang="en-US"/>
@@ -880,7 +875,7 @@
     </p:spTree>
     <p:extLst>
       <p:ext uri="{BB962C8B-B14F-4D97-AF65-F5344CB8AC3E}">
-        <p14:creationId xmlns:p14="http://schemas.microsoft.com/office/powerpoint/2010/main" xmlns="" val="2307860674"/>
+        <p14:creationId xmlns:p14="http://schemas.microsoft.com/office/powerpoint/2010/main" val="2307860674"/>
       </p:ext>
     </p:extLst>
   </p:cSld>
@@ -971,7 +966,6 @@
           <a:p>
             <a:fld id="{BA5A1E06-9523-4D0F-B6D8-5CC386386AFE}" type="slidenum">
               <a:rPr lang="ko-KR" altLang="en-US" smtClean="0"/>
-              <a:pPr/>
               <a:t>16</a:t>
             </a:fld>
             <a:endParaRPr lang="ko-KR" altLang="en-US"/>
@@ -981,7 +975,7 @@
     </p:spTree>
     <p:extLst>
       <p:ext uri="{BB962C8B-B14F-4D97-AF65-F5344CB8AC3E}">
-        <p14:creationId xmlns:p14="http://schemas.microsoft.com/office/powerpoint/2010/main" xmlns="" val="3643445639"/>
+        <p14:creationId xmlns:p14="http://schemas.microsoft.com/office/powerpoint/2010/main" val="3643445639"/>
       </p:ext>
     </p:extLst>
   </p:cSld>
@@ -1072,7 +1066,6 @@
           <a:p>
             <a:fld id="{BA5A1E06-9523-4D0F-B6D8-5CC386386AFE}" type="slidenum">
               <a:rPr lang="ko-KR" altLang="en-US" smtClean="0"/>
-              <a:pPr/>
               <a:t>18</a:t>
             </a:fld>
             <a:endParaRPr lang="ko-KR" altLang="en-US"/>
@@ -1082,7 +1075,7 @@
     </p:spTree>
     <p:extLst>
       <p:ext uri="{BB962C8B-B14F-4D97-AF65-F5344CB8AC3E}">
-        <p14:creationId xmlns:p14="http://schemas.microsoft.com/office/powerpoint/2010/main" xmlns="" val="1255835882"/>
+        <p14:creationId xmlns:p14="http://schemas.microsoft.com/office/powerpoint/2010/main" val="1255835882"/>
       </p:ext>
     </p:extLst>
   </p:cSld>
@@ -1165,7 +1158,6 @@
           <a:p>
             <a:fld id="{BA5A1E06-9523-4D0F-B6D8-5CC386386AFE}" type="slidenum">
               <a:rPr lang="ko-KR" altLang="en-US" smtClean="0"/>
-              <a:pPr/>
               <a:t>19</a:t>
             </a:fld>
             <a:endParaRPr lang="ko-KR" altLang="en-US"/>
@@ -1175,7 +1167,7 @@
     </p:spTree>
     <p:extLst>
       <p:ext uri="{BB962C8B-B14F-4D97-AF65-F5344CB8AC3E}">
-        <p14:creationId xmlns:p14="http://schemas.microsoft.com/office/powerpoint/2010/main" xmlns="" val="3820810718"/>
+        <p14:creationId xmlns:p14="http://schemas.microsoft.com/office/powerpoint/2010/main" val="3820810718"/>
       </p:ext>
     </p:extLst>
   </p:cSld>
@@ -1254,7 +1246,6 @@
           <a:p>
             <a:fld id="{BA5A1E06-9523-4D0F-B6D8-5CC386386AFE}" type="slidenum">
               <a:rPr lang="ko-KR" altLang="en-US" smtClean="0"/>
-              <a:pPr/>
               <a:t>20</a:t>
             </a:fld>
             <a:endParaRPr lang="ko-KR" altLang="en-US"/>
@@ -1264,7 +1255,7 @@
     </p:spTree>
     <p:extLst>
       <p:ext uri="{BB962C8B-B14F-4D97-AF65-F5344CB8AC3E}">
-        <p14:creationId xmlns:p14="http://schemas.microsoft.com/office/powerpoint/2010/main" xmlns="" val="1265580277"/>
+        <p14:creationId xmlns:p14="http://schemas.microsoft.com/office/powerpoint/2010/main" val="1265580277"/>
       </p:ext>
     </p:extLst>
   </p:cSld>
@@ -1347,7 +1338,6 @@
           <a:p>
             <a:fld id="{BA5A1E06-9523-4D0F-B6D8-5CC386386AFE}" type="slidenum">
               <a:rPr lang="ko-KR" altLang="en-US" smtClean="0"/>
-              <a:pPr/>
               <a:t>21</a:t>
             </a:fld>
             <a:endParaRPr lang="ko-KR" altLang="en-US"/>
@@ -1357,7 +1347,7 @@
     </p:spTree>
     <p:extLst>
       <p:ext uri="{BB962C8B-B14F-4D97-AF65-F5344CB8AC3E}">
-        <p14:creationId xmlns:p14="http://schemas.microsoft.com/office/powerpoint/2010/main" xmlns="" val="2519375618"/>
+        <p14:creationId xmlns:p14="http://schemas.microsoft.com/office/powerpoint/2010/main" val="2519375618"/>
       </p:ext>
     </p:extLst>
   </p:cSld>
@@ -1456,7 +1446,6 @@
           <a:p>
             <a:fld id="{BA5A1E06-9523-4D0F-B6D8-5CC386386AFE}" type="slidenum">
               <a:rPr lang="ko-KR" altLang="en-US" smtClean="0"/>
-              <a:pPr/>
               <a:t>23</a:t>
             </a:fld>
             <a:endParaRPr lang="ko-KR" altLang="en-US"/>
@@ -1466,7 +1455,7 @@
     </p:spTree>
     <p:extLst>
       <p:ext uri="{BB962C8B-B14F-4D97-AF65-F5344CB8AC3E}">
-        <p14:creationId xmlns:p14="http://schemas.microsoft.com/office/powerpoint/2010/main" xmlns="" val="1383565039"/>
+        <p14:creationId xmlns:p14="http://schemas.microsoft.com/office/powerpoint/2010/main" val="1383565039"/>
       </p:ext>
     </p:extLst>
   </p:cSld>
@@ -1553,7 +1542,6 @@
           <a:p>
             <a:fld id="{BA5A1E06-9523-4D0F-B6D8-5CC386386AFE}" type="slidenum">
               <a:rPr lang="ko-KR" altLang="en-US" smtClean="0"/>
-              <a:pPr/>
               <a:t>24</a:t>
             </a:fld>
             <a:endParaRPr lang="ko-KR" altLang="en-US"/>
@@ -1563,7 +1551,7 @@
     </p:spTree>
     <p:extLst>
       <p:ext uri="{BB962C8B-B14F-4D97-AF65-F5344CB8AC3E}">
-        <p14:creationId xmlns:p14="http://schemas.microsoft.com/office/powerpoint/2010/main" xmlns="" val="2670453628"/>
+        <p14:creationId xmlns:p14="http://schemas.microsoft.com/office/powerpoint/2010/main" val="2670453628"/>
       </p:ext>
     </p:extLst>
   </p:cSld>
@@ -1650,7 +1638,6 @@
           <a:p>
             <a:fld id="{BA5A1E06-9523-4D0F-B6D8-5CC386386AFE}" type="slidenum">
               <a:rPr lang="ko-KR" altLang="en-US" smtClean="0"/>
-              <a:pPr/>
               <a:t>25</a:t>
             </a:fld>
             <a:endParaRPr lang="ko-KR" altLang="en-US"/>
@@ -1660,7 +1647,7 @@
     </p:spTree>
     <p:extLst>
       <p:ext uri="{BB962C8B-B14F-4D97-AF65-F5344CB8AC3E}">
-        <p14:creationId xmlns:p14="http://schemas.microsoft.com/office/powerpoint/2010/main" xmlns="" val="3419501011"/>
+        <p14:creationId xmlns:p14="http://schemas.microsoft.com/office/powerpoint/2010/main" val="3419501011"/>
       </p:ext>
     </p:extLst>
   </p:cSld>
@@ -1735,7 +1722,6 @@
           <a:p>
             <a:fld id="{BA5A1E06-9523-4D0F-B6D8-5CC386386AFE}" type="slidenum">
               <a:rPr lang="ko-KR" altLang="en-US" smtClean="0"/>
-              <a:pPr/>
               <a:t>2</a:t>
             </a:fld>
             <a:endParaRPr lang="ko-KR" altLang="en-US"/>
@@ -1745,7 +1731,7 @@
     </p:spTree>
     <p:extLst>
       <p:ext uri="{BB962C8B-B14F-4D97-AF65-F5344CB8AC3E}">
-        <p14:creationId xmlns:p14="http://schemas.microsoft.com/office/powerpoint/2010/main" xmlns="" val="2355231621"/>
+        <p14:creationId xmlns:p14="http://schemas.microsoft.com/office/powerpoint/2010/main" val="2355231621"/>
       </p:ext>
     </p:extLst>
   </p:cSld>
@@ -1820,7 +1806,6 @@
           <a:p>
             <a:fld id="{BA5A1E06-9523-4D0F-B6D8-5CC386386AFE}" type="slidenum">
               <a:rPr lang="ko-KR" altLang="en-US" smtClean="0"/>
-              <a:pPr/>
               <a:t>27</a:t>
             </a:fld>
             <a:endParaRPr lang="ko-KR" altLang="en-US"/>
@@ -1830,7 +1815,7 @@
     </p:spTree>
     <p:extLst>
       <p:ext uri="{BB962C8B-B14F-4D97-AF65-F5344CB8AC3E}">
-        <p14:creationId xmlns:p14="http://schemas.microsoft.com/office/powerpoint/2010/main" xmlns="" val="1066533763"/>
+        <p14:creationId xmlns:p14="http://schemas.microsoft.com/office/powerpoint/2010/main" val="1066533763"/>
       </p:ext>
     </p:extLst>
   </p:cSld>
@@ -1905,7 +1890,6 @@
           <a:p>
             <a:fld id="{BA5A1E06-9523-4D0F-B6D8-5CC386386AFE}" type="slidenum">
               <a:rPr lang="ko-KR" altLang="en-US" smtClean="0"/>
-              <a:pPr/>
               <a:t>31</a:t>
             </a:fld>
             <a:endParaRPr lang="ko-KR" altLang="en-US"/>
@@ -1915,7 +1899,7 @@
     </p:spTree>
     <p:extLst>
       <p:ext uri="{BB962C8B-B14F-4D97-AF65-F5344CB8AC3E}">
-        <p14:creationId xmlns:p14="http://schemas.microsoft.com/office/powerpoint/2010/main" xmlns="" val="648887087"/>
+        <p14:creationId xmlns:p14="http://schemas.microsoft.com/office/powerpoint/2010/main" val="648887087"/>
       </p:ext>
     </p:extLst>
   </p:cSld>
@@ -1998,7 +1982,6 @@
           <a:p>
             <a:fld id="{BA5A1E06-9523-4D0F-B6D8-5CC386386AFE}" type="slidenum">
               <a:rPr lang="ko-KR" altLang="en-US" smtClean="0"/>
-              <a:pPr/>
               <a:t>35</a:t>
             </a:fld>
             <a:endParaRPr lang="ko-KR" altLang="en-US"/>
@@ -2008,7 +1991,7 @@
     </p:spTree>
     <p:extLst>
       <p:ext uri="{BB962C8B-B14F-4D97-AF65-F5344CB8AC3E}">
-        <p14:creationId xmlns:p14="http://schemas.microsoft.com/office/powerpoint/2010/main" xmlns="" val="1282975666"/>
+        <p14:creationId xmlns:p14="http://schemas.microsoft.com/office/powerpoint/2010/main" val="1282975666"/>
       </p:ext>
     </p:extLst>
   </p:cSld>
@@ -2091,7 +2074,6 @@
           <a:p>
             <a:fld id="{BA5A1E06-9523-4D0F-B6D8-5CC386386AFE}" type="slidenum">
               <a:rPr lang="ko-KR" altLang="en-US" smtClean="0"/>
-              <a:pPr/>
               <a:t>37</a:t>
             </a:fld>
             <a:endParaRPr lang="ko-KR" altLang="en-US"/>
@@ -2101,7 +2083,7 @@
     </p:spTree>
     <p:extLst>
       <p:ext uri="{BB962C8B-B14F-4D97-AF65-F5344CB8AC3E}">
-        <p14:creationId xmlns:p14="http://schemas.microsoft.com/office/powerpoint/2010/main" xmlns="" val="3962742594"/>
+        <p14:creationId xmlns:p14="http://schemas.microsoft.com/office/powerpoint/2010/main" val="3962742594"/>
       </p:ext>
     </p:extLst>
   </p:cSld>
@@ -2176,7 +2158,6 @@
           <a:p>
             <a:fld id="{BA5A1E06-9523-4D0F-B6D8-5CC386386AFE}" type="slidenum">
               <a:rPr lang="ko-KR" altLang="en-US" smtClean="0"/>
-              <a:pPr/>
               <a:t>38</a:t>
             </a:fld>
             <a:endParaRPr lang="ko-KR" altLang="en-US"/>
@@ -2186,7 +2167,7 @@
     </p:spTree>
     <p:extLst>
       <p:ext uri="{BB962C8B-B14F-4D97-AF65-F5344CB8AC3E}">
-        <p14:creationId xmlns:p14="http://schemas.microsoft.com/office/powerpoint/2010/main" xmlns="" val="3300083608"/>
+        <p14:creationId xmlns:p14="http://schemas.microsoft.com/office/powerpoint/2010/main" val="3300083608"/>
       </p:ext>
     </p:extLst>
   </p:cSld>
@@ -2269,7 +2250,6 @@
           <a:p>
             <a:fld id="{BA5A1E06-9523-4D0F-B6D8-5CC386386AFE}" type="slidenum">
               <a:rPr lang="ko-KR" altLang="en-US" smtClean="0"/>
-              <a:pPr/>
               <a:t>39</a:t>
             </a:fld>
             <a:endParaRPr lang="ko-KR" altLang="en-US"/>
@@ -2279,7 +2259,7 @@
     </p:spTree>
     <p:extLst>
       <p:ext uri="{BB962C8B-B14F-4D97-AF65-F5344CB8AC3E}">
-        <p14:creationId xmlns:p14="http://schemas.microsoft.com/office/powerpoint/2010/main" xmlns="" val="1321691119"/>
+        <p14:creationId xmlns:p14="http://schemas.microsoft.com/office/powerpoint/2010/main" val="1321691119"/>
       </p:ext>
     </p:extLst>
   </p:cSld>
@@ -2362,7 +2342,6 @@
           <a:p>
             <a:fld id="{BA5A1E06-9523-4D0F-B6D8-5CC386386AFE}" type="slidenum">
               <a:rPr lang="ko-KR" altLang="en-US" smtClean="0"/>
-              <a:pPr/>
               <a:t>41</a:t>
             </a:fld>
             <a:endParaRPr lang="ko-KR" altLang="en-US"/>
@@ -2372,7 +2351,7 @@
     </p:spTree>
     <p:extLst>
       <p:ext uri="{BB962C8B-B14F-4D97-AF65-F5344CB8AC3E}">
-        <p14:creationId xmlns:p14="http://schemas.microsoft.com/office/powerpoint/2010/main" xmlns="" val="3936738934"/>
+        <p14:creationId xmlns:p14="http://schemas.microsoft.com/office/powerpoint/2010/main" val="3936738934"/>
       </p:ext>
     </p:extLst>
   </p:cSld>
@@ -2455,7 +2434,6 @@
           <a:p>
             <a:fld id="{BA5A1E06-9523-4D0F-B6D8-5CC386386AFE}" type="slidenum">
               <a:rPr lang="ko-KR" altLang="en-US" smtClean="0"/>
-              <a:pPr/>
               <a:t>42</a:t>
             </a:fld>
             <a:endParaRPr lang="ko-KR" altLang="en-US"/>
@@ -2465,7 +2443,7 @@
     </p:spTree>
     <p:extLst>
       <p:ext uri="{BB962C8B-B14F-4D97-AF65-F5344CB8AC3E}">
-        <p14:creationId xmlns:p14="http://schemas.microsoft.com/office/powerpoint/2010/main" xmlns="" val="2089550426"/>
+        <p14:creationId xmlns:p14="http://schemas.microsoft.com/office/powerpoint/2010/main" val="2089550426"/>
       </p:ext>
     </p:extLst>
   </p:cSld>
@@ -2576,7 +2554,6 @@
           <a:p>
             <a:fld id="{BA5A1E06-9523-4D0F-B6D8-5CC386386AFE}" type="slidenum">
               <a:rPr lang="ko-KR" altLang="en-US" smtClean="0"/>
-              <a:pPr/>
               <a:t>3</a:t>
             </a:fld>
             <a:endParaRPr lang="ko-KR" altLang="en-US"/>
@@ -2586,7 +2563,7 @@
     </p:spTree>
     <p:extLst>
       <p:ext uri="{BB962C8B-B14F-4D97-AF65-F5344CB8AC3E}">
-        <p14:creationId xmlns:p14="http://schemas.microsoft.com/office/powerpoint/2010/main" xmlns="" val="3359545553"/>
+        <p14:creationId xmlns:p14="http://schemas.microsoft.com/office/powerpoint/2010/main" val="3359545553"/>
       </p:ext>
     </p:extLst>
   </p:cSld>
@@ -2709,7 +2686,6 @@
           <a:p>
             <a:fld id="{BA5A1E06-9523-4D0F-B6D8-5CC386386AFE}" type="slidenum">
               <a:rPr lang="ko-KR" altLang="en-US" smtClean="0"/>
-              <a:pPr/>
               <a:t>4</a:t>
             </a:fld>
             <a:endParaRPr lang="ko-KR" altLang="en-US"/>
@@ -2719,7 +2695,7 @@
     </p:spTree>
     <p:extLst>
       <p:ext uri="{BB962C8B-B14F-4D97-AF65-F5344CB8AC3E}">
-        <p14:creationId xmlns:p14="http://schemas.microsoft.com/office/powerpoint/2010/main" xmlns="" val="270287898"/>
+        <p14:creationId xmlns:p14="http://schemas.microsoft.com/office/powerpoint/2010/main" val="270287898"/>
       </p:ext>
     </p:extLst>
   </p:cSld>
@@ -2814,7 +2790,6 @@
           <a:p>
             <a:fld id="{BA5A1E06-9523-4D0F-B6D8-5CC386386AFE}" type="slidenum">
               <a:rPr lang="ko-KR" altLang="en-US" smtClean="0"/>
-              <a:pPr/>
               <a:t>5</a:t>
             </a:fld>
             <a:endParaRPr lang="ko-KR" altLang="en-US"/>
@@ -2824,7 +2799,7 @@
     </p:spTree>
     <p:extLst>
       <p:ext uri="{BB962C8B-B14F-4D97-AF65-F5344CB8AC3E}">
-        <p14:creationId xmlns:p14="http://schemas.microsoft.com/office/powerpoint/2010/main" xmlns="" val="3257533949"/>
+        <p14:creationId xmlns:p14="http://schemas.microsoft.com/office/powerpoint/2010/main" val="3257533949"/>
       </p:ext>
     </p:extLst>
   </p:cSld>
@@ -2939,7 +2914,6 @@
           <a:p>
             <a:fld id="{BA5A1E06-9523-4D0F-B6D8-5CC386386AFE}" type="slidenum">
               <a:rPr lang="ko-KR" altLang="en-US" smtClean="0"/>
-              <a:pPr/>
               <a:t>7</a:t>
             </a:fld>
             <a:endParaRPr lang="ko-KR" altLang="en-US"/>
@@ -2949,7 +2923,7 @@
     </p:spTree>
     <p:extLst>
       <p:ext uri="{BB962C8B-B14F-4D97-AF65-F5344CB8AC3E}">
-        <p14:creationId xmlns:p14="http://schemas.microsoft.com/office/powerpoint/2010/main" xmlns="" val="1194752827"/>
+        <p14:creationId xmlns:p14="http://schemas.microsoft.com/office/powerpoint/2010/main" val="1194752827"/>
       </p:ext>
     </p:extLst>
   </p:cSld>
@@ -3028,7 +3002,6 @@
           <a:p>
             <a:fld id="{BA5A1E06-9523-4D0F-B6D8-5CC386386AFE}" type="slidenum">
               <a:rPr lang="ko-KR" altLang="en-US" smtClean="0"/>
-              <a:pPr/>
               <a:t>8</a:t>
             </a:fld>
             <a:endParaRPr lang="ko-KR" altLang="en-US"/>
@@ -3038,7 +3011,7 @@
     </p:spTree>
     <p:extLst>
       <p:ext uri="{BB962C8B-B14F-4D97-AF65-F5344CB8AC3E}">
-        <p14:creationId xmlns:p14="http://schemas.microsoft.com/office/powerpoint/2010/main" xmlns="" val="2563553619"/>
+        <p14:creationId xmlns:p14="http://schemas.microsoft.com/office/powerpoint/2010/main" val="2563553619"/>
       </p:ext>
     </p:extLst>
   </p:cSld>
@@ -3136,7 +3109,6 @@
           <a:p>
             <a:fld id="{BA5A1E06-9523-4D0F-B6D8-5CC386386AFE}" type="slidenum">
               <a:rPr lang="ko-KR" altLang="en-US" smtClean="0"/>
-              <a:pPr/>
               <a:t>9</a:t>
             </a:fld>
             <a:endParaRPr lang="ko-KR" altLang="en-US"/>
@@ -3146,7 +3118,7 @@
     </p:spTree>
     <p:extLst>
       <p:ext uri="{BB962C8B-B14F-4D97-AF65-F5344CB8AC3E}">
-        <p14:creationId xmlns:p14="http://schemas.microsoft.com/office/powerpoint/2010/main" xmlns="" val="874650284"/>
+        <p14:creationId xmlns:p14="http://schemas.microsoft.com/office/powerpoint/2010/main" val="874650284"/>
       </p:ext>
     </p:extLst>
   </p:cSld>
@@ -3244,7 +3216,6 @@
           <a:p>
             <a:fld id="{BA5A1E06-9523-4D0F-B6D8-5CC386386AFE}" type="slidenum">
               <a:rPr lang="ko-KR" altLang="en-US" smtClean="0"/>
-              <a:pPr/>
               <a:t>10</a:t>
             </a:fld>
             <a:endParaRPr lang="ko-KR" altLang="en-US"/>
@@ -3254,7 +3225,7 @@
     </p:spTree>
     <p:extLst>
       <p:ext uri="{BB962C8B-B14F-4D97-AF65-F5344CB8AC3E}">
-        <p14:creationId xmlns:p14="http://schemas.microsoft.com/office/powerpoint/2010/main" xmlns="" val="3400867267"/>
+        <p14:creationId xmlns:p14="http://schemas.microsoft.com/office/powerpoint/2010/main" val="3400867267"/>
       </p:ext>
     </p:extLst>
   </p:cSld>
@@ -3445,8 +3416,7 @@
           <a:p>
             <a:fld id="{3A302466-FE76-40E8-BE5D-598A609EDD2B}" type="datetimeFigureOut">
               <a:rPr lang="ko-KR" altLang="en-US" smtClean="0"/>
-              <a:pPr/>
-              <a:t>2019-11-29</a:t>
+              <a:t>2019-12-03</a:t>
             </a:fld>
             <a:endParaRPr lang="ko-KR" altLang="en-US"/>
           </a:p>
@@ -3488,7 +3458,6 @@
           <a:p>
             <a:fld id="{72CEB9E3-907B-4C9E-8669-48B8CFAF986F}" type="slidenum">
               <a:rPr lang="ko-KR" altLang="en-US" smtClean="0"/>
-              <a:pPr/>
               <a:t>‹#›</a:t>
             </a:fld>
             <a:endParaRPr lang="ko-KR" altLang="en-US"/>
@@ -3498,7 +3467,7 @@
     </p:spTree>
     <p:extLst>
       <p:ext uri="{BB962C8B-B14F-4D97-AF65-F5344CB8AC3E}">
-        <p14:creationId xmlns:p14="http://schemas.microsoft.com/office/powerpoint/2010/main" xmlns="" val="1332922983"/>
+        <p14:creationId xmlns:p14="http://schemas.microsoft.com/office/powerpoint/2010/main" val="1332922983"/>
       </p:ext>
     </p:extLst>
   </p:cSld>
@@ -3617,8 +3586,7 @@
           <a:p>
             <a:fld id="{3A302466-FE76-40E8-BE5D-598A609EDD2B}" type="datetimeFigureOut">
               <a:rPr lang="ko-KR" altLang="en-US" smtClean="0"/>
-              <a:pPr/>
-              <a:t>2019-11-29</a:t>
+              <a:t>2019-12-03</a:t>
             </a:fld>
             <a:endParaRPr lang="ko-KR" altLang="en-US"/>
           </a:p>
@@ -3660,7 +3628,6 @@
           <a:p>
             <a:fld id="{72CEB9E3-907B-4C9E-8669-48B8CFAF986F}" type="slidenum">
               <a:rPr lang="ko-KR" altLang="en-US" smtClean="0"/>
-              <a:pPr/>
               <a:t>‹#›</a:t>
             </a:fld>
             <a:endParaRPr lang="ko-KR" altLang="en-US"/>
@@ -3670,7 +3637,7 @@
     </p:spTree>
     <p:extLst>
       <p:ext uri="{BB962C8B-B14F-4D97-AF65-F5344CB8AC3E}">
-        <p14:creationId xmlns:p14="http://schemas.microsoft.com/office/powerpoint/2010/main" xmlns="" val="1337871443"/>
+        <p14:creationId xmlns:p14="http://schemas.microsoft.com/office/powerpoint/2010/main" val="1337871443"/>
       </p:ext>
     </p:extLst>
   </p:cSld>
@@ -3799,8 +3766,7 @@
           <a:p>
             <a:fld id="{3A302466-FE76-40E8-BE5D-598A609EDD2B}" type="datetimeFigureOut">
               <a:rPr lang="ko-KR" altLang="en-US" smtClean="0"/>
-              <a:pPr/>
-              <a:t>2019-11-29</a:t>
+              <a:t>2019-12-03</a:t>
             </a:fld>
             <a:endParaRPr lang="ko-KR" altLang="en-US"/>
           </a:p>
@@ -3842,7 +3808,6 @@
           <a:p>
             <a:fld id="{72CEB9E3-907B-4C9E-8669-48B8CFAF986F}" type="slidenum">
               <a:rPr lang="ko-KR" altLang="en-US" smtClean="0"/>
-              <a:pPr/>
               <a:t>‹#›</a:t>
             </a:fld>
             <a:endParaRPr lang="ko-KR" altLang="en-US"/>
@@ -3852,7 +3817,7 @@
     </p:spTree>
     <p:extLst>
       <p:ext uri="{BB962C8B-B14F-4D97-AF65-F5344CB8AC3E}">
-        <p14:creationId xmlns:p14="http://schemas.microsoft.com/office/powerpoint/2010/main" xmlns="" val="1023622450"/>
+        <p14:creationId xmlns:p14="http://schemas.microsoft.com/office/powerpoint/2010/main" val="1023622450"/>
       </p:ext>
     </p:extLst>
   </p:cSld>
@@ -3971,8 +3936,7 @@
           <a:p>
             <a:fld id="{3A302466-FE76-40E8-BE5D-598A609EDD2B}" type="datetimeFigureOut">
               <a:rPr lang="ko-KR" altLang="en-US" smtClean="0"/>
-              <a:pPr/>
-              <a:t>2019-11-29</a:t>
+              <a:t>2019-12-03</a:t>
             </a:fld>
             <a:endParaRPr lang="ko-KR" altLang="en-US"/>
           </a:p>
@@ -4014,7 +3978,6 @@
           <a:p>
             <a:fld id="{72CEB9E3-907B-4C9E-8669-48B8CFAF986F}" type="slidenum">
               <a:rPr lang="ko-KR" altLang="en-US" smtClean="0"/>
-              <a:pPr/>
               <a:t>‹#›</a:t>
             </a:fld>
             <a:endParaRPr lang="ko-KR" altLang="en-US"/>
@@ -4024,7 +3987,7 @@
     </p:spTree>
     <p:extLst>
       <p:ext uri="{BB962C8B-B14F-4D97-AF65-F5344CB8AC3E}">
-        <p14:creationId xmlns:p14="http://schemas.microsoft.com/office/powerpoint/2010/main" xmlns="" val="269583639"/>
+        <p14:creationId xmlns:p14="http://schemas.microsoft.com/office/powerpoint/2010/main" val="269583639"/>
       </p:ext>
     </p:extLst>
   </p:cSld>
@@ -4219,8 +4182,7 @@
           <a:p>
             <a:fld id="{3A302466-FE76-40E8-BE5D-598A609EDD2B}" type="datetimeFigureOut">
               <a:rPr lang="ko-KR" altLang="en-US" smtClean="0"/>
-              <a:pPr/>
-              <a:t>2019-11-29</a:t>
+              <a:t>2019-12-03</a:t>
             </a:fld>
             <a:endParaRPr lang="ko-KR" altLang="en-US"/>
           </a:p>
@@ -4262,7 +4224,6 @@
           <a:p>
             <a:fld id="{72CEB9E3-907B-4C9E-8669-48B8CFAF986F}" type="slidenum">
               <a:rPr lang="ko-KR" altLang="en-US" smtClean="0"/>
-              <a:pPr/>
               <a:t>‹#›</a:t>
             </a:fld>
             <a:endParaRPr lang="ko-KR" altLang="en-US"/>
@@ -4272,7 +4233,7 @@
     </p:spTree>
     <p:extLst>
       <p:ext uri="{BB962C8B-B14F-4D97-AF65-F5344CB8AC3E}">
-        <p14:creationId xmlns:p14="http://schemas.microsoft.com/office/powerpoint/2010/main" xmlns="" val="2870371007"/>
+        <p14:creationId xmlns:p14="http://schemas.microsoft.com/office/powerpoint/2010/main" val="2870371007"/>
       </p:ext>
     </p:extLst>
   </p:cSld>
@@ -4509,8 +4470,7 @@
           <a:p>
             <a:fld id="{3A302466-FE76-40E8-BE5D-598A609EDD2B}" type="datetimeFigureOut">
               <a:rPr lang="ko-KR" altLang="en-US" smtClean="0"/>
-              <a:pPr/>
-              <a:t>2019-11-29</a:t>
+              <a:t>2019-12-03</a:t>
             </a:fld>
             <a:endParaRPr lang="ko-KR" altLang="en-US"/>
           </a:p>
@@ -4552,7 +4512,6 @@
           <a:p>
             <a:fld id="{72CEB9E3-907B-4C9E-8669-48B8CFAF986F}" type="slidenum">
               <a:rPr lang="ko-KR" altLang="en-US" smtClean="0"/>
-              <a:pPr/>
               <a:t>‹#›</a:t>
             </a:fld>
             <a:endParaRPr lang="ko-KR" altLang="en-US"/>
@@ -4562,7 +4521,7 @@
     </p:spTree>
     <p:extLst>
       <p:ext uri="{BB962C8B-B14F-4D97-AF65-F5344CB8AC3E}">
-        <p14:creationId xmlns:p14="http://schemas.microsoft.com/office/powerpoint/2010/main" xmlns="" val="440812356"/>
+        <p14:creationId xmlns:p14="http://schemas.microsoft.com/office/powerpoint/2010/main" val="440812356"/>
       </p:ext>
     </p:extLst>
   </p:cSld>
@@ -4933,8 +4892,7 @@
           <a:p>
             <a:fld id="{3A302466-FE76-40E8-BE5D-598A609EDD2B}" type="datetimeFigureOut">
               <a:rPr lang="ko-KR" altLang="en-US" smtClean="0"/>
-              <a:pPr/>
-              <a:t>2019-11-29</a:t>
+              <a:t>2019-12-03</a:t>
             </a:fld>
             <a:endParaRPr lang="ko-KR" altLang="en-US"/>
           </a:p>
@@ -4976,7 +4934,6 @@
           <a:p>
             <a:fld id="{72CEB9E3-907B-4C9E-8669-48B8CFAF986F}" type="slidenum">
               <a:rPr lang="ko-KR" altLang="en-US" smtClean="0"/>
-              <a:pPr/>
               <a:t>‹#›</a:t>
             </a:fld>
             <a:endParaRPr lang="ko-KR" altLang="en-US"/>
@@ -4986,7 +4943,7 @@
     </p:spTree>
     <p:extLst>
       <p:ext uri="{BB962C8B-B14F-4D97-AF65-F5344CB8AC3E}">
-        <p14:creationId xmlns:p14="http://schemas.microsoft.com/office/powerpoint/2010/main" xmlns="" val="4207424120"/>
+        <p14:creationId xmlns:p14="http://schemas.microsoft.com/office/powerpoint/2010/main" val="4207424120"/>
       </p:ext>
     </p:extLst>
   </p:cSld>
@@ -5053,8 +5010,7 @@
           <a:p>
             <a:fld id="{3A302466-FE76-40E8-BE5D-598A609EDD2B}" type="datetimeFigureOut">
               <a:rPr lang="ko-KR" altLang="en-US" smtClean="0"/>
-              <a:pPr/>
-              <a:t>2019-11-29</a:t>
+              <a:t>2019-12-03</a:t>
             </a:fld>
             <a:endParaRPr lang="ko-KR" altLang="en-US"/>
           </a:p>
@@ -5096,7 +5052,6 @@
           <a:p>
             <a:fld id="{72CEB9E3-907B-4C9E-8669-48B8CFAF986F}" type="slidenum">
               <a:rPr lang="ko-KR" altLang="en-US" smtClean="0"/>
-              <a:pPr/>
               <a:t>‹#›</a:t>
             </a:fld>
             <a:endParaRPr lang="ko-KR" altLang="en-US"/>
@@ -5106,7 +5061,7 @@
     </p:spTree>
     <p:extLst>
       <p:ext uri="{BB962C8B-B14F-4D97-AF65-F5344CB8AC3E}">
-        <p14:creationId xmlns:p14="http://schemas.microsoft.com/office/powerpoint/2010/main" xmlns="" val="3537374911"/>
+        <p14:creationId xmlns:p14="http://schemas.microsoft.com/office/powerpoint/2010/main" val="3537374911"/>
       </p:ext>
     </p:extLst>
   </p:cSld>
@@ -5150,8 +5105,7 @@
           <a:p>
             <a:fld id="{3A302466-FE76-40E8-BE5D-598A609EDD2B}" type="datetimeFigureOut">
               <a:rPr lang="ko-KR" altLang="en-US" smtClean="0"/>
-              <a:pPr/>
-              <a:t>2019-11-29</a:t>
+              <a:t>2019-12-03</a:t>
             </a:fld>
             <a:endParaRPr lang="ko-KR" altLang="en-US"/>
           </a:p>
@@ -5193,7 +5147,6 @@
           <a:p>
             <a:fld id="{72CEB9E3-907B-4C9E-8669-48B8CFAF986F}" type="slidenum">
               <a:rPr lang="ko-KR" altLang="en-US" smtClean="0"/>
-              <a:pPr/>
               <a:t>‹#›</a:t>
             </a:fld>
             <a:endParaRPr lang="ko-KR" altLang="en-US"/>
@@ -5203,7 +5156,7 @@
     </p:spTree>
     <p:extLst>
       <p:ext uri="{BB962C8B-B14F-4D97-AF65-F5344CB8AC3E}">
-        <p14:creationId xmlns:p14="http://schemas.microsoft.com/office/powerpoint/2010/main" xmlns="" val="2873456233"/>
+        <p14:creationId xmlns:p14="http://schemas.microsoft.com/office/powerpoint/2010/main" val="2873456233"/>
       </p:ext>
     </p:extLst>
   </p:cSld>
@@ -5429,8 +5382,7 @@
           <a:p>
             <a:fld id="{3A302466-FE76-40E8-BE5D-598A609EDD2B}" type="datetimeFigureOut">
               <a:rPr lang="ko-KR" altLang="en-US" smtClean="0"/>
-              <a:pPr/>
-              <a:t>2019-11-29</a:t>
+              <a:t>2019-12-03</a:t>
             </a:fld>
             <a:endParaRPr lang="ko-KR" altLang="en-US"/>
           </a:p>
@@ -5472,7 +5424,6 @@
           <a:p>
             <a:fld id="{72CEB9E3-907B-4C9E-8669-48B8CFAF986F}" type="slidenum">
               <a:rPr lang="ko-KR" altLang="en-US" smtClean="0"/>
-              <a:pPr/>
               <a:t>‹#›</a:t>
             </a:fld>
             <a:endParaRPr lang="ko-KR" altLang="en-US"/>
@@ -5482,7 +5433,7 @@
     </p:spTree>
     <p:extLst>
       <p:ext uri="{BB962C8B-B14F-4D97-AF65-F5344CB8AC3E}">
-        <p14:creationId xmlns:p14="http://schemas.microsoft.com/office/powerpoint/2010/main" xmlns="" val="450026426"/>
+        <p14:creationId xmlns:p14="http://schemas.microsoft.com/office/powerpoint/2010/main" val="450026426"/>
       </p:ext>
     </p:extLst>
   </p:cSld>
@@ -5684,8 +5635,7 @@
           <a:p>
             <a:fld id="{3A302466-FE76-40E8-BE5D-598A609EDD2B}" type="datetimeFigureOut">
               <a:rPr lang="ko-KR" altLang="en-US" smtClean="0"/>
-              <a:pPr/>
-              <a:t>2019-11-29</a:t>
+              <a:t>2019-12-03</a:t>
             </a:fld>
             <a:endParaRPr lang="ko-KR" altLang="en-US"/>
           </a:p>
@@ -5727,7 +5677,6 @@
           <a:p>
             <a:fld id="{72CEB9E3-907B-4C9E-8669-48B8CFAF986F}" type="slidenum">
               <a:rPr lang="ko-KR" altLang="en-US" smtClean="0"/>
-              <a:pPr/>
               <a:t>‹#›</a:t>
             </a:fld>
             <a:endParaRPr lang="ko-KR" altLang="en-US"/>
@@ -5737,7 +5686,7 @@
     </p:spTree>
     <p:extLst>
       <p:ext uri="{BB962C8B-B14F-4D97-AF65-F5344CB8AC3E}">
-        <p14:creationId xmlns:p14="http://schemas.microsoft.com/office/powerpoint/2010/main" xmlns="" val="2152713510"/>
+        <p14:creationId xmlns:p14="http://schemas.microsoft.com/office/powerpoint/2010/main" val="2152713510"/>
       </p:ext>
     </p:extLst>
   </p:cSld>
@@ -5899,8 +5848,7 @@
           <a:p>
             <a:fld id="{3A302466-FE76-40E8-BE5D-598A609EDD2B}" type="datetimeFigureOut">
               <a:rPr lang="ko-KR" altLang="en-US" smtClean="0"/>
-              <a:pPr/>
-              <a:t>2019-11-29</a:t>
+              <a:t>2019-12-03</a:t>
             </a:fld>
             <a:endParaRPr lang="ko-KR" altLang="en-US"/>
           </a:p>
@@ -5978,7 +5926,6 @@
           <a:p>
             <a:fld id="{72CEB9E3-907B-4C9E-8669-48B8CFAF986F}" type="slidenum">
               <a:rPr lang="ko-KR" altLang="en-US" smtClean="0"/>
-              <a:pPr/>
               <a:t>‹#›</a:t>
             </a:fld>
             <a:endParaRPr lang="ko-KR" altLang="en-US"/>
@@ -5988,7 +5935,7 @@
     </p:spTree>
     <p:extLst>
       <p:ext uri="{BB962C8B-B14F-4D97-AF65-F5344CB8AC3E}">
-        <p14:creationId xmlns:p14="http://schemas.microsoft.com/office/powerpoint/2010/main" xmlns="" val="3059972613"/>
+        <p14:creationId xmlns:p14="http://schemas.microsoft.com/office/powerpoint/2010/main" val="3059972613"/>
       </p:ext>
     </p:extLst>
   </p:cSld>
@@ -7019,20 +6966,20 @@
     </p:spTree>
     <p:extLst>
       <p:ext uri="{BB962C8B-B14F-4D97-AF65-F5344CB8AC3E}">
-        <p14:creationId xmlns:p14="http://schemas.microsoft.com/office/powerpoint/2010/main" xmlns="" val="855986350"/>
+        <p14:creationId xmlns:p14="http://schemas.microsoft.com/office/powerpoint/2010/main" val="855986350"/>
       </p:ext>
     </p:extLst>
   </p:cSld>
   <p:clrMapOvr>
     <a:masterClrMapping/>
   </p:clrMapOvr>
-  <mc:AlternateContent xmlns:mc="http://schemas.openxmlformats.org/markup-compatibility/2006">
-    <mc:Choice xmlns:p14="http://schemas.microsoft.com/office/powerpoint/2010/main" xmlns="" Requires="p14">
+  <mc:AlternateContent xmlns:mc="http://schemas.openxmlformats.org/markup-compatibility/2006" xmlns:p14="http://schemas.microsoft.com/office/powerpoint/2010/main">
+    <mc:Choice Requires="p14">
       <p:transition spd="med" p14:dur="700">
         <p:fade/>
       </p:transition>
     </mc:Choice>
-    <mc:Fallback>
+    <mc:Fallback xmlns="">
       <p:transition spd="med">
         <p:fade/>
       </p:transition>
@@ -8283,20 +8230,20 @@
     </p:spTree>
     <p:extLst>
       <p:ext uri="{BB962C8B-B14F-4D97-AF65-F5344CB8AC3E}">
-        <p14:creationId xmlns:p14="http://schemas.microsoft.com/office/powerpoint/2010/main" xmlns="" val="2681623969"/>
+        <p14:creationId xmlns:p14="http://schemas.microsoft.com/office/powerpoint/2010/main" val="2681623969"/>
       </p:ext>
     </p:extLst>
   </p:cSld>
   <p:clrMapOvr>
     <a:masterClrMapping/>
   </p:clrMapOvr>
-  <mc:AlternateContent xmlns:mc="http://schemas.openxmlformats.org/markup-compatibility/2006">
-    <mc:Choice xmlns:p14="http://schemas.microsoft.com/office/powerpoint/2010/main" xmlns="" Requires="p14">
+  <mc:AlternateContent xmlns:mc="http://schemas.openxmlformats.org/markup-compatibility/2006" xmlns:p14="http://schemas.microsoft.com/office/powerpoint/2010/main">
+    <mc:Choice Requires="p14">
       <p:transition spd="med" p14:dur="700">
         <p:fade/>
       </p:transition>
     </mc:Choice>
-    <mc:Fallback>
+    <mc:Fallback xmlns="">
       <p:transition spd="med">
         <p:fade/>
       </p:transition>
@@ -8517,20 +8464,20 @@
     </p:spTree>
     <p:extLst>
       <p:ext uri="{BB962C8B-B14F-4D97-AF65-F5344CB8AC3E}">
-        <p14:creationId xmlns:p14="http://schemas.microsoft.com/office/powerpoint/2010/main" xmlns="" val="2358963330"/>
+        <p14:creationId xmlns:p14="http://schemas.microsoft.com/office/powerpoint/2010/main" val="2358963330"/>
       </p:ext>
     </p:extLst>
   </p:cSld>
   <p:clrMapOvr>
     <a:masterClrMapping/>
   </p:clrMapOvr>
-  <mc:AlternateContent xmlns:mc="http://schemas.openxmlformats.org/markup-compatibility/2006">
-    <mc:Choice xmlns:p14="http://schemas.microsoft.com/office/powerpoint/2010/main" xmlns="" Requires="p14">
+  <mc:AlternateContent xmlns:mc="http://schemas.openxmlformats.org/markup-compatibility/2006" xmlns:p14="http://schemas.microsoft.com/office/powerpoint/2010/main">
+    <mc:Choice Requires="p14">
       <p:transition spd="med" p14:dur="700">
         <p:fade/>
       </p:transition>
     </mc:Choice>
-    <mc:Fallback>
+    <mc:Fallback xmlns="">
       <p:transition spd="med">
         <p:fade/>
       </p:transition>
@@ -8979,7 +8926,7 @@
           <a:blip r:embed="rId3">
             <a:extLst>
               <a:ext uri="{28A0092B-C50C-407E-A947-70E740481C1C}">
-                <a14:useLocalDpi xmlns:a14="http://schemas.microsoft.com/office/drawing/2010/main" xmlns="" val="0"/>
+                <a14:useLocalDpi xmlns:a14="http://schemas.microsoft.com/office/drawing/2010/main" val="0"/>
               </a:ext>
             </a:extLst>
           </a:blip>
@@ -8989,7 +8936,7 @@
         </p:blipFill>
         <p:spPr>
           <a:xfrm>
-            <a:off x="1182223" y="1489997"/>
+            <a:off x="1331640" y="1489997"/>
             <a:ext cx="6675925" cy="4294062"/>
           </a:xfrm>
           <a:prstGeom prst="rect">
@@ -9015,7 +8962,7 @@
           <a:blip r:embed="rId4">
             <a:extLst>
               <a:ext uri="{28A0092B-C50C-407E-A947-70E740481C1C}">
-                <a14:useLocalDpi xmlns:a14="http://schemas.microsoft.com/office/drawing/2010/main" xmlns="" val="0"/>
+                <a14:useLocalDpi xmlns:a14="http://schemas.microsoft.com/office/drawing/2010/main" val="0"/>
               </a:ext>
             </a:extLst>
           </a:blip>
@@ -9025,7 +8972,7 @@
         </p:blipFill>
         <p:spPr>
           <a:xfrm>
-            <a:off x="1203510" y="1517908"/>
+            <a:off x="1331640" y="1517908"/>
             <a:ext cx="6726076" cy="4320000"/>
           </a:xfrm>
           <a:prstGeom prst="rect">
@@ -9151,20 +9098,20 @@
     </p:spTree>
     <p:extLst>
       <p:ext uri="{BB962C8B-B14F-4D97-AF65-F5344CB8AC3E}">
-        <p14:creationId xmlns:p14="http://schemas.microsoft.com/office/powerpoint/2010/main" xmlns="" val="2996602330"/>
+        <p14:creationId xmlns:p14="http://schemas.microsoft.com/office/powerpoint/2010/main" val="2996602330"/>
       </p:ext>
     </p:extLst>
   </p:cSld>
   <p:clrMapOvr>
     <a:masterClrMapping/>
   </p:clrMapOvr>
-  <mc:AlternateContent xmlns:mc="http://schemas.openxmlformats.org/markup-compatibility/2006">
-    <mc:Choice xmlns:p14="http://schemas.microsoft.com/office/powerpoint/2010/main" xmlns="" Requires="p14">
+  <mc:AlternateContent xmlns:mc="http://schemas.openxmlformats.org/markup-compatibility/2006" xmlns:p14="http://schemas.microsoft.com/office/powerpoint/2010/main">
+    <mc:Choice Requires="p14">
       <p:transition spd="med" p14:dur="700">
         <p:fade/>
       </p:transition>
     </mc:Choice>
-    <mc:Fallback>
+    <mc:Fallback xmlns="">
       <p:transition spd="med">
         <p:fade/>
       </p:transition>
@@ -9660,7 +9607,7 @@
           <p:nvPr>
             <p:extLst>
               <p:ext uri="{D42A27DB-BD31-4B8C-83A1-F6EECF244321}">
-                <p14:modId xmlns:p14="http://schemas.microsoft.com/office/powerpoint/2010/main" xmlns="" val="3426541184"/>
+                <p14:modId xmlns:p14="http://schemas.microsoft.com/office/powerpoint/2010/main" val="3426541184"/>
               </p:ext>
             </p:extLst>
           </p:nvPr>
@@ -9686,49 +9633,49 @@
                 <a:gridCol w="954040">
                   <a:extLst>
                     <a:ext uri="{9D8B030D-6E8A-4147-A177-3AD203B41FA5}">
-                      <a16:colId xmlns:a16="http://schemas.microsoft.com/office/drawing/2014/main" xmlns="" val="1216206440"/>
+                      <a16:colId xmlns:a16="http://schemas.microsoft.com/office/drawing/2014/main" val="1216206440"/>
                     </a:ext>
                   </a:extLst>
                 </a:gridCol>
                 <a:gridCol w="953429">
                   <a:extLst>
                     <a:ext uri="{9D8B030D-6E8A-4147-A177-3AD203B41FA5}">
-                      <a16:colId xmlns:a16="http://schemas.microsoft.com/office/drawing/2014/main" xmlns="" val="1010552086"/>
+                      <a16:colId xmlns:a16="http://schemas.microsoft.com/office/drawing/2014/main" val="1010552086"/>
                     </a:ext>
                   </a:extLst>
                 </a:gridCol>
                 <a:gridCol w="953429">
                   <a:extLst>
                     <a:ext uri="{9D8B030D-6E8A-4147-A177-3AD203B41FA5}">
-                      <a16:colId xmlns:a16="http://schemas.microsoft.com/office/drawing/2014/main" xmlns="" val="1177101393"/>
+                      <a16:colId xmlns:a16="http://schemas.microsoft.com/office/drawing/2014/main" val="1177101393"/>
                     </a:ext>
                   </a:extLst>
                 </a:gridCol>
                 <a:gridCol w="867199">
                   <a:extLst>
                     <a:ext uri="{9D8B030D-6E8A-4147-A177-3AD203B41FA5}">
-                      <a16:colId xmlns:a16="http://schemas.microsoft.com/office/drawing/2014/main" xmlns="" val="3181440363"/>
+                      <a16:colId xmlns:a16="http://schemas.microsoft.com/office/drawing/2014/main" val="3181440363"/>
                     </a:ext>
                   </a:extLst>
                 </a:gridCol>
                 <a:gridCol w="953429">
                   <a:extLst>
                     <a:ext uri="{9D8B030D-6E8A-4147-A177-3AD203B41FA5}">
-                      <a16:colId xmlns:a16="http://schemas.microsoft.com/office/drawing/2014/main" xmlns="" val="280150196"/>
+                      <a16:colId xmlns:a16="http://schemas.microsoft.com/office/drawing/2014/main" val="280150196"/>
                     </a:ext>
                   </a:extLst>
                 </a:gridCol>
                 <a:gridCol w="953429">
                   <a:extLst>
                     <a:ext uri="{9D8B030D-6E8A-4147-A177-3AD203B41FA5}">
-                      <a16:colId xmlns:a16="http://schemas.microsoft.com/office/drawing/2014/main" xmlns="" val="3133269368"/>
+                      <a16:colId xmlns:a16="http://schemas.microsoft.com/office/drawing/2014/main" val="3133269368"/>
                     </a:ext>
                   </a:extLst>
                 </a:gridCol>
                 <a:gridCol w="953429">
                   <a:extLst>
                     <a:ext uri="{9D8B030D-6E8A-4147-A177-3AD203B41FA5}">
-                      <a16:colId xmlns:a16="http://schemas.microsoft.com/office/drawing/2014/main" xmlns="" val="1475204476"/>
+                      <a16:colId xmlns:a16="http://schemas.microsoft.com/office/drawing/2014/main" val="1475204476"/>
                     </a:ext>
                   </a:extLst>
                 </a:gridCol>
@@ -9967,7 +9914,7 @@
                 </a:tc>
                 <a:extLst>
                   <a:ext uri="{0D108BD9-81ED-4DB2-BD59-A6C34878D82A}">
-                    <a16:rowId xmlns:a16="http://schemas.microsoft.com/office/drawing/2014/main" xmlns="" val="302130873"/>
+                    <a16:rowId xmlns:a16="http://schemas.microsoft.com/office/drawing/2014/main" val="302130873"/>
                   </a:ext>
                 </a:extLst>
               </a:tr>
@@ -11487,7 +11434,7 @@
                 </a:tc>
                 <a:extLst>
                   <a:ext uri="{0D108BD9-81ED-4DB2-BD59-A6C34878D82A}">
-                    <a16:rowId xmlns:a16="http://schemas.microsoft.com/office/drawing/2014/main" xmlns="" val="1204424997"/>
+                    <a16:rowId xmlns:a16="http://schemas.microsoft.com/office/drawing/2014/main" val="1204424997"/>
                   </a:ext>
                 </a:extLst>
               </a:tr>
@@ -11683,7 +11630,7 @@
                 </a:tc>
                 <a:extLst>
                   <a:ext uri="{0D108BD9-81ED-4DB2-BD59-A6C34878D82A}">
-                    <a16:rowId xmlns:a16="http://schemas.microsoft.com/office/drawing/2014/main" xmlns="" val="806001306"/>
+                    <a16:rowId xmlns:a16="http://schemas.microsoft.com/office/drawing/2014/main" val="806001306"/>
                   </a:ext>
                 </a:extLst>
               </a:tr>
@@ -13210,7 +13157,7 @@
                 </a:tc>
                 <a:extLst>
                   <a:ext uri="{0D108BD9-81ED-4DB2-BD59-A6C34878D82A}">
-                    <a16:rowId xmlns:a16="http://schemas.microsoft.com/office/drawing/2014/main" xmlns="" val="156114176"/>
+                    <a16:rowId xmlns:a16="http://schemas.microsoft.com/office/drawing/2014/main" val="156114176"/>
                   </a:ext>
                 </a:extLst>
               </a:tr>
@@ -13264,20 +13211,20 @@
     </p:spTree>
     <p:extLst>
       <p:ext uri="{BB962C8B-B14F-4D97-AF65-F5344CB8AC3E}">
-        <p14:creationId xmlns:p14="http://schemas.microsoft.com/office/powerpoint/2010/main" xmlns="" val="2655739297"/>
+        <p14:creationId xmlns:p14="http://schemas.microsoft.com/office/powerpoint/2010/main" val="2655739297"/>
       </p:ext>
     </p:extLst>
   </p:cSld>
   <p:clrMapOvr>
     <a:masterClrMapping/>
   </p:clrMapOvr>
-  <mc:AlternateContent xmlns:mc="http://schemas.openxmlformats.org/markup-compatibility/2006">
-    <mc:Choice xmlns:p14="http://schemas.microsoft.com/office/powerpoint/2010/main" xmlns="" Requires="p14">
+  <mc:AlternateContent xmlns:mc="http://schemas.openxmlformats.org/markup-compatibility/2006" xmlns:p14="http://schemas.microsoft.com/office/powerpoint/2010/main">
+    <mc:Choice Requires="p14">
       <p:transition spd="med" p14:dur="700">
         <p:fade/>
       </p:transition>
     </mc:Choice>
-    <mc:Fallback>
+    <mc:Fallback xmlns="">
       <p:transition spd="med">
         <p:fade/>
       </p:transition>
@@ -13319,7 +13266,7 @@
           <p:nvPr>
             <p:extLst>
               <p:ext uri="{D42A27DB-BD31-4B8C-83A1-F6EECF244321}">
-                <p14:modId xmlns:p14="http://schemas.microsoft.com/office/powerpoint/2010/main" xmlns="" val="842814161"/>
+                <p14:modId xmlns:p14="http://schemas.microsoft.com/office/powerpoint/2010/main" val="842814161"/>
               </p:ext>
             </p:extLst>
           </p:nvPr>
@@ -13345,49 +13292,49 @@
                 <a:gridCol w="954040">
                   <a:extLst>
                     <a:ext uri="{9D8B030D-6E8A-4147-A177-3AD203B41FA5}">
-                      <a16:colId xmlns:a16="http://schemas.microsoft.com/office/drawing/2014/main" xmlns="" val="329924428"/>
+                      <a16:colId xmlns:a16="http://schemas.microsoft.com/office/drawing/2014/main" val="329924428"/>
                     </a:ext>
                   </a:extLst>
                 </a:gridCol>
                 <a:gridCol w="953429">
                   <a:extLst>
                     <a:ext uri="{9D8B030D-6E8A-4147-A177-3AD203B41FA5}">
-                      <a16:colId xmlns:a16="http://schemas.microsoft.com/office/drawing/2014/main" xmlns="" val="384900160"/>
+                      <a16:colId xmlns:a16="http://schemas.microsoft.com/office/drawing/2014/main" val="384900160"/>
                     </a:ext>
                   </a:extLst>
                 </a:gridCol>
                 <a:gridCol w="953429">
                   <a:extLst>
                     <a:ext uri="{9D8B030D-6E8A-4147-A177-3AD203B41FA5}">
-                      <a16:colId xmlns:a16="http://schemas.microsoft.com/office/drawing/2014/main" xmlns="" val="1296753231"/>
+                      <a16:colId xmlns:a16="http://schemas.microsoft.com/office/drawing/2014/main" val="1296753231"/>
                     </a:ext>
                   </a:extLst>
                 </a:gridCol>
                 <a:gridCol w="867199">
                   <a:extLst>
                     <a:ext uri="{9D8B030D-6E8A-4147-A177-3AD203B41FA5}">
-                      <a16:colId xmlns:a16="http://schemas.microsoft.com/office/drawing/2014/main" xmlns="" val="4136059562"/>
+                      <a16:colId xmlns:a16="http://schemas.microsoft.com/office/drawing/2014/main" val="4136059562"/>
                     </a:ext>
                   </a:extLst>
                 </a:gridCol>
                 <a:gridCol w="953429">
                   <a:extLst>
                     <a:ext uri="{9D8B030D-6E8A-4147-A177-3AD203B41FA5}">
-                      <a16:colId xmlns:a16="http://schemas.microsoft.com/office/drawing/2014/main" xmlns="" val="2567971475"/>
+                      <a16:colId xmlns:a16="http://schemas.microsoft.com/office/drawing/2014/main" val="2567971475"/>
                     </a:ext>
                   </a:extLst>
                 </a:gridCol>
                 <a:gridCol w="953429">
                   <a:extLst>
                     <a:ext uri="{9D8B030D-6E8A-4147-A177-3AD203B41FA5}">
-                      <a16:colId xmlns:a16="http://schemas.microsoft.com/office/drawing/2014/main" xmlns="" val="4221942705"/>
+                      <a16:colId xmlns:a16="http://schemas.microsoft.com/office/drawing/2014/main" val="4221942705"/>
                     </a:ext>
                   </a:extLst>
                 </a:gridCol>
                 <a:gridCol w="953429">
                   <a:extLst>
                     <a:ext uri="{9D8B030D-6E8A-4147-A177-3AD203B41FA5}">
-                      <a16:colId xmlns:a16="http://schemas.microsoft.com/office/drawing/2014/main" xmlns="" val="3245797509"/>
+                      <a16:colId xmlns:a16="http://schemas.microsoft.com/office/drawing/2014/main" val="3245797509"/>
                     </a:ext>
                   </a:extLst>
                 </a:gridCol>
@@ -14153,7 +14100,7 @@
                 </a:tc>
                 <a:extLst>
                   <a:ext uri="{0D108BD9-81ED-4DB2-BD59-A6C34878D82A}">
-                    <a16:rowId xmlns:a16="http://schemas.microsoft.com/office/drawing/2014/main" xmlns="" val="3903378234"/>
+                    <a16:rowId xmlns:a16="http://schemas.microsoft.com/office/drawing/2014/main" val="3903378234"/>
                   </a:ext>
                 </a:extLst>
               </a:tr>
@@ -14208,7 +14155,7 @@
           <p:nvPr>
             <p:extLst>
               <p:ext uri="{D42A27DB-BD31-4B8C-83A1-F6EECF244321}">
-                <p14:modId xmlns:p14="http://schemas.microsoft.com/office/powerpoint/2010/main" xmlns="" val="3454861698"/>
+                <p14:modId xmlns:p14="http://schemas.microsoft.com/office/powerpoint/2010/main" val="3454861698"/>
               </p:ext>
             </p:extLst>
           </p:nvPr>
@@ -14234,49 +14181,49 @@
                 <a:gridCol w="954040">
                   <a:extLst>
                     <a:ext uri="{9D8B030D-6E8A-4147-A177-3AD203B41FA5}">
-                      <a16:colId xmlns:a16="http://schemas.microsoft.com/office/drawing/2014/main" xmlns="" val="1216206440"/>
+                      <a16:colId xmlns:a16="http://schemas.microsoft.com/office/drawing/2014/main" val="1216206440"/>
                     </a:ext>
                   </a:extLst>
                 </a:gridCol>
                 <a:gridCol w="953429">
                   <a:extLst>
                     <a:ext uri="{9D8B030D-6E8A-4147-A177-3AD203B41FA5}">
-                      <a16:colId xmlns:a16="http://schemas.microsoft.com/office/drawing/2014/main" xmlns="" val="1010552086"/>
+                      <a16:colId xmlns:a16="http://schemas.microsoft.com/office/drawing/2014/main" val="1010552086"/>
                     </a:ext>
                   </a:extLst>
                 </a:gridCol>
                 <a:gridCol w="953429">
                   <a:extLst>
                     <a:ext uri="{9D8B030D-6E8A-4147-A177-3AD203B41FA5}">
-                      <a16:colId xmlns:a16="http://schemas.microsoft.com/office/drawing/2014/main" xmlns="" val="1177101393"/>
+                      <a16:colId xmlns:a16="http://schemas.microsoft.com/office/drawing/2014/main" val="1177101393"/>
                     </a:ext>
                   </a:extLst>
                 </a:gridCol>
                 <a:gridCol w="867199">
                   <a:extLst>
                     <a:ext uri="{9D8B030D-6E8A-4147-A177-3AD203B41FA5}">
-                      <a16:colId xmlns:a16="http://schemas.microsoft.com/office/drawing/2014/main" xmlns="" val="3181440363"/>
+                      <a16:colId xmlns:a16="http://schemas.microsoft.com/office/drawing/2014/main" val="3181440363"/>
                     </a:ext>
                   </a:extLst>
                 </a:gridCol>
                 <a:gridCol w="953429">
                   <a:extLst>
                     <a:ext uri="{9D8B030D-6E8A-4147-A177-3AD203B41FA5}">
-                      <a16:colId xmlns:a16="http://schemas.microsoft.com/office/drawing/2014/main" xmlns="" val="280150196"/>
+                      <a16:colId xmlns:a16="http://schemas.microsoft.com/office/drawing/2014/main" val="280150196"/>
                     </a:ext>
                   </a:extLst>
                 </a:gridCol>
                 <a:gridCol w="953429">
                   <a:extLst>
                     <a:ext uri="{9D8B030D-6E8A-4147-A177-3AD203B41FA5}">
-                      <a16:colId xmlns:a16="http://schemas.microsoft.com/office/drawing/2014/main" xmlns="" val="3133269368"/>
+                      <a16:colId xmlns:a16="http://schemas.microsoft.com/office/drawing/2014/main" val="3133269368"/>
                     </a:ext>
                   </a:extLst>
                 </a:gridCol>
                 <a:gridCol w="953429">
                   <a:extLst>
                     <a:ext uri="{9D8B030D-6E8A-4147-A177-3AD203B41FA5}">
-                      <a16:colId xmlns:a16="http://schemas.microsoft.com/office/drawing/2014/main" xmlns="" val="1475204476"/>
+                      <a16:colId xmlns:a16="http://schemas.microsoft.com/office/drawing/2014/main" val="1475204476"/>
                     </a:ext>
                   </a:extLst>
                 </a:gridCol>
@@ -14545,7 +14492,7 @@
                 </a:tc>
                 <a:extLst>
                   <a:ext uri="{0D108BD9-81ED-4DB2-BD59-A6C34878D82A}">
-                    <a16:rowId xmlns:a16="http://schemas.microsoft.com/office/drawing/2014/main" xmlns="" val="2745901854"/>
+                    <a16:rowId xmlns:a16="http://schemas.microsoft.com/office/drawing/2014/main" val="2745901854"/>
                   </a:ext>
                 </a:extLst>
               </a:tr>
@@ -16057,7 +16004,7 @@
                 </a:tc>
                 <a:extLst>
                   <a:ext uri="{0D108BD9-81ED-4DB2-BD59-A6C34878D82A}">
-                    <a16:rowId xmlns:a16="http://schemas.microsoft.com/office/drawing/2014/main" xmlns="" val="903295804"/>
+                    <a16:rowId xmlns:a16="http://schemas.microsoft.com/office/drawing/2014/main" val="903295804"/>
                   </a:ext>
                 </a:extLst>
               </a:tr>
@@ -16253,7 +16200,7 @@
                 </a:tc>
                 <a:extLst>
                   <a:ext uri="{0D108BD9-81ED-4DB2-BD59-A6C34878D82A}">
-                    <a16:rowId xmlns:a16="http://schemas.microsoft.com/office/drawing/2014/main" xmlns="" val="440239752"/>
+                    <a16:rowId xmlns:a16="http://schemas.microsoft.com/office/drawing/2014/main" val="440239752"/>
                   </a:ext>
                 </a:extLst>
               </a:tr>
@@ -17025,7 +16972,7 @@
                 </a:tc>
                 <a:extLst>
                   <a:ext uri="{0D108BD9-81ED-4DB2-BD59-A6C34878D82A}">
-                    <a16:rowId xmlns:a16="http://schemas.microsoft.com/office/drawing/2014/main" xmlns="" val="1978111144"/>
+                    <a16:rowId xmlns:a16="http://schemas.microsoft.com/office/drawing/2014/main" val="1978111144"/>
                   </a:ext>
                 </a:extLst>
               </a:tr>
@@ -17036,7 +16983,7 @@
     </p:spTree>
     <p:extLst>
       <p:ext uri="{BB962C8B-B14F-4D97-AF65-F5344CB8AC3E}">
-        <p14:creationId xmlns:p14="http://schemas.microsoft.com/office/powerpoint/2010/main" xmlns="" val="3949247166"/>
+        <p14:creationId xmlns:p14="http://schemas.microsoft.com/office/powerpoint/2010/main" val="3949247166"/>
       </p:ext>
     </p:extLst>
   </p:cSld>
@@ -17261,20 +17208,20 @@
     </p:spTree>
     <p:extLst>
       <p:ext uri="{BB962C8B-B14F-4D97-AF65-F5344CB8AC3E}">
-        <p14:creationId xmlns:p14="http://schemas.microsoft.com/office/powerpoint/2010/main" xmlns="" val="3419321070"/>
+        <p14:creationId xmlns:p14="http://schemas.microsoft.com/office/powerpoint/2010/main" val="3419321070"/>
       </p:ext>
     </p:extLst>
   </p:cSld>
   <p:clrMapOvr>
     <a:masterClrMapping/>
   </p:clrMapOvr>
-  <mc:AlternateContent xmlns:mc="http://schemas.openxmlformats.org/markup-compatibility/2006">
-    <mc:Choice xmlns:p14="http://schemas.microsoft.com/office/powerpoint/2010/main" xmlns="" Requires="p14">
+  <mc:AlternateContent xmlns:mc="http://schemas.openxmlformats.org/markup-compatibility/2006" xmlns:p14="http://schemas.microsoft.com/office/powerpoint/2010/main">
+    <mc:Choice Requires="p14">
       <p:transition spd="med" p14:dur="700">
         <p:fade/>
       </p:transition>
     </mc:Choice>
-    <mc:Fallback>
+    <mc:Fallback xmlns="">
       <p:transition spd="med">
         <p:fade/>
       </p:transition>
@@ -17990,20 +17937,20 @@
     </p:spTree>
     <p:extLst>
       <p:ext uri="{BB962C8B-B14F-4D97-AF65-F5344CB8AC3E}">
-        <p14:creationId xmlns:p14="http://schemas.microsoft.com/office/powerpoint/2010/main" xmlns="" val="750440370"/>
+        <p14:creationId xmlns:p14="http://schemas.microsoft.com/office/powerpoint/2010/main" val="750440370"/>
       </p:ext>
     </p:extLst>
   </p:cSld>
   <p:clrMapOvr>
     <a:masterClrMapping/>
   </p:clrMapOvr>
-  <mc:AlternateContent xmlns:mc="http://schemas.openxmlformats.org/markup-compatibility/2006">
-    <mc:Choice xmlns:p14="http://schemas.microsoft.com/office/powerpoint/2010/main" xmlns="" Requires="p14">
+  <mc:AlternateContent xmlns:mc="http://schemas.openxmlformats.org/markup-compatibility/2006" xmlns:p14="http://schemas.microsoft.com/office/powerpoint/2010/main">
+    <mc:Choice Requires="p14">
       <p:transition spd="med" p14:dur="700">
         <p:fade/>
       </p:transition>
     </mc:Choice>
-    <mc:Fallback>
+    <mc:Fallback xmlns="">
       <p:transition spd="med">
         <p:fade/>
       </p:transition>
@@ -18246,20 +18193,20 @@
     </p:spTree>
     <p:extLst>
       <p:ext uri="{BB962C8B-B14F-4D97-AF65-F5344CB8AC3E}">
-        <p14:creationId xmlns:p14="http://schemas.microsoft.com/office/powerpoint/2010/main" xmlns="" val="899693224"/>
+        <p14:creationId xmlns:p14="http://schemas.microsoft.com/office/powerpoint/2010/main" val="899693224"/>
       </p:ext>
     </p:extLst>
   </p:cSld>
   <p:clrMapOvr>
     <a:masterClrMapping/>
   </p:clrMapOvr>
-  <mc:AlternateContent xmlns:mc="http://schemas.openxmlformats.org/markup-compatibility/2006">
-    <mc:Choice xmlns:p14="http://schemas.microsoft.com/office/powerpoint/2010/main" xmlns="" Requires="p14">
+  <mc:AlternateContent xmlns:mc="http://schemas.openxmlformats.org/markup-compatibility/2006" xmlns:p14="http://schemas.microsoft.com/office/powerpoint/2010/main">
+    <mc:Choice Requires="p14">
       <p:transition spd="med" p14:dur="700">
         <p:fade/>
       </p:transition>
     </mc:Choice>
-    <mc:Fallback>
+    <mc:Fallback xmlns="">
       <p:transition spd="med">
         <p:fade/>
       </p:transition>
@@ -18742,7 +18689,7 @@
           <a:blip r:embed="rId3" cstate="print">
             <a:extLst>
               <a:ext uri="{28A0092B-C50C-407E-A947-70E740481C1C}">
-                <a14:useLocalDpi xmlns:a14="http://schemas.microsoft.com/office/drawing/2010/main" xmlns="" val="0"/>
+                <a14:useLocalDpi xmlns:a14="http://schemas.microsoft.com/office/drawing/2010/main" val="0"/>
               </a:ext>
             </a:extLst>
           </a:blip>
@@ -18806,20 +18753,20 @@
     </p:spTree>
     <p:extLst>
       <p:ext uri="{BB962C8B-B14F-4D97-AF65-F5344CB8AC3E}">
-        <p14:creationId xmlns:p14="http://schemas.microsoft.com/office/powerpoint/2010/main" xmlns="" val="1609730093"/>
+        <p14:creationId xmlns:p14="http://schemas.microsoft.com/office/powerpoint/2010/main" val="1609730093"/>
       </p:ext>
     </p:extLst>
   </p:cSld>
   <p:clrMapOvr>
     <a:masterClrMapping/>
   </p:clrMapOvr>
-  <mc:AlternateContent xmlns:mc="http://schemas.openxmlformats.org/markup-compatibility/2006">
-    <mc:Choice xmlns:p14="http://schemas.microsoft.com/office/powerpoint/2010/main" xmlns="" Requires="p14">
+  <mc:AlternateContent xmlns:mc="http://schemas.openxmlformats.org/markup-compatibility/2006" xmlns:p14="http://schemas.microsoft.com/office/powerpoint/2010/main">
+    <mc:Choice Requires="p14">
       <p:transition spd="med" p14:dur="700">
         <p:fade/>
       </p:transition>
     </mc:Choice>
-    <mc:Fallback>
+    <mc:Fallback xmlns="">
       <p:transition spd="med">
         <p:fade/>
       </p:transition>
@@ -19434,7 +19381,7 @@
           <a:blip r:embed="rId3">
             <a:extLst>
               <a:ext uri="{28A0092B-C50C-407E-A947-70E740481C1C}">
-                <a14:useLocalDpi xmlns:a14="http://schemas.microsoft.com/office/drawing/2010/main" xmlns="" val="0"/>
+                <a14:useLocalDpi xmlns:a14="http://schemas.microsoft.com/office/drawing/2010/main" val="0"/>
               </a:ext>
             </a:extLst>
           </a:blip>
@@ -19455,20 +19402,20 @@
     </p:spTree>
     <p:extLst>
       <p:ext uri="{BB962C8B-B14F-4D97-AF65-F5344CB8AC3E}">
-        <p14:creationId xmlns:p14="http://schemas.microsoft.com/office/powerpoint/2010/main" xmlns="" val="3811035854"/>
+        <p14:creationId xmlns:p14="http://schemas.microsoft.com/office/powerpoint/2010/main" val="3811035854"/>
       </p:ext>
     </p:extLst>
   </p:cSld>
   <p:clrMapOvr>
     <a:masterClrMapping/>
   </p:clrMapOvr>
-  <mc:AlternateContent xmlns:mc="http://schemas.openxmlformats.org/markup-compatibility/2006">
-    <mc:Choice xmlns:p14="http://schemas.microsoft.com/office/powerpoint/2010/main" xmlns="" Requires="p14">
+  <mc:AlternateContent xmlns:mc="http://schemas.openxmlformats.org/markup-compatibility/2006" xmlns:p14="http://schemas.microsoft.com/office/powerpoint/2010/main">
+    <mc:Choice Requires="p14">
       <p:transition spd="med" p14:dur="700">
         <p:fade/>
       </p:transition>
     </mc:Choice>
-    <mc:Fallback>
+    <mc:Fallback xmlns="">
       <p:transition spd="med">
         <p:fade/>
       </p:transition>
@@ -19673,20 +19620,20 @@
     </p:spTree>
     <p:extLst>
       <p:ext uri="{BB962C8B-B14F-4D97-AF65-F5344CB8AC3E}">
-        <p14:creationId xmlns:p14="http://schemas.microsoft.com/office/powerpoint/2010/main" xmlns="" val="3836861919"/>
+        <p14:creationId xmlns:p14="http://schemas.microsoft.com/office/powerpoint/2010/main" val="3836861919"/>
       </p:ext>
     </p:extLst>
   </p:cSld>
   <p:clrMapOvr>
     <a:masterClrMapping/>
   </p:clrMapOvr>
-  <mc:AlternateContent xmlns:mc="http://schemas.openxmlformats.org/markup-compatibility/2006">
-    <mc:Choice xmlns:p14="http://schemas.microsoft.com/office/powerpoint/2010/main" xmlns="" Requires="p14">
+  <mc:AlternateContent xmlns:mc="http://schemas.openxmlformats.org/markup-compatibility/2006" xmlns:p14="http://schemas.microsoft.com/office/powerpoint/2010/main">
+    <mc:Choice Requires="p14">
       <p:transition spd="med" p14:dur="700">
         <p:fade/>
       </p:transition>
     </mc:Choice>
-    <mc:Fallback>
+    <mc:Fallback xmlns="">
       <p:transition spd="med">
         <p:fade/>
       </p:transition>
@@ -20221,7 +20168,7 @@
           <a:blip r:embed="rId3">
             <a:extLst>
               <a:ext uri="{28A0092B-C50C-407E-A947-70E740481C1C}">
-                <a14:useLocalDpi xmlns:a14="http://schemas.microsoft.com/office/drawing/2010/main" xmlns="" val="0"/>
+                <a14:useLocalDpi xmlns:a14="http://schemas.microsoft.com/office/drawing/2010/main" val="0"/>
               </a:ext>
             </a:extLst>
           </a:blip>
@@ -20242,20 +20189,20 @@
     </p:spTree>
     <p:extLst>
       <p:ext uri="{BB962C8B-B14F-4D97-AF65-F5344CB8AC3E}">
-        <p14:creationId xmlns:p14="http://schemas.microsoft.com/office/powerpoint/2010/main" xmlns="" val="3220462730"/>
+        <p14:creationId xmlns:p14="http://schemas.microsoft.com/office/powerpoint/2010/main" val="3220462730"/>
       </p:ext>
     </p:extLst>
   </p:cSld>
   <p:clrMapOvr>
     <a:masterClrMapping/>
   </p:clrMapOvr>
-  <mc:AlternateContent xmlns:mc="http://schemas.openxmlformats.org/markup-compatibility/2006">
-    <mc:Choice xmlns:p14="http://schemas.microsoft.com/office/powerpoint/2010/main" xmlns="" Requires="p14">
+  <mc:AlternateContent xmlns:mc="http://schemas.openxmlformats.org/markup-compatibility/2006" xmlns:p14="http://schemas.microsoft.com/office/powerpoint/2010/main">
+    <mc:Choice Requires="p14">
       <p:transition spd="med" p14:dur="700">
         <p:fade/>
       </p:transition>
     </mc:Choice>
-    <mc:Fallback>
+    <mc:Fallback xmlns="">
       <p:transition spd="med">
         <p:fade/>
       </p:transition>
@@ -20790,7 +20737,7 @@
           <a:blip r:embed="rId3">
             <a:extLst>
               <a:ext uri="{28A0092B-C50C-407E-A947-70E740481C1C}">
-                <a14:useLocalDpi xmlns:a14="http://schemas.microsoft.com/office/drawing/2010/main" xmlns="" val="0"/>
+                <a14:useLocalDpi xmlns:a14="http://schemas.microsoft.com/office/drawing/2010/main" val="0"/>
               </a:ext>
             </a:extLst>
           </a:blip>
@@ -20811,20 +20758,20 @@
     </p:spTree>
     <p:extLst>
       <p:ext uri="{BB962C8B-B14F-4D97-AF65-F5344CB8AC3E}">
-        <p14:creationId xmlns:p14="http://schemas.microsoft.com/office/powerpoint/2010/main" xmlns="" val="1910678048"/>
+        <p14:creationId xmlns:p14="http://schemas.microsoft.com/office/powerpoint/2010/main" val="1910678048"/>
       </p:ext>
     </p:extLst>
   </p:cSld>
   <p:clrMapOvr>
     <a:masterClrMapping/>
   </p:clrMapOvr>
-  <mc:AlternateContent xmlns:mc="http://schemas.openxmlformats.org/markup-compatibility/2006">
-    <mc:Choice xmlns:p14="http://schemas.microsoft.com/office/powerpoint/2010/main" xmlns="" Requires="p14">
+  <mc:AlternateContent xmlns:mc="http://schemas.openxmlformats.org/markup-compatibility/2006" xmlns:p14="http://schemas.microsoft.com/office/powerpoint/2010/main">
+    <mc:Choice Requires="p14">
       <p:transition spd="med" p14:dur="700">
         <p:fade/>
       </p:transition>
     </mc:Choice>
-    <mc:Fallback>
+    <mc:Fallback xmlns="">
       <p:transition spd="med">
         <p:fade/>
       </p:transition>
@@ -21121,20 +21068,20 @@
     </p:spTree>
     <p:extLst>
       <p:ext uri="{BB962C8B-B14F-4D97-AF65-F5344CB8AC3E}">
-        <p14:creationId xmlns:p14="http://schemas.microsoft.com/office/powerpoint/2010/main" xmlns="" val="2323953954"/>
+        <p14:creationId xmlns:p14="http://schemas.microsoft.com/office/powerpoint/2010/main" val="2323953954"/>
       </p:ext>
     </p:extLst>
   </p:cSld>
   <p:clrMapOvr>
     <a:masterClrMapping/>
   </p:clrMapOvr>
-  <mc:AlternateContent xmlns:mc="http://schemas.openxmlformats.org/markup-compatibility/2006">
-    <mc:Choice xmlns:p14="http://schemas.microsoft.com/office/powerpoint/2010/main" xmlns="" Requires="p14">
+  <mc:AlternateContent xmlns:mc="http://schemas.openxmlformats.org/markup-compatibility/2006" xmlns:p14="http://schemas.microsoft.com/office/powerpoint/2010/main">
+    <mc:Choice Requires="p14">
       <p:transition spd="med" p14:dur="700">
         <p:fade/>
       </p:transition>
     </mc:Choice>
-    <mc:Fallback>
+    <mc:Fallback xmlns="">
       <p:transition spd="med">
         <p:fade/>
       </p:transition>
@@ -21748,7 +21695,7 @@
             <a:blip r:embed="rId3">
               <a:extLst>
                 <a:ext uri="{28A0092B-C50C-407E-A947-70E740481C1C}">
-                  <a14:useLocalDpi xmlns:a14="http://schemas.microsoft.com/office/drawing/2010/main" xmlns="" val="0"/>
+                  <a14:useLocalDpi xmlns:a14="http://schemas.microsoft.com/office/drawing/2010/main" val="0"/>
                 </a:ext>
               </a:extLst>
             </a:blip>
@@ -21929,7 +21876,7 @@
             <a:blip r:embed="rId4">
               <a:extLst>
                 <a:ext uri="{28A0092B-C50C-407E-A947-70E740481C1C}">
-                  <a14:useLocalDpi xmlns:a14="http://schemas.microsoft.com/office/drawing/2010/main" xmlns="" val="0"/>
+                  <a14:useLocalDpi xmlns:a14="http://schemas.microsoft.com/office/drawing/2010/main" val="0"/>
                 </a:ext>
               </a:extLst>
             </a:blip>
@@ -22110,7 +22057,7 @@
             <a:blip r:embed="rId5">
               <a:extLst>
                 <a:ext uri="{28A0092B-C50C-407E-A947-70E740481C1C}">
-                  <a14:useLocalDpi xmlns:a14="http://schemas.microsoft.com/office/drawing/2010/main" xmlns="" val="0"/>
+                  <a14:useLocalDpi xmlns:a14="http://schemas.microsoft.com/office/drawing/2010/main" val="0"/>
                 </a:ext>
               </a:extLst>
             </a:blip>
@@ -22132,20 +22079,20 @@
     </p:spTree>
     <p:extLst>
       <p:ext uri="{BB962C8B-B14F-4D97-AF65-F5344CB8AC3E}">
-        <p14:creationId xmlns:p14="http://schemas.microsoft.com/office/powerpoint/2010/main" xmlns="" val="422006085"/>
+        <p14:creationId xmlns:p14="http://schemas.microsoft.com/office/powerpoint/2010/main" val="422006085"/>
       </p:ext>
     </p:extLst>
   </p:cSld>
   <p:clrMapOvr>
     <a:masterClrMapping/>
   </p:clrMapOvr>
-  <mc:AlternateContent xmlns:mc="http://schemas.openxmlformats.org/markup-compatibility/2006">
-    <mc:Choice xmlns:p14="http://schemas.microsoft.com/office/powerpoint/2010/main" xmlns="" Requires="p14">
+  <mc:AlternateContent xmlns:mc="http://schemas.openxmlformats.org/markup-compatibility/2006" xmlns:p14="http://schemas.microsoft.com/office/powerpoint/2010/main">
+    <mc:Choice Requires="p14">
       <p:transition spd="med" p14:dur="700">
         <p:fade/>
       </p:transition>
     </mc:Choice>
-    <mc:Fallback>
+    <mc:Fallback xmlns="">
       <p:transition spd="med">
         <p:fade/>
       </p:transition>
@@ -22682,7 +22629,7 @@
           <a:blip r:embed="rId3" cstate="print">
             <a:extLst>
               <a:ext uri="{28A0092B-C50C-407E-A947-70E740481C1C}">
-                <a14:useLocalDpi xmlns:a14="http://schemas.microsoft.com/office/drawing/2010/main" xmlns="" val="0"/>
+                <a14:useLocalDpi xmlns:a14="http://schemas.microsoft.com/office/drawing/2010/main" val="0"/>
               </a:ext>
             </a:extLst>
           </a:blip>
@@ -22712,7 +22659,7 @@
           <a:blip r:embed="rId4" cstate="print">
             <a:extLst>
               <a:ext uri="{28A0092B-C50C-407E-A947-70E740481C1C}">
-                <a14:useLocalDpi xmlns:a14="http://schemas.microsoft.com/office/drawing/2010/main" xmlns="" val="0"/>
+                <a14:useLocalDpi xmlns:a14="http://schemas.microsoft.com/office/drawing/2010/main" val="0"/>
               </a:ext>
             </a:extLst>
           </a:blip>
@@ -22967,20 +22914,20 @@
     </p:spTree>
     <p:extLst>
       <p:ext uri="{BB962C8B-B14F-4D97-AF65-F5344CB8AC3E}">
-        <p14:creationId xmlns:p14="http://schemas.microsoft.com/office/powerpoint/2010/main" xmlns="" val="998796230"/>
+        <p14:creationId xmlns:p14="http://schemas.microsoft.com/office/powerpoint/2010/main" val="998796230"/>
       </p:ext>
     </p:extLst>
   </p:cSld>
   <p:clrMapOvr>
     <a:masterClrMapping/>
   </p:clrMapOvr>
-  <mc:AlternateContent xmlns:mc="http://schemas.openxmlformats.org/markup-compatibility/2006">
-    <mc:Choice xmlns:p14="http://schemas.microsoft.com/office/powerpoint/2010/main" xmlns="" Requires="p14">
+  <mc:AlternateContent xmlns:mc="http://schemas.openxmlformats.org/markup-compatibility/2006" xmlns:p14="http://schemas.microsoft.com/office/powerpoint/2010/main">
+    <mc:Choice Requires="p14">
       <p:transition spd="med" p14:dur="700">
         <p:fade/>
       </p:transition>
     </mc:Choice>
-    <mc:Fallback>
+    <mc:Fallback xmlns="">
       <p:transition spd="med">
         <p:fade/>
       </p:transition>
@@ -23063,7 +23010,7 @@
           <a:blip r:embed="rId3" cstate="print">
             <a:extLst>
               <a:ext uri="{28A0092B-C50C-407E-A947-70E740481C1C}">
-                <a14:useLocalDpi xmlns:a14="http://schemas.microsoft.com/office/drawing/2010/main" xmlns="" val="0"/>
+                <a14:useLocalDpi xmlns:a14="http://schemas.microsoft.com/office/drawing/2010/main" val="0"/>
               </a:ext>
             </a:extLst>
           </a:blip>
@@ -23150,7 +23097,7 @@
     </p:spTree>
     <p:extLst>
       <p:ext uri="{BB962C8B-B14F-4D97-AF65-F5344CB8AC3E}">
-        <p14:creationId xmlns:p14="http://schemas.microsoft.com/office/powerpoint/2010/main" xmlns="" val="2760330543"/>
+        <p14:creationId xmlns:p14="http://schemas.microsoft.com/office/powerpoint/2010/main" val="2760330543"/>
       </p:ext>
     </p:extLst>
   </p:cSld>
@@ -23390,20 +23337,20 @@
     </p:spTree>
     <p:extLst>
       <p:ext uri="{BB962C8B-B14F-4D97-AF65-F5344CB8AC3E}">
-        <p14:creationId xmlns:p14="http://schemas.microsoft.com/office/powerpoint/2010/main" xmlns="" val="4043844602"/>
+        <p14:creationId xmlns:p14="http://schemas.microsoft.com/office/powerpoint/2010/main" val="4043844602"/>
       </p:ext>
     </p:extLst>
   </p:cSld>
   <p:clrMapOvr>
     <a:masterClrMapping/>
   </p:clrMapOvr>
-  <mc:AlternateContent xmlns:mc="http://schemas.openxmlformats.org/markup-compatibility/2006">
-    <mc:Choice xmlns:p14="http://schemas.microsoft.com/office/powerpoint/2010/main" xmlns="" Requires="p14">
+  <mc:AlternateContent xmlns:mc="http://schemas.openxmlformats.org/markup-compatibility/2006" xmlns:p14="http://schemas.microsoft.com/office/powerpoint/2010/main">
+    <mc:Choice Requires="p14">
       <p:transition spd="med" p14:dur="700">
         <p:fade/>
       </p:transition>
     </mc:Choice>
-    <mc:Fallback>
+    <mc:Fallback xmlns="">
       <p:transition spd="med">
         <p:fade/>
       </p:transition>
@@ -23789,7 +23736,7 @@
           <a:blip r:embed="rId3">
             <a:extLst>
               <a:ext uri="{28A0092B-C50C-407E-A947-70E740481C1C}">
-                <a14:useLocalDpi xmlns:a14="http://schemas.microsoft.com/office/drawing/2010/main" xmlns="" val="0"/>
+                <a14:useLocalDpi xmlns:a14="http://schemas.microsoft.com/office/drawing/2010/main" val="0"/>
               </a:ext>
             </a:extLst>
           </a:blip>
@@ -24039,7 +23986,7 @@
           <a:blip r:embed="rId4">
             <a:extLst>
               <a:ext uri="{28A0092B-C50C-407E-A947-70E740481C1C}">
-                <a14:useLocalDpi xmlns:a14="http://schemas.microsoft.com/office/drawing/2010/main" xmlns="" val="0"/>
+                <a14:useLocalDpi xmlns:a14="http://schemas.microsoft.com/office/drawing/2010/main" val="0"/>
               </a:ext>
             </a:extLst>
           </a:blip>
@@ -24562,7 +24509,7 @@
           <a:blip r:embed="rId5">
             <a:extLst>
               <a:ext uri="{28A0092B-C50C-407E-A947-70E740481C1C}">
-                <a14:useLocalDpi xmlns:a14="http://schemas.microsoft.com/office/drawing/2010/main" xmlns="" val="0"/>
+                <a14:useLocalDpi xmlns:a14="http://schemas.microsoft.com/office/drawing/2010/main" val="0"/>
               </a:ext>
             </a:extLst>
           </a:blip>
@@ -24592,7 +24539,7 @@
           <a:blip r:embed="rId6">
             <a:extLst>
               <a:ext uri="{28A0092B-C50C-407E-A947-70E740481C1C}">
-                <a14:useLocalDpi xmlns:a14="http://schemas.microsoft.com/office/drawing/2010/main" xmlns="" val="0"/>
+                <a14:useLocalDpi xmlns:a14="http://schemas.microsoft.com/office/drawing/2010/main" val="0"/>
               </a:ext>
             </a:extLst>
           </a:blip>
@@ -25194,20 +25141,20 @@
     </p:spTree>
     <p:extLst>
       <p:ext uri="{BB962C8B-B14F-4D97-AF65-F5344CB8AC3E}">
-        <p14:creationId xmlns:p14="http://schemas.microsoft.com/office/powerpoint/2010/main" xmlns="" val="2299111397"/>
+        <p14:creationId xmlns:p14="http://schemas.microsoft.com/office/powerpoint/2010/main" val="2299111397"/>
       </p:ext>
     </p:extLst>
   </p:cSld>
   <p:clrMapOvr>
     <a:masterClrMapping/>
   </p:clrMapOvr>
-  <mc:AlternateContent xmlns:mc="http://schemas.openxmlformats.org/markup-compatibility/2006">
-    <mc:Choice xmlns:p14="http://schemas.microsoft.com/office/powerpoint/2010/main" xmlns="" Requires="p14">
+  <mc:AlternateContent xmlns:mc="http://schemas.openxmlformats.org/markup-compatibility/2006" xmlns:p14="http://schemas.microsoft.com/office/powerpoint/2010/main">
+    <mc:Choice Requires="p14">
       <p:transition spd="med" p14:dur="700">
         <p:fade/>
       </p:transition>
     </mc:Choice>
-    <mc:Fallback>
+    <mc:Fallback xmlns="">
       <p:transition spd="med">
         <p:fade/>
       </p:transition>
@@ -26725,7 +26672,7 @@
           <a:blip r:embed="rId2">
             <a:extLst>
               <a:ext uri="{28A0092B-C50C-407E-A947-70E740481C1C}">
-                <a14:useLocalDpi xmlns:a14="http://schemas.microsoft.com/office/drawing/2010/main" xmlns="" val="0"/>
+                <a14:useLocalDpi xmlns:a14="http://schemas.microsoft.com/office/drawing/2010/main" val="0"/>
               </a:ext>
             </a:extLst>
           </a:blip>
@@ -27315,20 +27262,20 @@
     </p:spTree>
     <p:extLst>
       <p:ext uri="{BB962C8B-B14F-4D97-AF65-F5344CB8AC3E}">
-        <p14:creationId xmlns:p14="http://schemas.microsoft.com/office/powerpoint/2010/main" xmlns="" val="575643461"/>
+        <p14:creationId xmlns:p14="http://schemas.microsoft.com/office/powerpoint/2010/main" val="575643461"/>
       </p:ext>
     </p:extLst>
   </p:cSld>
   <p:clrMapOvr>
     <a:masterClrMapping/>
   </p:clrMapOvr>
-  <mc:AlternateContent xmlns:mc="http://schemas.openxmlformats.org/markup-compatibility/2006">
-    <mc:Choice xmlns:p14="http://schemas.microsoft.com/office/powerpoint/2010/main" xmlns="" Requires="p14">
+  <mc:AlternateContent xmlns:mc="http://schemas.openxmlformats.org/markup-compatibility/2006" xmlns:p14="http://schemas.microsoft.com/office/powerpoint/2010/main">
+    <mc:Choice Requires="p14">
       <p:transition spd="med" p14:dur="700">
         <p:fade/>
       </p:transition>
     </mc:Choice>
-    <mc:Fallback>
+    <mc:Fallback xmlns="">
       <p:transition spd="med">
         <p:fade/>
       </p:transition>
@@ -27648,7 +27595,7 @@
           <a:blip r:embed="rId2">
             <a:extLst>
               <a:ext uri="{28A0092B-C50C-407E-A947-70E740481C1C}">
-                <a14:useLocalDpi xmlns:a14="http://schemas.microsoft.com/office/drawing/2010/main" xmlns="" val="0"/>
+                <a14:useLocalDpi xmlns:a14="http://schemas.microsoft.com/office/drawing/2010/main" val="0"/>
               </a:ext>
             </a:extLst>
           </a:blip>
@@ -28067,7 +28014,7 @@
           <a:blip r:embed="rId3">
             <a:extLst>
               <a:ext uri="{28A0092B-C50C-407E-A947-70E740481C1C}">
-                <a14:useLocalDpi xmlns:a14="http://schemas.microsoft.com/office/drawing/2010/main" xmlns="" val="0"/>
+                <a14:useLocalDpi xmlns:a14="http://schemas.microsoft.com/office/drawing/2010/main" val="0"/>
               </a:ext>
             </a:extLst>
           </a:blip>
@@ -28097,7 +28044,7 @@
           <a:blip r:embed="rId4">
             <a:extLst>
               <a:ext uri="{28A0092B-C50C-407E-A947-70E740481C1C}">
-                <a14:useLocalDpi xmlns:a14="http://schemas.microsoft.com/office/drawing/2010/main" xmlns="" val="0"/>
+                <a14:useLocalDpi xmlns:a14="http://schemas.microsoft.com/office/drawing/2010/main" val="0"/>
               </a:ext>
             </a:extLst>
           </a:blip>
@@ -28340,20 +28287,20 @@
     </p:spTree>
     <p:extLst>
       <p:ext uri="{BB962C8B-B14F-4D97-AF65-F5344CB8AC3E}">
-        <p14:creationId xmlns:p14="http://schemas.microsoft.com/office/powerpoint/2010/main" xmlns="" val="3832193556"/>
+        <p14:creationId xmlns:p14="http://schemas.microsoft.com/office/powerpoint/2010/main" val="3832193556"/>
       </p:ext>
     </p:extLst>
   </p:cSld>
   <p:clrMapOvr>
     <a:masterClrMapping/>
   </p:clrMapOvr>
-  <mc:AlternateContent xmlns:mc="http://schemas.openxmlformats.org/markup-compatibility/2006">
-    <mc:Choice xmlns:p14="http://schemas.microsoft.com/office/powerpoint/2010/main" xmlns="" Requires="p14">
+  <mc:AlternateContent xmlns:mc="http://schemas.openxmlformats.org/markup-compatibility/2006" xmlns:p14="http://schemas.microsoft.com/office/powerpoint/2010/main">
+    <mc:Choice Requires="p14">
       <p:transition spd="med" p14:dur="700">
         <p:fade/>
       </p:transition>
     </mc:Choice>
-    <mc:Fallback>
+    <mc:Fallback xmlns="">
       <p:transition spd="med">
         <p:fade/>
       </p:transition>
@@ -29347,20 +29294,20 @@
     </p:spTree>
     <p:extLst>
       <p:ext uri="{BB962C8B-B14F-4D97-AF65-F5344CB8AC3E}">
-        <p14:creationId xmlns:p14="http://schemas.microsoft.com/office/powerpoint/2010/main" xmlns="" val="852585107"/>
+        <p14:creationId xmlns:p14="http://schemas.microsoft.com/office/powerpoint/2010/main" val="852585107"/>
       </p:ext>
     </p:extLst>
   </p:cSld>
   <p:clrMapOvr>
     <a:masterClrMapping/>
   </p:clrMapOvr>
-  <mc:AlternateContent xmlns:mc="http://schemas.openxmlformats.org/markup-compatibility/2006">
-    <mc:Choice xmlns:p14="http://schemas.microsoft.com/office/powerpoint/2010/main" xmlns="" Requires="p14">
+  <mc:AlternateContent xmlns:mc="http://schemas.openxmlformats.org/markup-compatibility/2006" xmlns:p14="http://schemas.microsoft.com/office/powerpoint/2010/main">
+    <mc:Choice Requires="p14">
       <p:transition spd="med" p14:dur="700">
         <p:fade/>
       </p:transition>
     </mc:Choice>
-    <mc:Fallback>
+    <mc:Fallback xmlns="">
       <p:transition spd="med">
         <p:fade/>
       </p:transition>
@@ -29703,7 +29650,7 @@
           <a:blip r:embed="rId2">
             <a:extLst>
               <a:ext uri="{28A0092B-C50C-407E-A947-70E740481C1C}">
-                <a14:useLocalDpi xmlns:a14="http://schemas.microsoft.com/office/drawing/2010/main" xmlns="" val="0"/>
+                <a14:useLocalDpi xmlns:a14="http://schemas.microsoft.com/office/drawing/2010/main" val="0"/>
               </a:ext>
             </a:extLst>
           </a:blip>
@@ -30319,7 +30266,7 @@
           <a:blip r:embed="rId3">
             <a:extLst>
               <a:ext uri="{28A0092B-C50C-407E-A947-70E740481C1C}">
-                <a14:useLocalDpi xmlns:a14="http://schemas.microsoft.com/office/drawing/2010/main" xmlns="" val="0"/>
+                <a14:useLocalDpi xmlns:a14="http://schemas.microsoft.com/office/drawing/2010/main" val="0"/>
               </a:ext>
             </a:extLst>
           </a:blip>
@@ -30655,20 +30602,20 @@
     </p:spTree>
     <p:extLst>
       <p:ext uri="{BB962C8B-B14F-4D97-AF65-F5344CB8AC3E}">
-        <p14:creationId xmlns:p14="http://schemas.microsoft.com/office/powerpoint/2010/main" xmlns="" val="3911801989"/>
+        <p14:creationId xmlns:p14="http://schemas.microsoft.com/office/powerpoint/2010/main" val="3911801989"/>
       </p:ext>
     </p:extLst>
   </p:cSld>
   <p:clrMapOvr>
     <a:masterClrMapping/>
   </p:clrMapOvr>
-  <mc:AlternateContent xmlns:mc="http://schemas.openxmlformats.org/markup-compatibility/2006">
-    <mc:Choice xmlns:p14="http://schemas.microsoft.com/office/powerpoint/2010/main" xmlns="" Requires="p14">
+  <mc:AlternateContent xmlns:mc="http://schemas.openxmlformats.org/markup-compatibility/2006" xmlns:p14="http://schemas.microsoft.com/office/powerpoint/2010/main">
+    <mc:Choice Requires="p14">
       <p:transition spd="med" p14:dur="700">
         <p:fade/>
       </p:transition>
     </mc:Choice>
-    <mc:Fallback>
+    <mc:Fallback xmlns="">
       <p:transition spd="med">
         <p:fade/>
       </p:transition>
@@ -31483,7 +31430,7 @@
           <a:blip r:embed="rId3">
             <a:extLst>
               <a:ext uri="{28A0092B-C50C-407E-A947-70E740481C1C}">
-                <a14:useLocalDpi xmlns:a14="http://schemas.microsoft.com/office/drawing/2010/main" xmlns="" val="0"/>
+                <a14:useLocalDpi xmlns:a14="http://schemas.microsoft.com/office/drawing/2010/main" val="0"/>
               </a:ext>
             </a:extLst>
           </a:blip>
@@ -32608,20 +32555,20 @@
     </p:spTree>
     <p:extLst>
       <p:ext uri="{BB962C8B-B14F-4D97-AF65-F5344CB8AC3E}">
-        <p14:creationId xmlns:p14="http://schemas.microsoft.com/office/powerpoint/2010/main" xmlns="" val="3780635622"/>
+        <p14:creationId xmlns:p14="http://schemas.microsoft.com/office/powerpoint/2010/main" val="3780635622"/>
       </p:ext>
     </p:extLst>
   </p:cSld>
   <p:clrMapOvr>
     <a:masterClrMapping/>
   </p:clrMapOvr>
-  <mc:AlternateContent xmlns:mc="http://schemas.openxmlformats.org/markup-compatibility/2006">
-    <mc:Choice xmlns:p14="http://schemas.microsoft.com/office/powerpoint/2010/main" xmlns="" Requires="p14">
+  <mc:AlternateContent xmlns:mc="http://schemas.openxmlformats.org/markup-compatibility/2006" xmlns:p14="http://schemas.microsoft.com/office/powerpoint/2010/main">
+    <mc:Choice Requires="p14">
       <p:transition spd="med" p14:dur="700">
         <p:fade/>
       </p:transition>
     </mc:Choice>
-    <mc:Fallback>
+    <mc:Fallback xmlns="">
       <p:transition spd="med">
         <p:fade/>
       </p:transition>
@@ -33760,7 +33707,7 @@
           <a:blip r:embed="rId2">
             <a:extLst>
               <a:ext uri="{28A0092B-C50C-407E-A947-70E740481C1C}">
-                <a14:useLocalDpi xmlns:a14="http://schemas.microsoft.com/office/drawing/2010/main" xmlns="" val="0"/>
+                <a14:useLocalDpi xmlns:a14="http://schemas.microsoft.com/office/drawing/2010/main" val="0"/>
               </a:ext>
             </a:extLst>
           </a:blip>
@@ -34753,20 +34700,20 @@
     </p:spTree>
     <p:extLst>
       <p:ext uri="{BB962C8B-B14F-4D97-AF65-F5344CB8AC3E}">
-        <p14:creationId xmlns:p14="http://schemas.microsoft.com/office/powerpoint/2010/main" xmlns="" val="4172308727"/>
+        <p14:creationId xmlns:p14="http://schemas.microsoft.com/office/powerpoint/2010/main" val="4172308727"/>
       </p:ext>
     </p:extLst>
   </p:cSld>
   <p:clrMapOvr>
     <a:masterClrMapping/>
   </p:clrMapOvr>
-  <mc:AlternateContent xmlns:mc="http://schemas.openxmlformats.org/markup-compatibility/2006">
-    <mc:Choice xmlns:p14="http://schemas.microsoft.com/office/powerpoint/2010/main" xmlns="" Requires="p14">
+  <mc:AlternateContent xmlns:mc="http://schemas.openxmlformats.org/markup-compatibility/2006" xmlns:p14="http://schemas.microsoft.com/office/powerpoint/2010/main">
+    <mc:Choice Requires="p14">
       <p:transition spd="med" p14:dur="700">
         <p:fade/>
       </p:transition>
     </mc:Choice>
-    <mc:Fallback>
+    <mc:Fallback xmlns="">
       <p:transition spd="med">
         <p:fade/>
       </p:transition>
@@ -35883,7 +35830,7 @@
             <a:blip r:embed="rId2">
               <a:extLst>
                 <a:ext uri="{28A0092B-C50C-407E-A947-70E740481C1C}">
-                  <a14:useLocalDpi xmlns:a14="http://schemas.microsoft.com/office/drawing/2010/main" xmlns="" val="0"/>
+                  <a14:useLocalDpi xmlns:a14="http://schemas.microsoft.com/office/drawing/2010/main" val="0"/>
                 </a:ext>
               </a:extLst>
             </a:blip>
@@ -35913,7 +35860,7 @@
             <a:blip r:embed="rId3">
               <a:extLst>
                 <a:ext uri="{28A0092B-C50C-407E-A947-70E740481C1C}">
-                  <a14:useLocalDpi xmlns:a14="http://schemas.microsoft.com/office/drawing/2010/main" xmlns="" val="0"/>
+                  <a14:useLocalDpi xmlns:a14="http://schemas.microsoft.com/office/drawing/2010/main" val="0"/>
                 </a:ext>
               </a:extLst>
             </a:blip>
@@ -36721,20 +36668,20 @@
     </p:spTree>
     <p:extLst>
       <p:ext uri="{BB962C8B-B14F-4D97-AF65-F5344CB8AC3E}">
-        <p14:creationId xmlns:p14="http://schemas.microsoft.com/office/powerpoint/2010/main" xmlns="" val="1618007881"/>
+        <p14:creationId xmlns:p14="http://schemas.microsoft.com/office/powerpoint/2010/main" val="1618007881"/>
       </p:ext>
     </p:extLst>
   </p:cSld>
   <p:clrMapOvr>
     <a:masterClrMapping/>
   </p:clrMapOvr>
-  <mc:AlternateContent xmlns:mc="http://schemas.openxmlformats.org/markup-compatibility/2006">
-    <mc:Choice xmlns:p14="http://schemas.microsoft.com/office/powerpoint/2010/main" xmlns="" Requires="p14">
+  <mc:AlternateContent xmlns:mc="http://schemas.openxmlformats.org/markup-compatibility/2006" xmlns:p14="http://schemas.microsoft.com/office/powerpoint/2010/main">
+    <mc:Choice Requires="p14">
       <p:transition spd="med" p14:dur="700">
         <p:fade/>
       </p:transition>
     </mc:Choice>
-    <mc:Fallback>
+    <mc:Fallback xmlns="">
       <p:transition spd="med">
         <p:fade/>
       </p:transition>
@@ -37739,7 +37686,7 @@
           <a:blip r:embed="rId2">
             <a:extLst>
               <a:ext uri="{28A0092B-C50C-407E-A947-70E740481C1C}">
-                <a14:useLocalDpi xmlns:a14="http://schemas.microsoft.com/office/drawing/2010/main" xmlns="" val="0"/>
+                <a14:useLocalDpi xmlns:a14="http://schemas.microsoft.com/office/drawing/2010/main" val="0"/>
               </a:ext>
             </a:extLst>
           </a:blip>
@@ -38393,20 +38340,20 @@
     </p:spTree>
     <p:extLst>
       <p:ext uri="{BB962C8B-B14F-4D97-AF65-F5344CB8AC3E}">
-        <p14:creationId xmlns:p14="http://schemas.microsoft.com/office/powerpoint/2010/main" xmlns="" val="551685070"/>
+        <p14:creationId xmlns:p14="http://schemas.microsoft.com/office/powerpoint/2010/main" val="551685070"/>
       </p:ext>
     </p:extLst>
   </p:cSld>
   <p:clrMapOvr>
     <a:masterClrMapping/>
   </p:clrMapOvr>
-  <mc:AlternateContent xmlns:mc="http://schemas.openxmlformats.org/markup-compatibility/2006">
-    <mc:Choice xmlns:p14="http://schemas.microsoft.com/office/powerpoint/2010/main" xmlns="" Requires="p14">
+  <mc:AlternateContent xmlns:mc="http://schemas.openxmlformats.org/markup-compatibility/2006" xmlns:p14="http://schemas.microsoft.com/office/powerpoint/2010/main">
+    <mc:Choice Requires="p14">
       <p:transition spd="med" p14:dur="700">
         <p:fade/>
       </p:transition>
     </mc:Choice>
-    <mc:Fallback>
+    <mc:Fallback xmlns="">
       <p:transition spd="med">
         <p:fade/>
       </p:transition>
@@ -39353,7 +39300,7 @@
           <a:blip r:embed="rId3">
             <a:extLst>
               <a:ext uri="{28A0092B-C50C-407E-A947-70E740481C1C}">
-                <a14:useLocalDpi xmlns:a14="http://schemas.microsoft.com/office/drawing/2010/main" xmlns="" val="0"/>
+                <a14:useLocalDpi xmlns:a14="http://schemas.microsoft.com/office/drawing/2010/main" val="0"/>
               </a:ext>
             </a:extLst>
           </a:blip>
@@ -39363,8 +39310,8 @@
         </p:blipFill>
         <p:spPr>
           <a:xfrm>
-            <a:off x="1440000" y="1620000"/>
-            <a:ext cx="6251345" cy="4680000"/>
+            <a:off x="1440934" y="1620000"/>
+            <a:ext cx="6249477" cy="4680000"/>
           </a:xfrm>
           <a:prstGeom prst="rect">
             <a:avLst/>
@@ -40115,23 +40062,162 @@
           </a:p>
         </p:txBody>
       </p:sp>
+      <p:cxnSp>
+        <p:nvCxnSpPr>
+          <p:cNvPr id="22" name="직선 화살표 연결선 21"/>
+          <p:cNvCxnSpPr>
+            <a:stCxn id="23" idx="2"/>
+          </p:cNvCxnSpPr>
+          <p:nvPr/>
+        </p:nvCxnSpPr>
+        <p:spPr>
+          <a:xfrm flipH="1">
+            <a:off x="3203848" y="3127777"/>
+            <a:ext cx="689008" cy="391319"/>
+          </a:xfrm>
+          <a:prstGeom prst="straightConnector1">
+            <a:avLst/>
+          </a:prstGeom>
+          <a:ln w="19050">
+            <a:solidFill>
+              <a:schemeClr val="tx1">
+                <a:lumMod val="75000"/>
+                <a:lumOff val="25000"/>
+              </a:schemeClr>
+            </a:solidFill>
+            <a:tailEnd type="triangle"/>
+          </a:ln>
+        </p:spPr>
+        <p:style>
+          <a:lnRef idx="1">
+            <a:schemeClr val="accent1"/>
+          </a:lnRef>
+          <a:fillRef idx="0">
+            <a:schemeClr val="accent1"/>
+          </a:fillRef>
+          <a:effectRef idx="0">
+            <a:schemeClr val="accent1"/>
+          </a:effectRef>
+          <a:fontRef idx="minor">
+            <a:schemeClr val="tx1"/>
+          </a:fontRef>
+        </p:style>
+      </p:cxnSp>
+      <p:sp>
+        <p:nvSpPr>
+          <p:cNvPr id="23" name="직사각형 22"/>
+          <p:cNvSpPr/>
+          <p:nvPr/>
+        </p:nvSpPr>
+        <p:spPr>
+          <a:xfrm>
+            <a:off x="2627784" y="2492196"/>
+            <a:ext cx="2530143" cy="635581"/>
+          </a:xfrm>
+          <a:prstGeom prst="rect">
+            <a:avLst/>
+          </a:prstGeom>
+          <a:solidFill>
+            <a:schemeClr val="tx1">
+              <a:lumMod val="50000"/>
+              <a:lumOff val="50000"/>
+            </a:schemeClr>
+          </a:solidFill>
+          <a:ln>
+            <a:solidFill>
+              <a:schemeClr val="tx1">
+                <a:lumMod val="75000"/>
+                <a:lumOff val="25000"/>
+              </a:schemeClr>
+            </a:solidFill>
+          </a:ln>
+        </p:spPr>
+        <p:style>
+          <a:lnRef idx="2">
+            <a:schemeClr val="accent1">
+              <a:shade val="50000"/>
+            </a:schemeClr>
+          </a:lnRef>
+          <a:fillRef idx="1">
+            <a:schemeClr val="accent1"/>
+          </a:fillRef>
+          <a:effectRef idx="0">
+            <a:schemeClr val="accent1"/>
+          </a:effectRef>
+          <a:fontRef idx="minor">
+            <a:schemeClr val="lt1"/>
+          </a:fontRef>
+        </p:style>
+        <p:txBody>
+          <a:bodyPr rtlCol="0" anchor="ctr"/>
+          <a:lstStyle/>
+          <a:p>
+            <a:pPr algn="ctr"/>
+            <a:r>
+              <a:rPr lang="ko-KR" altLang="en-US" sz="1200" b="1" dirty="0">
+                <a:solidFill>
+                  <a:schemeClr val="bg1"/>
+                </a:solidFill>
+              </a:rPr>
+              <a:t>입력된 </a:t>
+            </a:r>
+            <a:r>
+              <a:rPr lang="ko-KR" altLang="en-US" sz="1200" b="1" dirty="0" smtClean="0">
+                <a:solidFill>
+                  <a:schemeClr val="bg1"/>
+                </a:solidFill>
+              </a:rPr>
+              <a:t>고객 </a:t>
+            </a:r>
+            <a:r>
+              <a:rPr lang="en-US" altLang="ko-KR" sz="1200" b="1" dirty="0" smtClean="0">
+                <a:solidFill>
+                  <a:schemeClr val="bg1"/>
+                </a:solidFill>
+              </a:rPr>
+              <a:t>ID</a:t>
+            </a:r>
+            <a:r>
+              <a:rPr lang="ko-KR" altLang="en-US" sz="1200" b="1" dirty="0" smtClean="0">
+                <a:solidFill>
+                  <a:schemeClr val="bg1"/>
+                </a:solidFill>
+              </a:rPr>
+              <a:t>의 유효성 검사를 실행한다</a:t>
+            </a:r>
+            <a:r>
+              <a:rPr lang="en-US" altLang="ko-KR" sz="1200" b="1" smtClean="0">
+                <a:solidFill>
+                  <a:schemeClr val="bg1"/>
+                </a:solidFill>
+              </a:rPr>
+              <a:t>.</a:t>
+            </a:r>
+            <a:endParaRPr lang="en-US" altLang="ko-KR" sz="1200" b="1" dirty="0">
+              <a:solidFill>
+                <a:schemeClr val="bg1"/>
+              </a:solidFill>
+            </a:endParaRPr>
+          </a:p>
+        </p:txBody>
+      </p:sp>
     </p:spTree>
     <p:extLst>
       <p:ext uri="{BB962C8B-B14F-4D97-AF65-F5344CB8AC3E}">
-        <p14:creationId xmlns:p14="http://schemas.microsoft.com/office/powerpoint/2010/main" xmlns="" val="2174133053"/>
+        <p14:creationId xmlns:p14="http://schemas.microsoft.com/office/powerpoint/2010/main" val="2174133053"/>
       </p:ext>
     </p:extLst>
   </p:cSld>
   <p:clrMapOvr>
     <a:masterClrMapping/>
   </p:clrMapOvr>
-  <mc:AlternateContent xmlns:mc="http://schemas.openxmlformats.org/markup-compatibility/2006">
-    <mc:Choice xmlns:p14="http://schemas.microsoft.com/office/powerpoint/2010/main" xmlns="" Requires="p14">
+  <mc:AlternateContent xmlns:mc="http://schemas.openxmlformats.org/markup-compatibility/2006" xmlns:p14="http://schemas.microsoft.com/office/powerpoint/2010/main">
+    <mc:Choice Requires="p14">
       <p:transition spd="med" p14:dur="700">
         <p:fade/>
       </p:transition>
     </mc:Choice>
-    <mc:Fallback>
+    <mc:Fallback xmlns="">
       <p:transition spd="med">
         <p:fade/>
       </p:transition>
@@ -40567,6 +40653,94 @@
                       </p:childTnLst>
                     </p:cTn>
                   </p:par>
+                  <p:par>
+                    <p:cTn id="41" fill="hold">
+                      <p:stCondLst>
+                        <p:cond delay="indefinite"/>
+                      </p:stCondLst>
+                      <p:childTnLst>
+                        <p:par>
+                          <p:cTn id="42" fill="hold">
+                            <p:stCondLst>
+                              <p:cond delay="0"/>
+                            </p:stCondLst>
+                            <p:childTnLst>
+                              <p:par>
+                                <p:cTn id="43" presetID="10" presetClass="entr" presetSubtype="0" fill="hold" grpId="0" nodeType="clickEffect">
+                                  <p:stCondLst>
+                                    <p:cond delay="0"/>
+                                  </p:stCondLst>
+                                  <p:childTnLst>
+                                    <p:set>
+                                      <p:cBhvr>
+                                        <p:cTn id="44" dur="1" fill="hold">
+                                          <p:stCondLst>
+                                            <p:cond delay="0"/>
+                                          </p:stCondLst>
+                                        </p:cTn>
+                                        <p:tgtEl>
+                                          <p:spTgt spid="23"/>
+                                        </p:tgtEl>
+                                        <p:attrNameLst>
+                                          <p:attrName>style.visibility</p:attrName>
+                                        </p:attrNameLst>
+                                      </p:cBhvr>
+                                      <p:to>
+                                        <p:strVal val="visible"/>
+                                      </p:to>
+                                    </p:set>
+                                    <p:animEffect transition="in" filter="fade">
+                                      <p:cBhvr>
+                                        <p:cTn id="45" dur="500"/>
+                                        <p:tgtEl>
+                                          <p:spTgt spid="23"/>
+                                        </p:tgtEl>
+                                      </p:cBhvr>
+                                    </p:animEffect>
+                                  </p:childTnLst>
+                                </p:cTn>
+                              </p:par>
+                              <p:par>
+                                <p:cTn id="46" presetID="10" presetClass="entr" presetSubtype="0" fill="hold" nodeType="withEffect">
+                                  <p:stCondLst>
+                                    <p:cond delay="0"/>
+                                  </p:stCondLst>
+                                  <p:childTnLst>
+                                    <p:set>
+                                      <p:cBhvr>
+                                        <p:cTn id="47" dur="1" fill="hold">
+                                          <p:stCondLst>
+                                            <p:cond delay="0"/>
+                                          </p:stCondLst>
+                                        </p:cTn>
+                                        <p:tgtEl>
+                                          <p:spTgt spid="22"/>
+                                        </p:tgtEl>
+                                        <p:attrNameLst>
+                                          <p:attrName>style.visibility</p:attrName>
+                                        </p:attrNameLst>
+                                      </p:cBhvr>
+                                      <p:to>
+                                        <p:strVal val="visible"/>
+                                      </p:to>
+                                    </p:set>
+                                    <p:animEffect transition="in" filter="fade">
+                                      <p:cBhvr>
+                                        <p:cTn id="48" dur="500"/>
+                                        <p:tgtEl>
+                                          <p:spTgt spid="22"/>
+                                        </p:tgtEl>
+                                      </p:cBhvr>
+                                    </p:animEffect>
+                                  </p:childTnLst>
+                                </p:cTn>
+                              </p:par>
+                            </p:childTnLst>
+                          </p:cTn>
+                        </p:par>
+                      </p:childTnLst>
+                    </p:cTn>
+                  </p:par>
                 </p:childTnLst>
               </p:cTn>
               <p:prevCondLst>
@@ -40595,6 +40769,7 @@
       <p:bldP spid="34" grpId="0" animBg="1"/>
       <p:bldP spid="39" grpId="0" animBg="1"/>
       <p:bldP spid="41" grpId="0" animBg="1"/>
+      <p:bldP spid="23" grpId="0" animBg="1"/>
     </p:bldLst>
   </p:timing>
 </p:sld>
@@ -41056,7 +41231,7 @@
           <a:blip r:embed="rId2">
             <a:extLst>
               <a:ext uri="{28A0092B-C50C-407E-A947-70E740481C1C}">
-                <a14:useLocalDpi xmlns:a14="http://schemas.microsoft.com/office/drawing/2010/main" xmlns="" val="0"/>
+                <a14:useLocalDpi xmlns:a14="http://schemas.microsoft.com/office/drawing/2010/main" val="0"/>
               </a:ext>
             </a:extLst>
           </a:blip>
@@ -41678,20 +41853,20 @@
     </p:spTree>
     <p:extLst>
       <p:ext uri="{BB962C8B-B14F-4D97-AF65-F5344CB8AC3E}">
-        <p14:creationId xmlns:p14="http://schemas.microsoft.com/office/powerpoint/2010/main" xmlns="" val="592004450"/>
+        <p14:creationId xmlns:p14="http://schemas.microsoft.com/office/powerpoint/2010/main" val="592004450"/>
       </p:ext>
     </p:extLst>
   </p:cSld>
   <p:clrMapOvr>
     <a:masterClrMapping/>
   </p:clrMapOvr>
-  <mc:AlternateContent xmlns:mc="http://schemas.openxmlformats.org/markup-compatibility/2006">
-    <mc:Choice xmlns:p14="http://schemas.microsoft.com/office/powerpoint/2010/main" xmlns="" Requires="p14">
+  <mc:AlternateContent xmlns:mc="http://schemas.openxmlformats.org/markup-compatibility/2006" xmlns:p14="http://schemas.microsoft.com/office/powerpoint/2010/main">
+    <mc:Choice Requires="p14">
       <p:transition spd="med" p14:dur="700">
         <p:fade/>
       </p:transition>
     </mc:Choice>
-    <mc:Fallback>
+    <mc:Fallback xmlns="">
       <p:transition spd="med">
         <p:fade/>
       </p:transition>
@@ -42827,20 +43002,20 @@
     </p:spTree>
     <p:extLst>
       <p:ext uri="{BB962C8B-B14F-4D97-AF65-F5344CB8AC3E}">
-        <p14:creationId xmlns:p14="http://schemas.microsoft.com/office/powerpoint/2010/main" xmlns="" val="2446417367"/>
+        <p14:creationId xmlns:p14="http://schemas.microsoft.com/office/powerpoint/2010/main" val="2446417367"/>
       </p:ext>
     </p:extLst>
   </p:cSld>
   <p:clrMapOvr>
     <a:masterClrMapping/>
   </p:clrMapOvr>
-  <mc:AlternateContent xmlns:mc="http://schemas.openxmlformats.org/markup-compatibility/2006">
-    <mc:Choice xmlns:p14="http://schemas.microsoft.com/office/powerpoint/2010/main" xmlns="" Requires="p14">
+  <mc:AlternateContent xmlns:mc="http://schemas.openxmlformats.org/markup-compatibility/2006" xmlns:p14="http://schemas.microsoft.com/office/powerpoint/2010/main">
+    <mc:Choice Requires="p14">
       <p:transition spd="med" p14:dur="700">
         <p:fade/>
       </p:transition>
     </mc:Choice>
-    <mc:Fallback>
+    <mc:Fallback xmlns="">
       <p:transition spd="med">
         <p:fade/>
       </p:transition>
@@ -43517,7 +43692,7 @@
           <a:blip r:embed="rId3">
             <a:extLst>
               <a:ext uri="{28A0092B-C50C-407E-A947-70E740481C1C}">
-                <a14:useLocalDpi xmlns:a14="http://schemas.microsoft.com/office/drawing/2010/main" xmlns="" val="0"/>
+                <a14:useLocalDpi xmlns:a14="http://schemas.microsoft.com/office/drawing/2010/main" val="0"/>
               </a:ext>
             </a:extLst>
           </a:blip>
@@ -43892,20 +44067,20 @@
     </p:spTree>
     <p:extLst>
       <p:ext uri="{BB962C8B-B14F-4D97-AF65-F5344CB8AC3E}">
-        <p14:creationId xmlns:p14="http://schemas.microsoft.com/office/powerpoint/2010/main" xmlns="" val="401807034"/>
+        <p14:creationId xmlns:p14="http://schemas.microsoft.com/office/powerpoint/2010/main" val="401807034"/>
       </p:ext>
     </p:extLst>
   </p:cSld>
   <p:clrMapOvr>
     <a:masterClrMapping/>
   </p:clrMapOvr>
-  <mc:AlternateContent xmlns:mc="http://schemas.openxmlformats.org/markup-compatibility/2006">
-    <mc:Choice xmlns:p14="http://schemas.microsoft.com/office/powerpoint/2010/main" xmlns="" Requires="p14">
+  <mc:AlternateContent xmlns:mc="http://schemas.openxmlformats.org/markup-compatibility/2006" xmlns:p14="http://schemas.microsoft.com/office/powerpoint/2010/main">
+    <mc:Choice Requires="p14">
       <p:transition spd="med" p14:dur="700">
         <p:fade/>
       </p:transition>
     </mc:Choice>
-    <mc:Fallback>
+    <mc:Fallback xmlns="">
       <p:transition spd="med">
         <p:fade/>
       </p:transition>
@@ -44652,7 +44827,7 @@
           <a:blip r:embed="rId3">
             <a:extLst>
               <a:ext uri="{28A0092B-C50C-407E-A947-70E740481C1C}">
-                <a14:useLocalDpi xmlns:a14="http://schemas.microsoft.com/office/drawing/2010/main" xmlns="" val="0"/>
+                <a14:useLocalDpi xmlns:a14="http://schemas.microsoft.com/office/drawing/2010/main" val="0"/>
               </a:ext>
             </a:extLst>
           </a:blip>
@@ -45449,20 +45624,20 @@
     </p:spTree>
     <p:extLst>
       <p:ext uri="{BB962C8B-B14F-4D97-AF65-F5344CB8AC3E}">
-        <p14:creationId xmlns:p14="http://schemas.microsoft.com/office/powerpoint/2010/main" xmlns="" val="814468158"/>
+        <p14:creationId xmlns:p14="http://schemas.microsoft.com/office/powerpoint/2010/main" val="814468158"/>
       </p:ext>
     </p:extLst>
   </p:cSld>
   <p:clrMapOvr>
     <a:masterClrMapping/>
   </p:clrMapOvr>
-  <mc:AlternateContent xmlns:mc="http://schemas.openxmlformats.org/markup-compatibility/2006">
-    <mc:Choice xmlns:p14="http://schemas.microsoft.com/office/powerpoint/2010/main" xmlns="" Requires="p14">
+  <mc:AlternateContent xmlns:mc="http://schemas.openxmlformats.org/markup-compatibility/2006" xmlns:p14="http://schemas.microsoft.com/office/powerpoint/2010/main">
+    <mc:Choice Requires="p14">
       <p:transition spd="med" p14:dur="700">
         <p:fade/>
       </p:transition>
     </mc:Choice>
-    <mc:Fallback>
+    <mc:Fallback xmlns="">
       <p:transition spd="med">
         <p:fade/>
       </p:transition>
@@ -47258,20 +47433,20 @@
     </p:spTree>
     <p:extLst>
       <p:ext uri="{BB962C8B-B14F-4D97-AF65-F5344CB8AC3E}">
-        <p14:creationId xmlns:p14="http://schemas.microsoft.com/office/powerpoint/2010/main" xmlns="" val="2845001630"/>
+        <p14:creationId xmlns:p14="http://schemas.microsoft.com/office/powerpoint/2010/main" val="2845001630"/>
       </p:ext>
     </p:extLst>
   </p:cSld>
   <p:clrMapOvr>
     <a:masterClrMapping/>
   </p:clrMapOvr>
-  <mc:AlternateContent xmlns:mc="http://schemas.openxmlformats.org/markup-compatibility/2006">
-    <mc:Choice xmlns:p14="http://schemas.microsoft.com/office/powerpoint/2010/main" xmlns="" Requires="p14">
+  <mc:AlternateContent xmlns:mc="http://schemas.openxmlformats.org/markup-compatibility/2006" xmlns:p14="http://schemas.microsoft.com/office/powerpoint/2010/main">
+    <mc:Choice Requires="p14">
       <p:transition spd="med" p14:dur="700">
         <p:fade/>
       </p:transition>
     </mc:Choice>
-    <mc:Fallback>
+    <mc:Fallback xmlns="">
       <p:transition spd="med">
         <p:fade/>
       </p:transition>
@@ -48019,13 +48194,20 @@
     </p:spTree>
     <p:extLst>
       <p:ext uri="{BB962C8B-B14F-4D97-AF65-F5344CB8AC3E}">
-        <p14:creationId xmlns:p14="http://schemas.microsoft.com/office/powerpoint/2010/main" xmlns="" val="2021494756"/>
+        <p14:creationId xmlns:p14="http://schemas.microsoft.com/office/powerpoint/2010/main" val="2021494756"/>
       </p:ext>
     </p:extLst>
   </p:cSld>
   <p:clrMapOvr>
     <a:masterClrMapping/>
   </p:clrMapOvr>
+  <p:timing>
+    <p:tnLst>
+      <p:par>
+        <p:cTn id="1" dur="indefinite" restart="never" nodeType="tmRoot"/>
+      </p:par>
+    </p:tnLst>
+  </p:timing>
 </p:sld>
 </file>
 
@@ -48242,20 +48424,20 @@
     </p:spTree>
     <p:extLst>
       <p:ext uri="{BB962C8B-B14F-4D97-AF65-F5344CB8AC3E}">
-        <p14:creationId xmlns:p14="http://schemas.microsoft.com/office/powerpoint/2010/main" xmlns="" val="1097363580"/>
+        <p14:creationId xmlns:p14="http://schemas.microsoft.com/office/powerpoint/2010/main" val="1097363580"/>
       </p:ext>
     </p:extLst>
   </p:cSld>
   <p:clrMapOvr>
     <a:masterClrMapping/>
   </p:clrMapOvr>
-  <mc:AlternateContent xmlns:mc="http://schemas.openxmlformats.org/markup-compatibility/2006">
-    <mc:Choice xmlns:p14="http://schemas.microsoft.com/office/powerpoint/2010/main" xmlns="" Requires="p14">
+  <mc:AlternateContent xmlns:mc="http://schemas.openxmlformats.org/markup-compatibility/2006" xmlns:p14="http://schemas.microsoft.com/office/powerpoint/2010/main">
+    <mc:Choice Requires="p14">
       <p:transition spd="med" p14:dur="700">
         <p:fade/>
       </p:transition>
     </mc:Choice>
-    <mc:Fallback>
+    <mc:Fallback xmlns="">
       <p:transition spd="med">
         <p:fade/>
       </p:transition>
@@ -48485,20 +48667,20 @@
     </p:spTree>
     <p:extLst>
       <p:ext uri="{BB962C8B-B14F-4D97-AF65-F5344CB8AC3E}">
-        <p14:creationId xmlns:p14="http://schemas.microsoft.com/office/powerpoint/2010/main" xmlns="" val="863398130"/>
+        <p14:creationId xmlns:p14="http://schemas.microsoft.com/office/powerpoint/2010/main" val="863398130"/>
       </p:ext>
     </p:extLst>
   </p:cSld>
   <p:clrMapOvr>
     <a:masterClrMapping/>
   </p:clrMapOvr>
-  <mc:AlternateContent xmlns:mc="http://schemas.openxmlformats.org/markup-compatibility/2006">
-    <mc:Choice xmlns:p14="http://schemas.microsoft.com/office/powerpoint/2010/main" xmlns="" Requires="p14">
+  <mc:AlternateContent xmlns:mc="http://schemas.openxmlformats.org/markup-compatibility/2006" xmlns:p14="http://schemas.microsoft.com/office/powerpoint/2010/main">
+    <mc:Choice Requires="p14">
       <p:transition spd="med" p14:dur="700">
         <p:fade/>
       </p:transition>
     </mc:Choice>
-    <mc:Fallback>
+    <mc:Fallback xmlns="">
       <p:transition spd="med">
         <p:fade/>
       </p:transition>
@@ -49099,7 +49281,7 @@
           <a:blip r:embed="rId3" cstate="print">
             <a:extLst>
               <a:ext uri="{28A0092B-C50C-407E-A947-70E740481C1C}">
-                <a14:useLocalDpi xmlns:a14="http://schemas.microsoft.com/office/drawing/2010/main" xmlns="" val="0"/>
+                <a14:useLocalDpi xmlns:a14="http://schemas.microsoft.com/office/drawing/2010/main" val="0"/>
               </a:ext>
             </a:extLst>
           </a:blip>
@@ -49190,7 +49372,7 @@
           <a:blip r:embed="rId3" cstate="print">
             <a:extLst>
               <a:ext uri="{28A0092B-C50C-407E-A947-70E740481C1C}">
-                <a14:useLocalDpi xmlns:a14="http://schemas.microsoft.com/office/drawing/2010/main" xmlns="" val="0"/>
+                <a14:useLocalDpi xmlns:a14="http://schemas.microsoft.com/office/drawing/2010/main" val="0"/>
               </a:ext>
             </a:extLst>
           </a:blip>
@@ -49297,7 +49479,7 @@
           <a:blip r:embed="rId4" cstate="print">
             <a:extLst>
               <a:ext uri="{28A0092B-C50C-407E-A947-70E740481C1C}">
-                <a14:useLocalDpi xmlns:a14="http://schemas.microsoft.com/office/drawing/2010/main" xmlns="" val="0"/>
+                <a14:useLocalDpi xmlns:a14="http://schemas.microsoft.com/office/drawing/2010/main" val="0"/>
               </a:ext>
             </a:extLst>
           </a:blip>
@@ -49327,7 +49509,7 @@
           <a:blip r:embed="rId5" cstate="print">
             <a:extLst>
               <a:ext uri="{28A0092B-C50C-407E-A947-70E740481C1C}">
-                <a14:useLocalDpi xmlns:a14="http://schemas.microsoft.com/office/drawing/2010/main" xmlns="" val="0"/>
+                <a14:useLocalDpi xmlns:a14="http://schemas.microsoft.com/office/drawing/2010/main" val="0"/>
               </a:ext>
             </a:extLst>
           </a:blip>
@@ -49357,7 +49539,7 @@
           <a:blip r:embed="rId6" cstate="print">
             <a:extLst>
               <a:ext uri="{28A0092B-C50C-407E-A947-70E740481C1C}">
-                <a14:useLocalDpi xmlns:a14="http://schemas.microsoft.com/office/drawing/2010/main" xmlns="" val="0"/>
+                <a14:useLocalDpi xmlns:a14="http://schemas.microsoft.com/office/drawing/2010/main" val="0"/>
               </a:ext>
             </a:extLst>
           </a:blip>
@@ -49513,20 +49695,20 @@
     </p:spTree>
     <p:extLst>
       <p:ext uri="{BB962C8B-B14F-4D97-AF65-F5344CB8AC3E}">
-        <p14:creationId xmlns:p14="http://schemas.microsoft.com/office/powerpoint/2010/main" xmlns="" val="2254164443"/>
+        <p14:creationId xmlns:p14="http://schemas.microsoft.com/office/powerpoint/2010/main" val="2254164443"/>
       </p:ext>
     </p:extLst>
   </p:cSld>
   <p:clrMapOvr>
     <a:masterClrMapping/>
   </p:clrMapOvr>
-  <mc:AlternateContent xmlns:mc="http://schemas.openxmlformats.org/markup-compatibility/2006">
-    <mc:Choice xmlns:p14="http://schemas.microsoft.com/office/powerpoint/2010/main" xmlns="" Requires="p14">
+  <mc:AlternateContent xmlns:mc="http://schemas.openxmlformats.org/markup-compatibility/2006" xmlns:p14="http://schemas.microsoft.com/office/powerpoint/2010/main">
+    <mc:Choice Requires="p14">
       <p:transition spd="med" p14:dur="700">
         <p:fade/>
       </p:transition>
     </mc:Choice>
-    <mc:Fallback>
+    <mc:Fallback xmlns="">
       <p:transition spd="med">
         <p:fade/>
       </p:transition>
@@ -50137,20 +50319,20 @@
     </p:spTree>
     <p:extLst>
       <p:ext uri="{BB962C8B-B14F-4D97-AF65-F5344CB8AC3E}">
-        <p14:creationId xmlns:p14="http://schemas.microsoft.com/office/powerpoint/2010/main" xmlns="" val="158653988"/>
+        <p14:creationId xmlns:p14="http://schemas.microsoft.com/office/powerpoint/2010/main" val="158653988"/>
       </p:ext>
     </p:extLst>
   </p:cSld>
   <p:clrMapOvr>
     <a:masterClrMapping/>
   </p:clrMapOvr>
-  <mc:AlternateContent xmlns:mc="http://schemas.openxmlformats.org/markup-compatibility/2006">
-    <mc:Choice xmlns:p14="http://schemas.microsoft.com/office/powerpoint/2010/main" xmlns="" Requires="p14">
+  <mc:AlternateContent xmlns:mc="http://schemas.openxmlformats.org/markup-compatibility/2006" xmlns:p14="http://schemas.microsoft.com/office/powerpoint/2010/main">
+    <mc:Choice Requires="p14">
       <p:transition spd="med" p14:dur="700">
         <p:fade/>
       </p:transition>
     </mc:Choice>
-    <mc:Fallback>
+    <mc:Fallback xmlns="">
       <p:transition spd="med">
         <p:fade/>
       </p:transition>
@@ -51161,20 +51343,20 @@
     </p:spTree>
     <p:extLst>
       <p:ext uri="{BB962C8B-B14F-4D97-AF65-F5344CB8AC3E}">
-        <p14:creationId xmlns:p14="http://schemas.microsoft.com/office/powerpoint/2010/main" xmlns="" val="1405681256"/>
+        <p14:creationId xmlns:p14="http://schemas.microsoft.com/office/powerpoint/2010/main" val="1405681256"/>
       </p:ext>
     </p:extLst>
   </p:cSld>
   <p:clrMapOvr>
     <a:masterClrMapping/>
   </p:clrMapOvr>
-  <mc:AlternateContent xmlns:mc="http://schemas.openxmlformats.org/markup-compatibility/2006">
-    <mc:Choice xmlns:p14="http://schemas.microsoft.com/office/powerpoint/2010/main" xmlns="" Requires="p14">
+  <mc:AlternateContent xmlns:mc="http://schemas.openxmlformats.org/markup-compatibility/2006" xmlns:p14="http://schemas.microsoft.com/office/powerpoint/2010/main">
+    <mc:Choice Requires="p14">
       <p:transition spd="med" p14:dur="700">
         <p:fade/>
       </p:transition>
     </mc:Choice>
-    <mc:Fallback>
+    <mc:Fallback xmlns="">
       <p:transition spd="med">
         <p:fade/>
       </p:transition>
@@ -52727,20 +52909,20 @@
     </p:spTree>
     <p:extLst>
       <p:ext uri="{BB962C8B-B14F-4D97-AF65-F5344CB8AC3E}">
-        <p14:creationId xmlns:p14="http://schemas.microsoft.com/office/powerpoint/2010/main" xmlns="" val="3493880985"/>
+        <p14:creationId xmlns:p14="http://schemas.microsoft.com/office/powerpoint/2010/main" val="3493880985"/>
       </p:ext>
     </p:extLst>
   </p:cSld>
   <p:clrMapOvr>
     <a:masterClrMapping/>
   </p:clrMapOvr>
-  <mc:AlternateContent xmlns:mc="http://schemas.openxmlformats.org/markup-compatibility/2006">
-    <mc:Choice xmlns:p14="http://schemas.microsoft.com/office/powerpoint/2010/main" xmlns="" Requires="p14">
+  <mc:AlternateContent xmlns:mc="http://schemas.openxmlformats.org/markup-compatibility/2006" xmlns:p14="http://schemas.microsoft.com/office/powerpoint/2010/main">
+    <mc:Choice Requires="p14">
       <p:transition spd="med" p14:dur="700">
         <p:fade/>
       </p:transition>
     </mc:Choice>
-    <mc:Fallback>
+    <mc:Fallback xmlns="">
       <p:transition spd="med">
         <p:fade/>
       </p:transition>
@@ -53729,20 +53911,20 @@
     </p:spTree>
     <p:extLst>
       <p:ext uri="{BB962C8B-B14F-4D97-AF65-F5344CB8AC3E}">
-        <p14:creationId xmlns:p14="http://schemas.microsoft.com/office/powerpoint/2010/main" xmlns="" val="1866215808"/>
+        <p14:creationId xmlns:p14="http://schemas.microsoft.com/office/powerpoint/2010/main" val="1866215808"/>
       </p:ext>
     </p:extLst>
   </p:cSld>
   <p:clrMapOvr>
     <a:masterClrMapping/>
   </p:clrMapOvr>
-  <mc:AlternateContent xmlns:mc="http://schemas.openxmlformats.org/markup-compatibility/2006">
-    <mc:Choice xmlns:p14="http://schemas.microsoft.com/office/powerpoint/2010/main" xmlns="" Requires="p14">
+  <mc:AlternateContent xmlns:mc="http://schemas.openxmlformats.org/markup-compatibility/2006" xmlns:p14="http://schemas.microsoft.com/office/powerpoint/2010/main">
+    <mc:Choice Requires="p14">
       <p:transition spd="med" p14:dur="700">
         <p:fade/>
       </p:transition>
     </mc:Choice>
-    <mc:Fallback>
+    <mc:Fallback xmlns="">
       <p:transition spd="med">
         <p:fade/>
       </p:transition>
@@ -54086,7 +54268,7 @@
     </a:clrScheme>
     <a:fontScheme name="Office">
       <a:majorFont>
-        <a:latin typeface="맑은 고딕"/>
+        <a:latin typeface="맑은 고딕" panose="020F0302020204030204"/>
         <a:ea typeface=""/>
         <a:cs typeface=""/>
         <a:font script="Jpan" typeface="游ゴシック Light"/>
@@ -54121,7 +54303,7 @@
         <a:font script="Geor" typeface="Sylfaen"/>
       </a:majorFont>
       <a:minorFont>
-        <a:latin typeface="맑은 고딕"/>
+        <a:latin typeface="맑은 고딕" panose="020F0502020204030204"/>
         <a:ea typeface=""/>
         <a:cs typeface=""/>
         <a:font script="Jpan" typeface="游ゴシック"/>
@@ -54298,7 +54480,7 @@
   <a:extraClrSchemeLst/>
   <a:extLst>
     <a:ext uri="{05A4C25C-085E-4340-85A3-A5531E510DB2}">
-      <thm15:themeFamily xmlns:thm15="http://schemas.microsoft.com/office/thememl/2012/main" xmlns="" name="Office Theme" id="{62F939B6-93AF-4DB8-9C6B-D6C7DFDC589F}" vid="{4A3C46E8-61CC-4603-A589-7422A47A8E4A}"/>
+      <thm15:themeFamily xmlns:thm15="http://schemas.microsoft.com/office/thememl/2012/main" name="Office Theme" id="{62F939B6-93AF-4DB8-9C6B-D6C7DFDC589F}" vid="{4A3C46E8-61CC-4603-A589-7422A47A8E4A}"/>
     </a:ext>
   </a:extLst>
 </a:theme>
